--- a/slides/week1_thurs.pptx
+++ b/slides/week1_thurs.pptx
@@ -5,17 +5,18 @@
     <p:sldMasterId id="2147483648" r:id="rId1"/>
   </p:sldMasterIdLst>
   <p:notesMasterIdLst>
-    <p:notesMasterId r:id="rId7"/>
+    <p:notesMasterId r:id="rId8"/>
   </p:notesMasterIdLst>
   <p:handoutMasterIdLst>
-    <p:handoutMasterId r:id="rId8"/>
+    <p:handoutMasterId r:id="rId9"/>
   </p:handoutMasterIdLst>
   <p:sldIdLst>
     <p:sldId id="257" r:id="rId2"/>
-    <p:sldId id="258" r:id="rId3"/>
-    <p:sldId id="259" r:id="rId4"/>
-    <p:sldId id="260" r:id="rId5"/>
-    <p:sldId id="261" r:id="rId6"/>
+    <p:sldId id="262" r:id="rId3"/>
+    <p:sldId id="258" r:id="rId4"/>
+    <p:sldId id="259" r:id="rId5"/>
+    <p:sldId id="260" r:id="rId6"/>
+    <p:sldId id="261" r:id="rId7"/>
   </p:sldIdLst>
   <p:sldSz cx="9144000" cy="6858000" type="screen4x3"/>
   <p:notesSz cx="6858000" cy="9144000"/>
@@ -3877,7 +3878,7 @@
           <a:p>
             <a:r>
               <a:rPr lang="en-US" dirty="0" smtClean="0"/>
-              <a:t>Introduction</a:t>
+              <a:t>Programming with Media Data</a:t>
             </a:r>
             <a:endParaRPr lang="en-US" dirty="0"/>
           </a:p>
@@ -3899,13 +3900,110 @@
           <a:lstStyle/>
           <a:p>
             <a:r>
+              <a:rPr lang="en-US" dirty="0" smtClean="0"/>
+              <a:t>Course Topics:</a:t>
+            </a:r>
+          </a:p>
+          <a:p>
+            <a:endParaRPr lang="en-US" dirty="0" smtClean="0"/>
+          </a:p>
+          <a:p>
+            <a:r>
+              <a:rPr lang="en-US" dirty="0"/>
+              <a:t>H</a:t>
+            </a:r>
+            <a:r>
+              <a:rPr lang="en-US" dirty="0" smtClean="0"/>
+              <a:t>ow to Program, specifically object-oriented programming using:</a:t>
+            </a:r>
+          </a:p>
+          <a:p>
+            <a:r>
+              <a:rPr lang="en-US" dirty="0" smtClean="0"/>
+              <a:t>	Processing - a subset/extension of an older version of Java for media programming</a:t>
+            </a:r>
+          </a:p>
+          <a:p>
+            <a:r>
+              <a:rPr lang="en-US" dirty="0" smtClean="0"/>
+              <a:t>	Java - a high level objected oriented language</a:t>
+            </a:r>
+          </a:p>
+          <a:p>
+            <a:r>
+              <a:rPr lang="en-US" dirty="0" smtClean="0"/>
+              <a:t>	C++ - a high level objected oriented language </a:t>
+            </a:r>
+          </a:p>
+          <a:p>
+            <a:r>
+              <a:rPr lang="en-US" dirty="0" smtClean="0"/>
+              <a:t>	</a:t>
+            </a:r>
+          </a:p>
+          <a:p>
+            <a:r>
+              <a:rPr lang="en-US" dirty="0" smtClean="0"/>
+              <a:t>How to use and choose between the various data structures</a:t>
+            </a:r>
+          </a:p>
+          <a:p>
+            <a:r>
+              <a:rPr lang="en-US" dirty="0" smtClean="0"/>
+              <a:t>	Lists, arrays, maps, sets, queues, stacks, trees, graphs, ...</a:t>
+            </a:r>
+          </a:p>
+          <a:p>
+            <a:endParaRPr lang="en-US" dirty="0"/>
+          </a:p>
+          <a:p>
+            <a:endParaRPr lang="en-US" dirty="0" smtClean="0"/>
+          </a:p>
+          <a:p>
+            <a:r>
+              <a:rPr lang="en-US" dirty="0" smtClean="0"/>
+              <a:t>How to navigate a Unix environment</a:t>
+            </a:r>
+          </a:p>
+          <a:p>
+            <a:endParaRPr lang="en-US" dirty="0" smtClean="0"/>
+          </a:p>
+          <a:p>
+            <a:r>
+              <a:rPr lang="en-US" dirty="0" smtClean="0"/>
+              <a:t>How to use a Version Control System</a:t>
+            </a:r>
+          </a:p>
+          <a:p>
+            <a:r>
+              <a:rPr lang="en-US" dirty="0" smtClean="0"/>
+              <a:t>	</a:t>
+            </a:r>
+            <a:r>
               <a:rPr lang="en-US" dirty="0" err="1" smtClean="0"/>
-              <a:t>Abc</a:t>
+              <a:t>git</a:t>
+            </a:r>
+            <a:r>
+              <a:rPr lang="en-US" dirty="0" smtClean="0"/>
+              <a:t> &amp; </a:t>
+            </a:r>
+            <a:r>
+              <a:rPr lang="en-US" dirty="0" err="1" smtClean="0"/>
+              <a:t>github</a:t>
             </a:r>
             <a:endParaRPr lang="en-US" dirty="0" smtClean="0"/>
           </a:p>
           <a:p>
             <a:endParaRPr lang="en-US" dirty="0"/>
+          </a:p>
+          <a:p>
+            <a:endParaRPr lang="en-US" dirty="0" smtClean="0"/>
+          </a:p>
+          <a:p>
+            <a:r>
+              <a:rPr lang="en-US" dirty="0"/>
+              <a:t>	</a:t>
+            </a:r>
           </a:p>
         </p:txBody>
       </p:sp>
@@ -3958,7 +4056,7 @@
           <a:p>
             <a:r>
               <a:rPr lang="en-US" dirty="0" smtClean="0"/>
-              <a:t>Common Unix / Terminal commands</a:t>
+              <a:t>Today's Goals</a:t>
             </a:r>
             <a:endParaRPr lang="en-US" dirty="0"/>
           </a:p>
@@ -3979,231 +4077,87 @@
           <a:bodyPr/>
           <a:lstStyle/>
           <a:p>
-            <a:r>
-              <a:rPr lang="en-US" b="1" dirty="0" err="1" smtClean="0"/>
-              <a:t>cd</a:t>
-            </a:r>
-            <a:r>
-              <a:rPr lang="en-US" b="1" dirty="0" smtClean="0"/>
-              <a:t> = change directory</a:t>
-            </a:r>
-          </a:p>
-          <a:p>
-            <a:r>
-              <a:rPr lang="en-US" dirty="0" smtClean="0"/>
-              <a:t>	</a:t>
+            <a:endParaRPr lang="en-US" dirty="0" smtClean="0"/>
+          </a:p>
+          <a:p>
+            <a:r>
+              <a:rPr lang="en-US" dirty="0" smtClean="0"/>
+              <a:t>To install Processing, play with some sample code, and explore the Processing web site</a:t>
+            </a:r>
+          </a:p>
+          <a:p>
+            <a:endParaRPr lang="en-US" dirty="0" smtClean="0"/>
+          </a:p>
+          <a:p>
+            <a:r>
+              <a:rPr lang="en-US" dirty="0" smtClean="0"/>
+              <a:t>To become familiar with the Unix </a:t>
             </a:r>
             <a:r>
               <a:rPr lang="en-US" dirty="0" err="1" smtClean="0"/>
-              <a:t>cd</a:t>
-            </a:r>
-            <a:r>
-              <a:rPr lang="en-US" dirty="0" smtClean="0"/>
-              <a:t> .. 					</a:t>
-            </a:r>
-            <a:r>
-              <a:rPr lang="en-US" i="1" dirty="0" smtClean="0"/>
-              <a:t>move up to parent directory</a:t>
-            </a:r>
-          </a:p>
-          <a:p>
-            <a:r>
-              <a:rPr lang="en-US" dirty="0" smtClean="0"/>
-              <a:t>	</a:t>
+              <a:t>filesystem</a:t>
+            </a:r>
+            <a:r>
+              <a:rPr lang="en-US" dirty="0" smtClean="0"/>
+              <a:t> </a:t>
+            </a:r>
+            <a:r>
+              <a:rPr lang="en-US" dirty="0" smtClean="0"/>
+              <a:t>and </a:t>
+            </a:r>
+            <a:r>
+              <a:rPr lang="en-US" dirty="0" smtClean="0"/>
+              <a:t>environment</a:t>
+            </a:r>
+          </a:p>
+          <a:p>
+            <a:endParaRPr lang="en-US" dirty="0" smtClean="0"/>
+          </a:p>
+          <a:p>
+            <a:r>
+              <a:rPr lang="en-US" dirty="0" smtClean="0"/>
+              <a:t>To install </a:t>
             </a:r>
             <a:r>
               <a:rPr lang="en-US" dirty="0" err="1" smtClean="0"/>
-              <a:t>cd</a:t>
-            </a:r>
-            <a:r>
-              <a:rPr lang="en-US" dirty="0" smtClean="0"/>
-              <a:t> ~ 					</a:t>
-            </a:r>
-            <a:r>
-              <a:rPr lang="en-US" i="1" dirty="0" smtClean="0"/>
-              <a:t>change to home directory</a:t>
-            </a:r>
-          </a:p>
-          <a:p>
-            <a:r>
-              <a:rPr lang="en-US" i="1" dirty="0" smtClean="0"/>
-              <a:t>	</a:t>
+              <a:t>git</a:t>
+            </a:r>
+            <a:r>
+              <a:rPr lang="en-US" dirty="0" smtClean="0"/>
+              <a:t> and to set up an account on </a:t>
             </a:r>
             <a:r>
               <a:rPr lang="en-US" dirty="0" err="1" smtClean="0"/>
-              <a:t>cd</a:t>
-            </a:r>
-            <a:r>
-              <a:rPr lang="en-US" dirty="0" smtClean="0"/>
-              <a:t> /</a:t>
-            </a:r>
-            <a:r>
-              <a:rPr lang="en-US" i="1" dirty="0" smtClean="0"/>
-              <a:t>					change to top level "root" directory	</a:t>
-            </a:r>
-          </a:p>
-          <a:p>
-            <a:r>
-              <a:rPr lang="en-US" i="1" dirty="0" smtClean="0"/>
-              <a:t>	</a:t>
+              <a:t>github.com</a:t>
+            </a:r>
+            <a:endParaRPr lang="en-US" dirty="0" smtClean="0"/>
+          </a:p>
+          <a:p>
+            <a:endParaRPr lang="en-US" dirty="0" smtClean="0"/>
+          </a:p>
+          <a:p>
+            <a:r>
+              <a:rPr lang="en-US" dirty="0" smtClean="0"/>
+              <a:t>To create a new </a:t>
             </a:r>
             <a:r>
               <a:rPr lang="en-US" dirty="0" err="1" smtClean="0"/>
-              <a:t>cd</a:t>
-            </a:r>
-            <a:r>
-              <a:rPr lang="en-US" dirty="0" smtClean="0"/>
-              <a:t> /Users/angus/Music	</a:t>
-            </a:r>
-            <a:r>
-              <a:rPr lang="en-US" i="1" dirty="0" smtClean="0"/>
-              <a:t>change to a directory by providing the absolute path</a:t>
-            </a:r>
-          </a:p>
-          <a:p>
-            <a:r>
-              <a:rPr lang="en-US" i="1" dirty="0" smtClean="0"/>
-              <a:t>	</a:t>
-            </a:r>
-            <a:r>
-              <a:rPr lang="en-US" dirty="0" err="1" smtClean="0"/>
-              <a:t>cd</a:t>
-            </a:r>
-            <a:r>
-              <a:rPr lang="en-US" dirty="0" smtClean="0"/>
-              <a:t> </a:t>
-            </a:r>
-            <a:r>
-              <a:rPr lang="en-US" dirty="0" err="1" smtClean="0"/>
-              <a:t>src</a:t>
-            </a:r>
-            <a:r>
-              <a:rPr lang="en-US" dirty="0" smtClean="0"/>
-              <a:t>					</a:t>
-            </a:r>
-            <a:r>
-              <a:rPr lang="en-US" i="1" dirty="0" smtClean="0"/>
-              <a:t>move into a child folder by providing a relative path</a:t>
-            </a:r>
-            <a:endParaRPr lang="en-US" i="1" dirty="0" smtClean="0"/>
-          </a:p>
-          <a:p>
-            <a:r>
-              <a:rPr lang="en-US" dirty="0" smtClean="0"/>
-              <a:t>	</a:t>
-            </a:r>
-          </a:p>
-          <a:p>
-            <a:r>
-              <a:rPr lang="en-US" b="1" dirty="0" err="1" smtClean="0"/>
-              <a:t>pwd</a:t>
-            </a:r>
-            <a:r>
-              <a:rPr lang="en-US" b="1" dirty="0" smtClean="0"/>
-              <a:t> = print working directory</a:t>
-            </a:r>
-          </a:p>
-          <a:p>
-            <a:r>
-              <a:rPr lang="en-US" i="1" dirty="0" smtClean="0"/>
-              <a:t> 	</a:t>
-            </a:r>
-            <a:r>
-              <a:rPr lang="en-US" dirty="0" err="1" smtClean="0"/>
-              <a:t>cd</a:t>
-            </a:r>
-            <a:r>
-              <a:rPr lang="en-US" dirty="0" smtClean="0"/>
-              <a:t> ~					</a:t>
-            </a:r>
-            <a:r>
-              <a:rPr lang="en-US" i="1" dirty="0" smtClean="0"/>
-              <a:t>change to home directory</a:t>
-            </a:r>
+              <a:t>git</a:t>
+            </a:r>
+            <a:r>
+              <a:rPr lang="en-US" dirty="0" smtClean="0"/>
+              <a:t> repository for a </a:t>
+            </a:r>
+            <a:r>
+              <a:rPr lang="en-US" smtClean="0"/>
+              <a:t>Processing sketch</a:t>
+            </a:r>
+          </a:p>
+          <a:p>
             <a:endParaRPr lang="en-US" dirty="0" smtClean="0"/>
           </a:p>
           <a:p>
-            <a:r>
-              <a:rPr lang="en-US" i="1" dirty="0" smtClean="0"/>
-              <a:t>	</a:t>
-            </a:r>
-            <a:r>
-              <a:rPr lang="en-US" dirty="0" err="1" smtClean="0"/>
-              <a:t>pwd</a:t>
-            </a:r>
-            <a:r>
-              <a:rPr lang="en-US" dirty="0" smtClean="0"/>
-              <a:t>					</a:t>
-            </a:r>
-            <a:r>
-              <a:rPr lang="en-US" i="1" dirty="0" smtClean="0"/>
-              <a:t>prints out "/Users/angus"</a:t>
-            </a:r>
-          </a:p>
-          <a:p>
             <a:endParaRPr lang="en-US" dirty="0" smtClean="0"/>
-          </a:p>
-          <a:p>
-            <a:r>
-              <a:rPr lang="en-US" b="1" dirty="0" err="1" smtClean="0"/>
-              <a:t>ls</a:t>
-            </a:r>
-            <a:r>
-              <a:rPr lang="en-US" b="1" dirty="0" smtClean="0"/>
-              <a:t> = list files and directories in current directory</a:t>
-            </a:r>
-          </a:p>
-          <a:p>
-            <a:endParaRPr lang="en-US" dirty="0" smtClean="0"/>
-          </a:p>
-          <a:p>
-            <a:r>
-              <a:rPr lang="en-US" b="1" dirty="0" smtClean="0"/>
-              <a:t>cat = print out file</a:t>
-            </a:r>
-          </a:p>
-          <a:p>
-            <a:r>
-              <a:rPr lang="en-US" dirty="0" smtClean="0"/>
-              <a:t>	cat </a:t>
-            </a:r>
-            <a:r>
-              <a:rPr lang="en-US" dirty="0" err="1" smtClean="0"/>
-              <a:t>myText.txt</a:t>
-            </a:r>
-            <a:r>
-              <a:rPr lang="en-US" dirty="0" smtClean="0"/>
-              <a:t>			</a:t>
-            </a:r>
-            <a:r>
-              <a:rPr lang="en-US" i="1" dirty="0" smtClean="0"/>
-              <a:t>prints out contents of "</a:t>
-            </a:r>
-            <a:r>
-              <a:rPr lang="en-US" i="1" dirty="0" err="1" smtClean="0"/>
-              <a:t>myText.txt</a:t>
-            </a:r>
-            <a:r>
-              <a:rPr lang="en-US" i="1" dirty="0" smtClean="0"/>
-              <a:t>"</a:t>
-            </a:r>
-            <a:r>
-              <a:rPr lang="en-US" dirty="0" smtClean="0"/>
-              <a:t> </a:t>
-            </a:r>
-          </a:p>
-          <a:p>
-            <a:endParaRPr lang="en-US" dirty="0" smtClean="0"/>
-          </a:p>
-          <a:p>
-            <a:endParaRPr lang="en-US" dirty="0" smtClean="0"/>
-          </a:p>
-          <a:p>
-            <a:r>
-              <a:rPr lang="en-US" i="1" dirty="0" smtClean="0"/>
-              <a:t> </a:t>
-            </a:r>
-            <a:endParaRPr lang="en-US" i="1" dirty="0"/>
           </a:p>
         </p:txBody>
       </p:sp>
@@ -4212,13 +4166,6 @@
   <p:clrMapOvr>
     <a:masterClrMapping/>
   </p:clrMapOvr>
-  <p:timing>
-    <p:tnLst>
-      <p:par>
-        <p:cTn id="1" dur="indefinite" restart="never" nodeType="tmRoot"/>
-      </p:par>
-    </p:tnLst>
-  </p:timing>
 </p:sld>
 </file>
 
@@ -4278,18 +4225,94 @@
           <a:lstStyle/>
           <a:p>
             <a:r>
+              <a:rPr lang="en-US" b="1" dirty="0" err="1" smtClean="0"/>
+              <a:t>cd</a:t>
+            </a:r>
+            <a:r>
               <a:rPr lang="en-US" b="1" dirty="0" smtClean="0"/>
-              <a:t>cp = copy file</a:t>
-            </a:r>
-          </a:p>
-          <a:p>
-            <a:r>
-              <a:rPr lang="en-US" dirty="0" smtClean="0"/>
-              <a:t>	cp </a:t>
+              <a:t> = change directory</a:t>
+            </a:r>
+          </a:p>
+          <a:p>
+            <a:r>
+              <a:rPr lang="en-US" dirty="0" smtClean="0"/>
+              <a:t>	</a:t>
             </a:r>
             <a:r>
               <a:rPr lang="en-US" dirty="0" err="1" smtClean="0"/>
-              <a:t>fileA</a:t>
+              <a:t>cd</a:t>
+            </a:r>
+            <a:r>
+              <a:rPr lang="en-US" dirty="0" smtClean="0"/>
+              <a:t> .. 					</a:t>
+            </a:r>
+            <a:r>
+              <a:rPr lang="en-US" i="1" dirty="0" smtClean="0"/>
+              <a:t>move up to parent directory</a:t>
+            </a:r>
+          </a:p>
+          <a:p>
+            <a:r>
+              <a:rPr lang="en-US" dirty="0" smtClean="0"/>
+              <a:t>	</a:t>
+            </a:r>
+            <a:r>
+              <a:rPr lang="en-US" dirty="0" err="1" smtClean="0"/>
+              <a:t>cd</a:t>
+            </a:r>
+            <a:r>
+              <a:rPr lang="en-US" dirty="0" smtClean="0"/>
+              <a:t> ~ 					</a:t>
+            </a:r>
+            <a:r>
+              <a:rPr lang="en-US" i="1" dirty="0" smtClean="0"/>
+              <a:t>change to home directory</a:t>
+            </a:r>
+          </a:p>
+          <a:p>
+            <a:r>
+              <a:rPr lang="en-US" i="1" dirty="0" smtClean="0"/>
+              <a:t>	</a:t>
+            </a:r>
+            <a:r>
+              <a:rPr lang="en-US" dirty="0" err="1" smtClean="0"/>
+              <a:t>cd</a:t>
+            </a:r>
+            <a:r>
+              <a:rPr lang="en-US" dirty="0" smtClean="0"/>
+              <a:t> /</a:t>
+            </a:r>
+            <a:r>
+              <a:rPr lang="en-US" i="1" dirty="0" smtClean="0"/>
+              <a:t>					change to top level "root" directory	</a:t>
+            </a:r>
+          </a:p>
+          <a:p>
+            <a:r>
+              <a:rPr lang="en-US" i="1" dirty="0" smtClean="0"/>
+              <a:t>	</a:t>
+            </a:r>
+            <a:r>
+              <a:rPr lang="en-US" dirty="0" err="1" smtClean="0"/>
+              <a:t>cd</a:t>
+            </a:r>
+            <a:r>
+              <a:rPr lang="en-US" dirty="0" smtClean="0"/>
+              <a:t> /Users/angus/Music	</a:t>
+            </a:r>
+            <a:r>
+              <a:rPr lang="en-US" i="1" dirty="0" smtClean="0"/>
+              <a:t>change to a directory by providing the absolute path</a:t>
+            </a:r>
+          </a:p>
+          <a:p>
+            <a:r>
+              <a:rPr lang="en-US" i="1" dirty="0" smtClean="0"/>
+              <a:t>	</a:t>
+            </a:r>
+            <a:r>
+              <a:rPr lang="en-US" dirty="0" err="1" smtClean="0"/>
+              <a:t>cd</a:t>
             </a:r>
             <a:r>
               <a:rPr lang="en-US" dirty="0" smtClean="0"/>
@@ -4297,371 +4320,117 @@
             </a:r>
             <a:r>
               <a:rPr lang="en-US" dirty="0" err="1" smtClean="0"/>
-              <a:t>fileB</a:t>
-            </a:r>
-            <a:r>
-              <a:rPr lang="en-US" dirty="0" smtClean="0"/>
-              <a:t> 		</a:t>
+              <a:t>src</a:t>
+            </a:r>
+            <a:r>
+              <a:rPr lang="en-US" dirty="0" smtClean="0"/>
+              <a:t>					</a:t>
             </a:r>
             <a:r>
               <a:rPr lang="en-US" i="1" dirty="0" smtClean="0"/>
-              <a:t>copies the contents of "</a:t>
+              <a:t>move into a child folder by providing a relative path</a:t>
+            </a:r>
+            <a:endParaRPr lang="en-US" i="1" dirty="0" smtClean="0"/>
+          </a:p>
+          <a:p>
+            <a:r>
+              <a:rPr lang="en-US" dirty="0" smtClean="0"/>
+              <a:t>	</a:t>
+            </a:r>
+          </a:p>
+          <a:p>
+            <a:r>
+              <a:rPr lang="en-US" b="1" dirty="0" err="1" smtClean="0"/>
+              <a:t>pwd</a:t>
+            </a:r>
+            <a:r>
+              <a:rPr lang="en-US" b="1" dirty="0" smtClean="0"/>
+              <a:t> = print working directory</a:t>
+            </a:r>
+          </a:p>
+          <a:p>
+            <a:r>
+              <a:rPr lang="en-US" i="1" dirty="0" smtClean="0"/>
+              <a:t> 	</a:t>
+            </a:r>
+            <a:r>
+              <a:rPr lang="en-US" dirty="0" err="1" smtClean="0"/>
+              <a:t>cd</a:t>
+            </a:r>
+            <a:r>
+              <a:rPr lang="en-US" dirty="0" smtClean="0"/>
+              <a:t> ~					</a:t>
+            </a:r>
+            <a:r>
+              <a:rPr lang="en-US" i="1" dirty="0" smtClean="0"/>
+              <a:t>change to home directory</a:t>
+            </a:r>
+            <a:endParaRPr lang="en-US" dirty="0" smtClean="0"/>
+          </a:p>
+          <a:p>
+            <a:r>
+              <a:rPr lang="en-US" i="1" dirty="0" smtClean="0"/>
+              <a:t>	</a:t>
+            </a:r>
+            <a:r>
+              <a:rPr lang="en-US" dirty="0" err="1" smtClean="0"/>
+              <a:t>pwd</a:t>
+            </a:r>
+            <a:r>
+              <a:rPr lang="en-US" dirty="0" smtClean="0"/>
+              <a:t>					</a:t>
+            </a:r>
+            <a:r>
+              <a:rPr lang="en-US" i="1" dirty="0" smtClean="0"/>
+              <a:t>prints out "/Users/angus"</a:t>
+            </a:r>
+          </a:p>
+          <a:p>
+            <a:endParaRPr lang="en-US" dirty="0" smtClean="0"/>
+          </a:p>
+          <a:p>
+            <a:r>
+              <a:rPr lang="en-US" b="1" dirty="0" err="1" smtClean="0"/>
+              <a:t>ls</a:t>
+            </a:r>
+            <a:r>
+              <a:rPr lang="en-US" b="1" dirty="0" smtClean="0"/>
+              <a:t> = list files and directories in current directory</a:t>
+            </a:r>
+          </a:p>
+          <a:p>
+            <a:endParaRPr lang="en-US" dirty="0" smtClean="0"/>
+          </a:p>
+          <a:p>
+            <a:r>
+              <a:rPr lang="en-US" b="1" dirty="0" smtClean="0"/>
+              <a:t>cat = print out file</a:t>
+            </a:r>
+          </a:p>
+          <a:p>
+            <a:r>
+              <a:rPr lang="en-US" dirty="0" smtClean="0"/>
+              <a:t>	cat </a:t>
+            </a:r>
+            <a:r>
+              <a:rPr lang="en-US" dirty="0" err="1" smtClean="0"/>
+              <a:t>myText.txt</a:t>
+            </a:r>
+            <a:r>
+              <a:rPr lang="en-US" dirty="0" smtClean="0"/>
+              <a:t>			</a:t>
+            </a:r>
+            <a:r>
+              <a:rPr lang="en-US" i="1" dirty="0" smtClean="0"/>
+              <a:t>prints out contents of "</a:t>
             </a:r>
             <a:r>
               <a:rPr lang="en-US" i="1" dirty="0" err="1" smtClean="0"/>
-              <a:t>fileA</a:t>
-            </a:r>
-            <a:r>
-              <a:rPr lang="en-US" i="1" dirty="0" smtClean="0"/>
-              <a:t>" into a new file named "</a:t>
-            </a:r>
-            <a:r>
-              <a:rPr lang="en-US" i="1" dirty="0" err="1" smtClean="0"/>
-              <a:t>fileB</a:t>
+              <a:t>myText.txt</a:t>
             </a:r>
             <a:r>
               <a:rPr lang="en-US" i="1" dirty="0" smtClean="0"/>
               <a:t>"</a:t>
-            </a:r>
-          </a:p>
-          <a:p>
-            <a:r>
-              <a:rPr lang="en-US" dirty="0" smtClean="0"/>
-              <a:t>	cp </a:t>
-            </a:r>
-            <a:r>
-              <a:rPr lang="en-US" dirty="0" err="1" smtClean="0"/>
-              <a:t>src</a:t>
-            </a:r>
-            <a:r>
-              <a:rPr lang="en-US" dirty="0" smtClean="0"/>
-              <a:t>/* ../</a:t>
-            </a:r>
-            <a:r>
-              <a:rPr lang="en-US" dirty="0" err="1" smtClean="0"/>
-              <a:t>dest</a:t>
-            </a:r>
-            <a:r>
-              <a:rPr lang="en-US" dirty="0" smtClean="0"/>
-              <a:t>/		copies all files in "</a:t>
-            </a:r>
-            <a:r>
-              <a:rPr lang="en-US" dirty="0" err="1" smtClean="0"/>
-              <a:t>src</a:t>
-            </a:r>
-            <a:r>
-              <a:rPr lang="en-US" dirty="0" smtClean="0"/>
-              <a:t>" into "</a:t>
-            </a:r>
-            <a:r>
-              <a:rPr lang="en-US" dirty="0" err="1" smtClean="0"/>
-              <a:t>dest</a:t>
-            </a:r>
-            <a:r>
-              <a:rPr lang="en-US" dirty="0" smtClean="0"/>
-              <a:t>" inside the parent directory</a:t>
-            </a:r>
-          </a:p>
-          <a:p>
-            <a:r>
-              <a:rPr lang="en-US" dirty="0" smtClean="0"/>
-              <a:t>	cp –</a:t>
-            </a:r>
-            <a:r>
-              <a:rPr lang="en-US" dirty="0" err="1" smtClean="0"/>
-              <a:t>r</a:t>
-            </a:r>
-            <a:r>
-              <a:rPr lang="en-US" dirty="0" smtClean="0"/>
-              <a:t> </a:t>
-            </a:r>
-            <a:r>
-              <a:rPr lang="en-US" dirty="0" err="1" smtClean="0"/>
-              <a:t>src</a:t>
-            </a:r>
-            <a:r>
-              <a:rPr lang="en-US" dirty="0" smtClean="0"/>
-              <a:t>/ </a:t>
-            </a:r>
-            <a:r>
-              <a:rPr lang="en-US" dirty="0" err="1" smtClean="0"/>
-              <a:t>dest</a:t>
-            </a:r>
-            <a:r>
-              <a:rPr lang="en-US" dirty="0" smtClean="0"/>
-              <a:t>/		</a:t>
-            </a:r>
-            <a:r>
-              <a:rPr lang="en-US" i="1" dirty="0" smtClean="0"/>
-              <a:t>copies all files and directories in "</a:t>
-            </a:r>
-            <a:r>
-              <a:rPr lang="en-US" i="1" dirty="0" err="1" smtClean="0"/>
-              <a:t>src</a:t>
-            </a:r>
-            <a:r>
-              <a:rPr lang="en-US" i="1" dirty="0" smtClean="0"/>
-              <a:t>" recursively into "</a:t>
-            </a:r>
-            <a:r>
-              <a:rPr lang="en-US" i="1" dirty="0" err="1" smtClean="0"/>
-              <a:t>dest</a:t>
-            </a:r>
-            <a:r>
-              <a:rPr lang="en-US" i="1" dirty="0" smtClean="0"/>
-              <a:t>"</a:t>
-            </a:r>
-          </a:p>
-          <a:p>
-            <a:r>
-              <a:rPr lang="en-US" dirty="0" smtClean="0"/>
-              <a:t> </a:t>
-            </a:r>
-          </a:p>
-          <a:p>
-            <a:r>
-              <a:rPr lang="en-US" b="1" dirty="0" err="1" smtClean="0"/>
-              <a:t>mv</a:t>
-            </a:r>
-            <a:r>
-              <a:rPr lang="en-US" b="1" dirty="0" smtClean="0"/>
-              <a:t> = move file</a:t>
-            </a:r>
-          </a:p>
-          <a:p>
-            <a:r>
-              <a:rPr lang="en-US" i="1" dirty="0" smtClean="0"/>
-              <a:t> 	</a:t>
-            </a:r>
-            <a:r>
-              <a:rPr lang="en-US" dirty="0" err="1" smtClean="0"/>
-              <a:t>mv</a:t>
-            </a:r>
-            <a:r>
-              <a:rPr lang="en-US" dirty="0" smtClean="0"/>
-              <a:t> </a:t>
-            </a:r>
-            <a:r>
-              <a:rPr lang="en-US" dirty="0" err="1" smtClean="0"/>
-              <a:t>fileA</a:t>
-            </a:r>
-            <a:r>
-              <a:rPr lang="en-US" dirty="0" smtClean="0"/>
-              <a:t> </a:t>
-            </a:r>
-            <a:r>
-              <a:rPr lang="en-US" dirty="0" err="1" smtClean="0"/>
-              <a:t>fileB</a:t>
-            </a:r>
-            <a:r>
-              <a:rPr lang="en-US" dirty="0" smtClean="0"/>
-              <a:t>		</a:t>
-            </a:r>
-            <a:r>
-              <a:rPr lang="en-US" i="1" dirty="0" smtClean="0"/>
-              <a:t>renames "</a:t>
-            </a:r>
-            <a:r>
-              <a:rPr lang="en-US" i="1" dirty="0" err="1" smtClean="0"/>
-              <a:t>fileA</a:t>
-            </a:r>
-            <a:r>
-              <a:rPr lang="en-US" i="1" dirty="0" smtClean="0"/>
-              <a:t>" to "</a:t>
-            </a:r>
-            <a:r>
-              <a:rPr lang="en-US" i="1" dirty="0" err="1" smtClean="0"/>
-              <a:t>fileB</a:t>
-            </a:r>
-            <a:r>
-              <a:rPr lang="en-US" i="1" dirty="0" smtClean="0"/>
-              <a:t>"</a:t>
-            </a:r>
-            <a:endParaRPr lang="en-US" dirty="0" smtClean="0"/>
-          </a:p>
-          <a:p>
-            <a:r>
-              <a:rPr lang="en-US" i="1" dirty="0" smtClean="0"/>
-              <a:t>	</a:t>
-            </a:r>
-            <a:r>
-              <a:rPr lang="en-US" dirty="0" err="1" smtClean="0"/>
-              <a:t>mv</a:t>
-            </a:r>
-            <a:r>
-              <a:rPr lang="en-US" dirty="0" smtClean="0"/>
-              <a:t> </a:t>
-            </a:r>
-            <a:r>
-              <a:rPr lang="en-US" dirty="0" err="1" smtClean="0"/>
-              <a:t>dirA</a:t>
-            </a:r>
-            <a:r>
-              <a:rPr lang="en-US" dirty="0" smtClean="0"/>
-              <a:t> ~/</a:t>
-            </a:r>
-            <a:r>
-              <a:rPr lang="en-US" dirty="0" err="1" smtClean="0"/>
-              <a:t>dirZ</a:t>
-            </a:r>
-            <a:r>
-              <a:rPr lang="en-US" dirty="0" smtClean="0"/>
-              <a:t> 		</a:t>
-            </a:r>
-            <a:r>
-              <a:rPr lang="en-US" i="1" dirty="0" smtClean="0"/>
-              <a:t>moves "</a:t>
-            </a:r>
-            <a:r>
-              <a:rPr lang="en-US" i="1" dirty="0" err="1" smtClean="0"/>
-              <a:t>dirA</a:t>
-            </a:r>
-            <a:r>
-              <a:rPr lang="en-US" i="1" dirty="0" smtClean="0"/>
-              <a:t>" into the home directory, renaming it "</a:t>
-            </a:r>
-            <a:r>
-              <a:rPr lang="en-US" i="1" dirty="0" err="1" smtClean="0"/>
-              <a:t>dirZ</a:t>
-            </a:r>
-            <a:r>
-              <a:rPr lang="en-US" i="1" dirty="0" smtClean="0"/>
-              <a:t>"</a:t>
-            </a:r>
-          </a:p>
-          <a:p>
-            <a:endParaRPr lang="en-US" dirty="0" smtClean="0"/>
-          </a:p>
-          <a:p>
-            <a:r>
-              <a:rPr lang="en-US" b="1" dirty="0" err="1" smtClean="0"/>
-              <a:t>mkdir</a:t>
-            </a:r>
-            <a:r>
-              <a:rPr lang="en-US" b="1" dirty="0" smtClean="0"/>
-              <a:t> = make a new directory</a:t>
-            </a:r>
-          </a:p>
-          <a:p>
-            <a:r>
-              <a:rPr lang="en-US" b="1" dirty="0" smtClean="0"/>
-              <a:t>	</a:t>
-            </a:r>
-            <a:r>
-              <a:rPr lang="en-US" dirty="0" err="1" smtClean="0"/>
-              <a:t>mkdir</a:t>
-            </a:r>
-            <a:r>
-              <a:rPr lang="en-US" dirty="0" smtClean="0"/>
-              <a:t> </a:t>
-            </a:r>
-            <a:r>
-              <a:rPr lang="en-US" dirty="0" err="1" smtClean="0"/>
-              <a:t>newdir</a:t>
-            </a:r>
-            <a:r>
-              <a:rPr lang="en-US" b="1" dirty="0" smtClean="0"/>
-              <a:t>		</a:t>
-            </a:r>
-            <a:r>
-              <a:rPr lang="en-US" i="1" dirty="0" smtClean="0"/>
-              <a:t>makes a new directory "</a:t>
-            </a:r>
-            <a:r>
-              <a:rPr lang="en-US" i="1" dirty="0" err="1" smtClean="0"/>
-              <a:t>newdir</a:t>
-            </a:r>
-            <a:r>
-              <a:rPr lang="en-US" i="1" dirty="0" smtClean="0"/>
-              <a:t>" under the current directory</a:t>
-            </a:r>
-          </a:p>
-          <a:p>
-            <a:endParaRPr lang="en-US" dirty="0" smtClean="0"/>
-          </a:p>
-          <a:p>
-            <a:r>
-              <a:rPr lang="en-US" b="1" dirty="0" err="1" smtClean="0"/>
-              <a:t>rm</a:t>
-            </a:r>
-            <a:r>
-              <a:rPr lang="en-US" b="1" dirty="0" smtClean="0"/>
-              <a:t> = permanently removes a file or directory</a:t>
-            </a:r>
-          </a:p>
-          <a:p>
-            <a:r>
-              <a:rPr lang="en-US" dirty="0" smtClean="0"/>
-              <a:t>	</a:t>
-            </a:r>
-            <a:r>
-              <a:rPr lang="en-US" dirty="0" err="1" smtClean="0"/>
-              <a:t>rm</a:t>
-            </a:r>
-            <a:r>
-              <a:rPr lang="en-US" dirty="0" smtClean="0"/>
-              <a:t> </a:t>
-            </a:r>
-            <a:r>
-              <a:rPr lang="en-US" dirty="0" err="1" smtClean="0"/>
-              <a:t>fileA</a:t>
-            </a:r>
-            <a:r>
-              <a:rPr lang="en-US" dirty="0" smtClean="0"/>
-              <a:t>			</a:t>
-            </a:r>
-            <a:r>
-              <a:rPr lang="en-US" i="1" dirty="0" smtClean="0"/>
-              <a:t>deletes "</a:t>
-            </a:r>
-            <a:r>
-              <a:rPr lang="en-US" i="1" dirty="0" err="1" smtClean="0"/>
-              <a:t>fileA</a:t>
-            </a:r>
-            <a:r>
-              <a:rPr lang="en-US" i="1" dirty="0" smtClean="0"/>
-              <a:t>"</a:t>
-            </a:r>
-          </a:p>
-          <a:p>
-            <a:r>
-              <a:rPr lang="en-US" i="1" dirty="0" smtClean="0"/>
-              <a:t>	</a:t>
-            </a:r>
-            <a:r>
-              <a:rPr lang="en-US" dirty="0" err="1" smtClean="0"/>
-              <a:t>rm</a:t>
-            </a:r>
-            <a:r>
-              <a:rPr lang="en-US" dirty="0" smtClean="0"/>
-              <a:t> –</a:t>
-            </a:r>
-            <a:r>
-              <a:rPr lang="en-US" dirty="0" err="1" smtClean="0"/>
-              <a:t>rf</a:t>
-            </a:r>
-            <a:r>
-              <a:rPr lang="en-US" dirty="0" smtClean="0"/>
-              <a:t> </a:t>
-            </a:r>
-            <a:r>
-              <a:rPr lang="en-US" dirty="0" err="1" smtClean="0"/>
-              <a:t>dirA</a:t>
-            </a:r>
-            <a:r>
-              <a:rPr lang="en-US" i="1" dirty="0" smtClean="0"/>
-              <a:t>			VERY DANGEROUS! recursively deletes everything in </a:t>
-            </a:r>
-            <a:r>
-              <a:rPr lang="en-US" i="1" dirty="0" err="1" smtClean="0"/>
-              <a:t>dirA</a:t>
-            </a:r>
-            <a:endParaRPr lang="en-US" i="1" dirty="0" smtClean="0"/>
-          </a:p>
-          <a:p>
-            <a:r>
-              <a:rPr lang="en-US" i="1" dirty="0" smtClean="0"/>
-              <a:t> </a:t>
             </a:r>
             <a:r>
               <a:rPr lang="en-US" dirty="0" smtClean="0"/>
@@ -4753,89 +4522,303 @@
           <a:bodyPr/>
           <a:lstStyle/>
           <a:p>
+            <a:r>
+              <a:rPr lang="en-US" b="1" dirty="0" smtClean="0"/>
+              <a:t>cp = copy file</a:t>
+            </a:r>
+          </a:p>
+          <a:p>
+            <a:r>
+              <a:rPr lang="en-US" dirty="0" smtClean="0"/>
+              <a:t>	cp </a:t>
+            </a:r>
+            <a:r>
+              <a:rPr lang="en-US" dirty="0" err="1" smtClean="0"/>
+              <a:t>fileA</a:t>
+            </a:r>
+            <a:r>
+              <a:rPr lang="en-US" dirty="0" smtClean="0"/>
+              <a:t> </a:t>
+            </a:r>
+            <a:r>
+              <a:rPr lang="en-US" dirty="0" err="1" smtClean="0"/>
+              <a:t>fileB</a:t>
+            </a:r>
+            <a:r>
+              <a:rPr lang="en-US" dirty="0" smtClean="0"/>
+              <a:t> 		</a:t>
+            </a:r>
+            <a:r>
+              <a:rPr lang="en-US" i="1" dirty="0" smtClean="0"/>
+              <a:t>copies the contents of "</a:t>
+            </a:r>
+            <a:r>
+              <a:rPr lang="en-US" i="1" dirty="0" err="1" smtClean="0"/>
+              <a:t>fileA</a:t>
+            </a:r>
+            <a:r>
+              <a:rPr lang="en-US" i="1" dirty="0" smtClean="0"/>
+              <a:t>" into a new file named "</a:t>
+            </a:r>
+            <a:r>
+              <a:rPr lang="en-US" i="1" dirty="0" err="1" smtClean="0"/>
+              <a:t>fileB</a:t>
+            </a:r>
+            <a:r>
+              <a:rPr lang="en-US" i="1" dirty="0" smtClean="0"/>
+              <a:t>"</a:t>
+            </a:r>
+          </a:p>
+          <a:p>
+            <a:r>
+              <a:rPr lang="en-US" dirty="0" smtClean="0"/>
+              <a:t>	cp </a:t>
+            </a:r>
+            <a:r>
+              <a:rPr lang="en-US" dirty="0" err="1" smtClean="0"/>
+              <a:t>src</a:t>
+            </a:r>
+            <a:r>
+              <a:rPr lang="en-US" dirty="0" smtClean="0"/>
+              <a:t>/* ../</a:t>
+            </a:r>
+            <a:r>
+              <a:rPr lang="en-US" dirty="0" err="1" smtClean="0"/>
+              <a:t>dest</a:t>
+            </a:r>
+            <a:r>
+              <a:rPr lang="en-US" dirty="0" smtClean="0"/>
+              <a:t>/		copies all files in "</a:t>
+            </a:r>
+            <a:r>
+              <a:rPr lang="en-US" dirty="0" err="1" smtClean="0"/>
+              <a:t>src</a:t>
+            </a:r>
+            <a:r>
+              <a:rPr lang="en-US" dirty="0" smtClean="0"/>
+              <a:t>" into "</a:t>
+            </a:r>
+            <a:r>
+              <a:rPr lang="en-US" dirty="0" err="1" smtClean="0"/>
+              <a:t>dest</a:t>
+            </a:r>
+            <a:r>
+              <a:rPr lang="en-US" dirty="0" smtClean="0"/>
+              <a:t>" inside the parent directory</a:t>
+            </a:r>
+          </a:p>
+          <a:p>
+            <a:r>
+              <a:rPr lang="en-US" dirty="0" smtClean="0"/>
+              <a:t>	cp –</a:t>
+            </a:r>
+            <a:r>
+              <a:rPr lang="en-US" dirty="0" err="1" smtClean="0"/>
+              <a:t>r</a:t>
+            </a:r>
+            <a:r>
+              <a:rPr lang="en-US" dirty="0" smtClean="0"/>
+              <a:t> </a:t>
+            </a:r>
+            <a:r>
+              <a:rPr lang="en-US" dirty="0" err="1" smtClean="0"/>
+              <a:t>src</a:t>
+            </a:r>
+            <a:r>
+              <a:rPr lang="en-US" dirty="0" smtClean="0"/>
+              <a:t>/ </a:t>
+            </a:r>
+            <a:r>
+              <a:rPr lang="en-US" dirty="0" err="1" smtClean="0"/>
+              <a:t>dest</a:t>
+            </a:r>
+            <a:r>
+              <a:rPr lang="en-US" dirty="0" smtClean="0"/>
+              <a:t>/		</a:t>
+            </a:r>
+            <a:r>
+              <a:rPr lang="en-US" i="1" dirty="0" smtClean="0"/>
+              <a:t>copies all files and directories in "</a:t>
+            </a:r>
+            <a:r>
+              <a:rPr lang="en-US" i="1" dirty="0" err="1" smtClean="0"/>
+              <a:t>src</a:t>
+            </a:r>
+            <a:r>
+              <a:rPr lang="en-US" i="1" dirty="0" smtClean="0"/>
+              <a:t>" recursively into "</a:t>
+            </a:r>
+            <a:r>
+              <a:rPr lang="en-US" i="1" dirty="0" err="1" smtClean="0"/>
+              <a:t>dest</a:t>
+            </a:r>
+            <a:r>
+              <a:rPr lang="en-US" i="1" dirty="0" smtClean="0"/>
+              <a:t>"</a:t>
+            </a:r>
+          </a:p>
+          <a:p>
+            <a:r>
+              <a:rPr lang="en-US" dirty="0" smtClean="0"/>
+              <a:t> </a:t>
+            </a:r>
+          </a:p>
+          <a:p>
+            <a:r>
+              <a:rPr lang="en-US" b="1" dirty="0" err="1" smtClean="0"/>
+              <a:t>mv</a:t>
+            </a:r>
+            <a:r>
+              <a:rPr lang="en-US" b="1" dirty="0" smtClean="0"/>
+              <a:t> = move file</a:t>
+            </a:r>
+          </a:p>
+          <a:p>
+            <a:r>
+              <a:rPr lang="en-US" i="1" dirty="0" smtClean="0"/>
+              <a:t> 	</a:t>
+            </a:r>
+            <a:r>
+              <a:rPr lang="en-US" dirty="0" err="1" smtClean="0"/>
+              <a:t>mv</a:t>
+            </a:r>
+            <a:r>
+              <a:rPr lang="en-US" dirty="0" smtClean="0"/>
+              <a:t> </a:t>
+            </a:r>
+            <a:r>
+              <a:rPr lang="en-US" dirty="0" err="1" smtClean="0"/>
+              <a:t>fileA</a:t>
+            </a:r>
+            <a:r>
+              <a:rPr lang="en-US" dirty="0" smtClean="0"/>
+              <a:t> </a:t>
+            </a:r>
+            <a:r>
+              <a:rPr lang="en-US" dirty="0" err="1" smtClean="0"/>
+              <a:t>fileB</a:t>
+            </a:r>
+            <a:r>
+              <a:rPr lang="en-US" dirty="0" smtClean="0"/>
+              <a:t>		</a:t>
+            </a:r>
+            <a:r>
+              <a:rPr lang="en-US" i="1" dirty="0" smtClean="0"/>
+              <a:t>renames "</a:t>
+            </a:r>
+            <a:r>
+              <a:rPr lang="en-US" i="1" dirty="0" err="1" smtClean="0"/>
+              <a:t>fileA</a:t>
+            </a:r>
+            <a:r>
+              <a:rPr lang="en-US" i="1" dirty="0" smtClean="0"/>
+              <a:t>" to "</a:t>
+            </a:r>
+            <a:r>
+              <a:rPr lang="en-US" i="1" dirty="0" err="1" smtClean="0"/>
+              <a:t>fileB</a:t>
+            </a:r>
+            <a:r>
+              <a:rPr lang="en-US" i="1" dirty="0" smtClean="0"/>
+              <a:t>"</a:t>
+            </a:r>
             <a:endParaRPr lang="en-US" dirty="0" smtClean="0"/>
           </a:p>
           <a:p>
+            <a:r>
+              <a:rPr lang="en-US" i="1" dirty="0" smtClean="0"/>
+              <a:t>	</a:t>
+            </a:r>
+            <a:r>
+              <a:rPr lang="en-US" dirty="0" err="1" smtClean="0"/>
+              <a:t>mv</a:t>
+            </a:r>
+            <a:r>
+              <a:rPr lang="en-US" dirty="0" smtClean="0"/>
+              <a:t> </a:t>
+            </a:r>
+            <a:r>
+              <a:rPr lang="en-US" dirty="0" err="1" smtClean="0"/>
+              <a:t>dirA</a:t>
+            </a:r>
+            <a:r>
+              <a:rPr lang="en-US" dirty="0" smtClean="0"/>
+              <a:t> ~/</a:t>
+            </a:r>
+            <a:r>
+              <a:rPr lang="en-US" dirty="0" err="1" smtClean="0"/>
+              <a:t>dirZ</a:t>
+            </a:r>
+            <a:r>
+              <a:rPr lang="en-US" dirty="0" smtClean="0"/>
+              <a:t> 		</a:t>
+            </a:r>
+            <a:r>
+              <a:rPr lang="en-US" i="1" dirty="0" smtClean="0"/>
+              <a:t>moves "</a:t>
+            </a:r>
+            <a:r>
+              <a:rPr lang="en-US" i="1" dirty="0" err="1" smtClean="0"/>
+              <a:t>dirA</a:t>
+            </a:r>
+            <a:r>
+              <a:rPr lang="en-US" i="1" dirty="0" smtClean="0"/>
+              <a:t>" into the home directory, renaming it "</a:t>
+            </a:r>
+            <a:r>
+              <a:rPr lang="en-US" i="1" dirty="0" err="1" smtClean="0"/>
+              <a:t>dirZ</a:t>
+            </a:r>
+            <a:r>
+              <a:rPr lang="en-US" i="1" dirty="0" smtClean="0"/>
+              <a:t>"</a:t>
+            </a:r>
+          </a:p>
+          <a:p>
             <a:endParaRPr lang="en-US" dirty="0" smtClean="0"/>
           </a:p>
           <a:p>
             <a:r>
-              <a:rPr lang="en-US" dirty="0" smtClean="0"/>
-              <a:t>pipes</a:t>
-            </a:r>
-          </a:p>
-          <a:p>
-            <a:endParaRPr lang="en-US" dirty="0" smtClean="0"/>
-          </a:p>
-          <a:p>
-            <a:r>
-              <a:rPr lang="en-US" dirty="0" smtClean="0"/>
-              <a:t>echo</a:t>
-            </a:r>
-          </a:p>
-          <a:p>
-            <a:endParaRPr lang="en-US" dirty="0" smtClean="0"/>
-          </a:p>
-          <a:p>
+              <a:rPr lang="en-US" b="1" dirty="0" err="1" smtClean="0"/>
+              <a:t>mkdir</a:t>
+            </a:r>
+            <a:r>
+              <a:rPr lang="en-US" b="1" dirty="0" smtClean="0"/>
+              <a:t> = make a new directory</a:t>
+            </a:r>
+          </a:p>
+          <a:p>
+            <a:r>
+              <a:rPr lang="en-US" b="1" dirty="0" smtClean="0"/>
+              <a:t>	</a:t>
+            </a:r>
             <a:r>
               <a:rPr lang="en-US" dirty="0" err="1" smtClean="0"/>
-              <a:t>grep</a:t>
-            </a:r>
-            <a:endParaRPr lang="en-US" dirty="0" smtClean="0"/>
-          </a:p>
-          <a:p>
-            <a:endParaRPr lang="en-US" dirty="0" smtClean="0"/>
-          </a:p>
-          <a:p>
+              <a:t>mkdir</a:t>
+            </a:r>
+            <a:r>
+              <a:rPr lang="en-US" dirty="0" smtClean="0"/>
+              <a:t> </a:t>
+            </a:r>
             <a:r>
               <a:rPr lang="en-US" dirty="0" err="1" smtClean="0"/>
-              <a:t>ssh</a:t>
-            </a:r>
-            <a:endParaRPr lang="en-US" dirty="0" smtClean="0"/>
-          </a:p>
-          <a:p>
-            <a:r>
-              <a:rPr lang="en-US" dirty="0" smtClean="0"/>
-              <a:t>ftp</a:t>
-            </a:r>
-          </a:p>
-          <a:p>
-            <a:endParaRPr lang="en-US" dirty="0" smtClean="0"/>
-          </a:p>
-          <a:p>
-            <a:r>
-              <a:rPr lang="en-US" dirty="0" smtClean="0"/>
-              <a:t>many </a:t>
-            </a:r>
-            <a:r>
-              <a:rPr lang="en-US" dirty="0" err="1" smtClean="0"/>
-              <a:t>guis</a:t>
-            </a:r>
-            <a:r>
-              <a:rPr lang="en-US" dirty="0" smtClean="0"/>
-              <a:t> are simply interfaces to sets of </a:t>
-            </a:r>
-            <a:r>
-              <a:rPr lang="en-US" dirty="0" err="1" smtClean="0"/>
-              <a:t>unix</a:t>
-            </a:r>
-            <a:r>
-              <a:rPr lang="en-US" dirty="0" smtClean="0"/>
-              <a:t> commands</a:t>
-            </a:r>
-          </a:p>
-          <a:p>
-            <a:r>
-              <a:rPr lang="en-US" dirty="0" smtClean="0"/>
-              <a:t>most </a:t>
-            </a:r>
-            <a:r>
-              <a:rPr lang="en-US" dirty="0" err="1" smtClean="0"/>
-              <a:t>unix</a:t>
-            </a:r>
-            <a:r>
-              <a:rPr lang="en-US" dirty="0" smtClean="0"/>
-              <a:t> commands are small programs (usually written in C)</a:t>
+              <a:t>newdir</a:t>
+            </a:r>
+            <a:r>
+              <a:rPr lang="en-US" b="1" dirty="0" smtClean="0"/>
+              <a:t>		</a:t>
+            </a:r>
+            <a:r>
+              <a:rPr lang="en-US" i="1" dirty="0" smtClean="0"/>
+              <a:t>makes a new directory "</a:t>
+            </a:r>
+            <a:r>
+              <a:rPr lang="en-US" i="1" dirty="0" err="1" smtClean="0"/>
+              <a:t>newdir</a:t>
+            </a:r>
+            <a:r>
+              <a:rPr lang="en-US" i="1" dirty="0" smtClean="0"/>
+              <a:t>" under the current directory</a:t>
             </a:r>
           </a:p>
           <a:p>
@@ -4992,7 +4975,11 @@
           <a:bodyPr/>
           <a:lstStyle/>
           <a:p>
-            <a:endParaRPr lang="en-US"/>
+            <a:r>
+              <a:rPr lang="en-US" dirty="0" smtClean="0"/>
+              <a:t>Common Unix / Terminal commands</a:t>
+            </a:r>
+            <a:endParaRPr lang="en-US" dirty="0"/>
           </a:p>
         </p:txBody>
       </p:sp>
@@ -5011,6 +4998,264 @@
           <a:bodyPr/>
           <a:lstStyle/>
           <a:p>
+            <a:endParaRPr lang="en-US" dirty="0" smtClean="0"/>
+          </a:p>
+          <a:p>
+            <a:endParaRPr lang="en-US" dirty="0" smtClean="0"/>
+          </a:p>
+          <a:p>
+            <a:r>
+              <a:rPr lang="en-US" dirty="0" smtClean="0"/>
+              <a:t>pipes</a:t>
+            </a:r>
+          </a:p>
+          <a:p>
+            <a:endParaRPr lang="en-US" dirty="0" smtClean="0"/>
+          </a:p>
+          <a:p>
+            <a:r>
+              <a:rPr lang="en-US" dirty="0" smtClean="0"/>
+              <a:t>echo</a:t>
+            </a:r>
+          </a:p>
+          <a:p>
+            <a:endParaRPr lang="en-US" dirty="0" smtClean="0"/>
+          </a:p>
+          <a:p>
+            <a:r>
+              <a:rPr lang="en-US" dirty="0" err="1" smtClean="0"/>
+              <a:t>grep</a:t>
+            </a:r>
+            <a:endParaRPr lang="en-US" dirty="0" smtClean="0"/>
+          </a:p>
+          <a:p>
+            <a:endParaRPr lang="en-US" dirty="0" smtClean="0"/>
+          </a:p>
+          <a:p>
+            <a:r>
+              <a:rPr lang="en-US" dirty="0" err="1" smtClean="0"/>
+              <a:t>ssh</a:t>
+            </a:r>
+            <a:endParaRPr lang="en-US" dirty="0" smtClean="0"/>
+          </a:p>
+          <a:p>
+            <a:r>
+              <a:rPr lang="en-US" dirty="0" smtClean="0"/>
+              <a:t>ftp</a:t>
+            </a:r>
+          </a:p>
+          <a:p>
+            <a:endParaRPr lang="en-US" dirty="0" smtClean="0"/>
+          </a:p>
+          <a:p>
+            <a:r>
+              <a:rPr lang="en-US" dirty="0" smtClean="0"/>
+              <a:t>many </a:t>
+            </a:r>
+            <a:r>
+              <a:rPr lang="en-US" dirty="0" err="1" smtClean="0"/>
+              <a:t>guis</a:t>
+            </a:r>
+            <a:r>
+              <a:rPr lang="en-US" dirty="0" smtClean="0"/>
+              <a:t> are simply interfaces to sets of </a:t>
+            </a:r>
+            <a:r>
+              <a:rPr lang="en-US" dirty="0" err="1" smtClean="0"/>
+              <a:t>unix</a:t>
+            </a:r>
+            <a:r>
+              <a:rPr lang="en-US" dirty="0" smtClean="0"/>
+              <a:t> commands</a:t>
+            </a:r>
+          </a:p>
+          <a:p>
+            <a:r>
+              <a:rPr lang="en-US" dirty="0" smtClean="0"/>
+              <a:t>most </a:t>
+            </a:r>
+            <a:r>
+              <a:rPr lang="en-US" dirty="0" err="1" smtClean="0"/>
+              <a:t>unix</a:t>
+            </a:r>
+            <a:r>
+              <a:rPr lang="en-US" dirty="0" smtClean="0"/>
+              <a:t> commands are small programs (usually written in C)</a:t>
+            </a:r>
+          </a:p>
+          <a:p>
+            <a:endParaRPr lang="en-US" dirty="0" smtClean="0"/>
+          </a:p>
+          <a:p>
+            <a:r>
+              <a:rPr lang="en-US" b="1" dirty="0" err="1" smtClean="0"/>
+              <a:t>rm</a:t>
+            </a:r>
+            <a:r>
+              <a:rPr lang="en-US" b="1" dirty="0" smtClean="0"/>
+              <a:t> = permanently removes a file or directory</a:t>
+            </a:r>
+          </a:p>
+          <a:p>
+            <a:r>
+              <a:rPr lang="en-US" dirty="0" smtClean="0"/>
+              <a:t>	</a:t>
+            </a:r>
+            <a:r>
+              <a:rPr lang="en-US" dirty="0" err="1" smtClean="0"/>
+              <a:t>rm</a:t>
+            </a:r>
+            <a:r>
+              <a:rPr lang="en-US" dirty="0" smtClean="0"/>
+              <a:t> </a:t>
+            </a:r>
+            <a:r>
+              <a:rPr lang="en-US" dirty="0" err="1" smtClean="0"/>
+              <a:t>fileA</a:t>
+            </a:r>
+            <a:r>
+              <a:rPr lang="en-US" dirty="0" smtClean="0"/>
+              <a:t>			</a:t>
+            </a:r>
+            <a:r>
+              <a:rPr lang="en-US" i="1" dirty="0" smtClean="0"/>
+              <a:t>deletes "</a:t>
+            </a:r>
+            <a:r>
+              <a:rPr lang="en-US" i="1" dirty="0" err="1" smtClean="0"/>
+              <a:t>fileA</a:t>
+            </a:r>
+            <a:r>
+              <a:rPr lang="en-US" i="1" dirty="0" smtClean="0"/>
+              <a:t>"</a:t>
+            </a:r>
+          </a:p>
+          <a:p>
+            <a:r>
+              <a:rPr lang="en-US" i="1" dirty="0" smtClean="0"/>
+              <a:t>	</a:t>
+            </a:r>
+            <a:r>
+              <a:rPr lang="en-US" dirty="0" err="1" smtClean="0"/>
+              <a:t>rm</a:t>
+            </a:r>
+            <a:r>
+              <a:rPr lang="en-US" dirty="0" smtClean="0"/>
+              <a:t> –</a:t>
+            </a:r>
+            <a:r>
+              <a:rPr lang="en-US" dirty="0" err="1" smtClean="0"/>
+              <a:t>rf</a:t>
+            </a:r>
+            <a:r>
+              <a:rPr lang="en-US" dirty="0" smtClean="0"/>
+              <a:t> </a:t>
+            </a:r>
+            <a:r>
+              <a:rPr lang="en-US" dirty="0" err="1" smtClean="0"/>
+              <a:t>dirA</a:t>
+            </a:r>
+            <a:r>
+              <a:rPr lang="en-US" i="1" dirty="0" smtClean="0"/>
+              <a:t>			VERY DANGEROUS! recursively deletes everything in </a:t>
+            </a:r>
+            <a:r>
+              <a:rPr lang="en-US" i="1" dirty="0" err="1" smtClean="0"/>
+              <a:t>dirA</a:t>
+            </a:r>
+            <a:endParaRPr lang="en-US" i="1" dirty="0" smtClean="0"/>
+          </a:p>
+          <a:p>
+            <a:r>
+              <a:rPr lang="en-US" i="1" dirty="0" smtClean="0"/>
+              <a:t> </a:t>
+            </a:r>
+            <a:r>
+              <a:rPr lang="en-US" dirty="0" smtClean="0"/>
+              <a:t> </a:t>
+            </a:r>
+          </a:p>
+          <a:p>
+            <a:endParaRPr lang="en-US" dirty="0" smtClean="0"/>
+          </a:p>
+          <a:p>
+            <a:endParaRPr lang="en-US" dirty="0" smtClean="0"/>
+          </a:p>
+          <a:p>
+            <a:r>
+              <a:rPr lang="en-US" i="1" dirty="0" smtClean="0"/>
+              <a:t> </a:t>
+            </a:r>
+            <a:endParaRPr lang="en-US" i="1" dirty="0"/>
+          </a:p>
+        </p:txBody>
+      </p:sp>
+    </p:spTree>
+  </p:cSld>
+  <p:clrMapOvr>
+    <a:masterClrMapping/>
+  </p:clrMapOvr>
+  <p:timing>
+    <p:tnLst>
+      <p:par>
+        <p:cTn id="1" dur="indefinite" restart="never" nodeType="tmRoot"/>
+      </p:par>
+    </p:tnLst>
+  </p:timing>
+</p:sld>
+</file>
+
+<file path=ppt/slides/slide6.xml><?xml version="1.0" encoding="utf-8"?>
+<p:sld xmlns:a="http://schemas.openxmlformats.org/drawingml/2006/main" xmlns:r="http://schemas.openxmlformats.org/officeDocument/2006/relationships" xmlns:mc="http://schemas.openxmlformats.org/markup-compatibility/2006" xmlns:mv="urn:schemas-microsoft-com:mac:vml" xmlns:p="http://schemas.openxmlformats.org/presentationml/2006/main" mc:Ignorable="mv" mc:PreserveAttributes="mv:*">
+  <p:cSld>
+    <p:spTree>
+      <p:nvGrpSpPr>
+        <p:cNvPr id="1" name=""/>
+        <p:cNvGrpSpPr/>
+        <p:nvPr/>
+      </p:nvGrpSpPr>
+      <p:grpSpPr>
+        <a:xfrm>
+          <a:off x="0" y="0"/>
+          <a:ext cx="0" cy="0"/>
+          <a:chOff x="0" y="0"/>
+          <a:chExt cx="0" cy="0"/>
+        </a:xfrm>
+      </p:grpSpPr>
+      <p:sp>
+        <p:nvSpPr>
+          <p:cNvPr id="2" name="Title 1"/>
+          <p:cNvSpPr>
+            <a:spLocks noGrp="1"/>
+          </p:cNvSpPr>
+          <p:nvPr>
+            <p:ph type="title"/>
+          </p:nvPr>
+        </p:nvSpPr>
+        <p:spPr/>
+        <p:txBody>
+          <a:bodyPr/>
+          <a:lstStyle/>
+          <a:p>
+            <a:endParaRPr lang="en-US"/>
+          </a:p>
+        </p:txBody>
+      </p:sp>
+      <p:sp>
+        <p:nvSpPr>
+          <p:cNvPr id="3" name="Content Placeholder 2"/>
+          <p:cNvSpPr>
+            <a:spLocks noGrp="1"/>
+          </p:cNvSpPr>
+          <p:nvPr>
+            <p:ph idx="1"/>
+          </p:nvPr>
+        </p:nvSpPr>
+        <p:spPr/>
+        <p:txBody>
+          <a:bodyPr/>
+          <a:lstStyle/>
+          <a:p>
             <a:r>
               <a:rPr lang="en-US" b="1" dirty="0" err="1" smtClean="0"/>
               <a:t>ssh</a:t>
@@ -5115,11 +5360,11 @@
             </a:r>
           </a:p>
           <a:p>
-            <a:endParaRPr lang="en-US" smtClean="0"/>
-          </a:p>
-          <a:p>
-            <a:r>
-              <a:rPr lang="en-US" smtClean="0"/>
+            <a:endParaRPr lang="en-US" dirty="0" smtClean="0"/>
+          </a:p>
+          <a:p>
+            <a:r>
+              <a:rPr lang="en-US" dirty="0" smtClean="0"/>
               <a:t> </a:t>
             </a:r>
             <a:endParaRPr lang="en-US" dirty="0"/>

--- a/slides/week1_thurs.pptx
+++ b/slides/week1_thurs.pptx
@@ -5,18 +5,28 @@
     <p:sldMasterId id="2147483648" r:id="rId1"/>
   </p:sldMasterIdLst>
   <p:notesMasterIdLst>
-    <p:notesMasterId r:id="rId8"/>
+    <p:notesMasterId r:id="rId18"/>
   </p:notesMasterIdLst>
   <p:handoutMasterIdLst>
-    <p:handoutMasterId r:id="rId9"/>
+    <p:handoutMasterId r:id="rId19"/>
   </p:handoutMasterIdLst>
   <p:sldIdLst>
     <p:sldId id="257" r:id="rId2"/>
-    <p:sldId id="262" r:id="rId3"/>
-    <p:sldId id="258" r:id="rId4"/>
-    <p:sldId id="259" r:id="rId5"/>
-    <p:sldId id="260" r:id="rId6"/>
-    <p:sldId id="261" r:id="rId7"/>
+    <p:sldId id="263" r:id="rId3"/>
+    <p:sldId id="264" r:id="rId4"/>
+    <p:sldId id="262" r:id="rId5"/>
+    <p:sldId id="258" r:id="rId6"/>
+    <p:sldId id="259" r:id="rId7"/>
+    <p:sldId id="268" r:id="rId8"/>
+    <p:sldId id="260" r:id="rId9"/>
+    <p:sldId id="261" r:id="rId10"/>
+    <p:sldId id="269" r:id="rId11"/>
+    <p:sldId id="272" r:id="rId12"/>
+    <p:sldId id="270" r:id="rId13"/>
+    <p:sldId id="271" r:id="rId14"/>
+    <p:sldId id="265" r:id="rId15"/>
+    <p:sldId id="266" r:id="rId16"/>
+    <p:sldId id="267" r:id="rId17"/>
   </p:sldIdLst>
   <p:sldSz cx="9144000" cy="6858000" type="screen4x3"/>
   <p:notesSz cx="6858000" cy="9144000"/>
@@ -708,6 +718,168 @@
 </p:notes>
 </file>
 
+<file path=ppt/notesSlides/notesSlide2.xml><?xml version="1.0" encoding="utf-8"?>
+<p:notes xmlns:a="http://schemas.openxmlformats.org/drawingml/2006/main" xmlns:r="http://schemas.openxmlformats.org/officeDocument/2006/relationships" xmlns:mc="http://schemas.openxmlformats.org/markup-compatibility/2006" xmlns:mv="urn:schemas-microsoft-com:mac:vml" xmlns:p="http://schemas.openxmlformats.org/presentationml/2006/main" mc:Ignorable="mv" mc:PreserveAttributes="mv:*">
+  <p:cSld>
+    <p:spTree>
+      <p:nvGrpSpPr>
+        <p:cNvPr id="1" name=""/>
+        <p:cNvGrpSpPr/>
+        <p:nvPr/>
+      </p:nvGrpSpPr>
+      <p:grpSpPr>
+        <a:xfrm>
+          <a:off x="0" y="0"/>
+          <a:ext cx="0" cy="0"/>
+          <a:chOff x="0" y="0"/>
+          <a:chExt cx="0" cy="0"/>
+        </a:xfrm>
+      </p:grpSpPr>
+      <p:sp>
+        <p:nvSpPr>
+          <p:cNvPr id="2" name="Slide Image Placeholder 1"/>
+          <p:cNvSpPr>
+            <a:spLocks noGrp="1" noRot="1" noChangeAspect="1"/>
+          </p:cNvSpPr>
+          <p:nvPr>
+            <p:ph type="sldImg"/>
+          </p:nvPr>
+        </p:nvSpPr>
+        <p:spPr/>
+      </p:sp>
+      <p:sp>
+        <p:nvSpPr>
+          <p:cNvPr id="3" name="Notes Placeholder 2"/>
+          <p:cNvSpPr>
+            <a:spLocks noGrp="1"/>
+          </p:cNvSpPr>
+          <p:nvPr>
+            <p:ph type="body" idx="1"/>
+          </p:nvPr>
+        </p:nvSpPr>
+        <p:spPr/>
+        <p:txBody>
+          <a:bodyPr>
+            <a:normAutofit/>
+          </a:bodyPr>
+          <a:lstStyle/>
+          <a:p>
+            <a:endParaRPr lang="en-US"/>
+          </a:p>
+        </p:txBody>
+      </p:sp>
+      <p:sp>
+        <p:nvSpPr>
+          <p:cNvPr id="4" name="Slide Number Placeholder 3"/>
+          <p:cNvSpPr>
+            <a:spLocks noGrp="1"/>
+          </p:cNvSpPr>
+          <p:nvPr>
+            <p:ph type="sldNum" sz="quarter" idx="10"/>
+          </p:nvPr>
+        </p:nvSpPr>
+        <p:spPr/>
+        <p:txBody>
+          <a:bodyPr/>
+          <a:lstStyle/>
+          <a:p>
+            <a:fld id="{EA9804A3-C290-8349-BCB9-2E43969F47E6}" type="slidenum">
+              <a:rPr lang="en-US" smtClean="0"/>
+              <a:t>2</a:t>
+            </a:fld>
+            <a:endParaRPr lang="en-US"/>
+          </a:p>
+        </p:txBody>
+      </p:sp>
+    </p:spTree>
+  </p:cSld>
+  <p:clrMapOvr>
+    <a:masterClrMapping/>
+  </p:clrMapOvr>
+</p:notes>
+</file>
+
+<file path=ppt/notesSlides/notesSlide3.xml><?xml version="1.0" encoding="utf-8"?>
+<p:notes xmlns:a="http://schemas.openxmlformats.org/drawingml/2006/main" xmlns:r="http://schemas.openxmlformats.org/officeDocument/2006/relationships" xmlns:mc="http://schemas.openxmlformats.org/markup-compatibility/2006" xmlns:mv="urn:schemas-microsoft-com:mac:vml" xmlns:p="http://schemas.openxmlformats.org/presentationml/2006/main" mc:Ignorable="mv" mc:PreserveAttributes="mv:*">
+  <p:cSld>
+    <p:spTree>
+      <p:nvGrpSpPr>
+        <p:cNvPr id="1" name=""/>
+        <p:cNvGrpSpPr/>
+        <p:nvPr/>
+      </p:nvGrpSpPr>
+      <p:grpSpPr>
+        <a:xfrm>
+          <a:off x="0" y="0"/>
+          <a:ext cx="0" cy="0"/>
+          <a:chOff x="0" y="0"/>
+          <a:chExt cx="0" cy="0"/>
+        </a:xfrm>
+      </p:grpSpPr>
+      <p:sp>
+        <p:nvSpPr>
+          <p:cNvPr id="2" name="Slide Image Placeholder 1"/>
+          <p:cNvSpPr>
+            <a:spLocks noGrp="1" noRot="1" noChangeAspect="1"/>
+          </p:cNvSpPr>
+          <p:nvPr>
+            <p:ph type="sldImg"/>
+          </p:nvPr>
+        </p:nvSpPr>
+        <p:spPr/>
+      </p:sp>
+      <p:sp>
+        <p:nvSpPr>
+          <p:cNvPr id="3" name="Notes Placeholder 2"/>
+          <p:cNvSpPr>
+            <a:spLocks noGrp="1"/>
+          </p:cNvSpPr>
+          <p:nvPr>
+            <p:ph type="body" idx="1"/>
+          </p:nvPr>
+        </p:nvSpPr>
+        <p:spPr/>
+        <p:txBody>
+          <a:bodyPr>
+            <a:normAutofit/>
+          </a:bodyPr>
+          <a:lstStyle/>
+          <a:p>
+            <a:endParaRPr lang="en-US"/>
+          </a:p>
+        </p:txBody>
+      </p:sp>
+      <p:sp>
+        <p:nvSpPr>
+          <p:cNvPr id="4" name="Slide Number Placeholder 3"/>
+          <p:cNvSpPr>
+            <a:spLocks noGrp="1"/>
+          </p:cNvSpPr>
+          <p:nvPr>
+            <p:ph type="sldNum" sz="quarter" idx="10"/>
+          </p:nvPr>
+        </p:nvSpPr>
+        <p:spPr/>
+        <p:txBody>
+          <a:bodyPr/>
+          <a:lstStyle/>
+          <a:p>
+            <a:fld id="{EA9804A3-C290-8349-BCB9-2E43969F47E6}" type="slidenum">
+              <a:rPr lang="en-US" smtClean="0"/>
+              <a:t>3</a:t>
+            </a:fld>
+            <a:endParaRPr lang="en-US"/>
+          </a:p>
+        </p:txBody>
+      </p:sp>
+    </p:spTree>
+  </p:cSld>
+  <p:clrMapOvr>
+    <a:masterClrMapping/>
+  </p:clrMapOvr>
+</p:notes>
+</file>
+
 <file path=ppt/slideLayouts/slideLayout1.xml><?xml version="1.0" encoding="utf-8"?>
 <p:sldLayout xmlns:a="http://schemas.openxmlformats.org/drawingml/2006/main" xmlns:r="http://schemas.openxmlformats.org/officeDocument/2006/relationships" xmlns:mc="http://schemas.openxmlformats.org/markup-compatibility/2006" xmlns:mv="urn:schemas-microsoft-com:mac:vml" xmlns:p="http://schemas.openxmlformats.org/presentationml/2006/main" mc:Ignorable="mv" mc:PreserveAttributes="mv:*" type="title" preserve="1">
   <p:cSld name="Title Slide">
@@ -3548,8 +3720,8 @@
         </p:nvSpPr>
         <p:spPr>
           <a:xfrm>
-            <a:off x="6394808" y="6476734"/>
-            <a:ext cx="2646167" cy="276999"/>
+            <a:off x="6429772" y="6476734"/>
+            <a:ext cx="2522393" cy="276999"/>
           </a:xfrm>
           <a:prstGeom prst="rect">
             <a:avLst/>
@@ -3571,6 +3743,36 @@
               <a:t> 201B _ Fall 2010 _ Angus Forbes</a:t>
             </a:r>
             <a:endParaRPr lang="en-US" sz="1200" dirty="0"/>
+          </a:p>
+        </p:txBody>
+      </p:sp>
+      <p:sp>
+        <p:nvSpPr>
+          <p:cNvPr id="12" name="TextBox 11"/>
+          <p:cNvSpPr txBox="1"/>
+          <p:nvPr userDrawn="1"/>
+        </p:nvSpPr>
+        <p:spPr>
+          <a:xfrm>
+            <a:off x="4307239" y="6476734"/>
+            <a:ext cx="2255752" cy="276999"/>
+          </a:xfrm>
+          <a:prstGeom prst="rect">
+            <a:avLst/>
+          </a:prstGeom>
+          <a:noFill/>
+        </p:spPr>
+        <p:txBody>
+          <a:bodyPr wrap="square" rtlCol="0">
+            <a:spAutoFit/>
+          </a:bodyPr>
+          <a:lstStyle/>
+          <a:p>
+            <a:r>
+              <a:rPr lang="en-US" sz="1200" i="1" dirty="0" smtClean="0"/>
+              <a:t>Programming with Media Data</a:t>
+            </a:r>
+            <a:endParaRPr lang="en-US" sz="1200" i="1" dirty="0"/>
           </a:p>
         </p:txBody>
       </p:sp>
@@ -3602,9 +3804,9 @@
           <a:solidFill>
             <a:schemeClr val="tx1"/>
           </a:solidFill>
-          <a:latin typeface="+mj-lt"/>
+          <a:latin typeface="+mn-lt"/>
           <a:ea typeface="+mj-ea"/>
-          <a:cs typeface="+mj-cs"/>
+          <a:cs typeface="Consolas"/>
         </a:defRPr>
       </a:lvl1pPr>
     </p:titleStyle>
@@ -3615,13 +3817,13 @@
         </a:spcBef>
         <a:buFont typeface="Arial"/>
         <a:buNone/>
-        <a:defRPr sz="1800" kern="1200">
+        <a:defRPr sz="1400" kern="1200">
           <a:solidFill>
             <a:schemeClr val="tx1"/>
           </a:solidFill>
-          <a:latin typeface="+mn-lt"/>
+          <a:latin typeface="Consolas"/>
           <a:ea typeface="+mn-ea"/>
-          <a:cs typeface="+mn-cs"/>
+          <a:cs typeface="Consolas"/>
         </a:defRPr>
       </a:lvl1pPr>
       <a:lvl2pPr marL="742950" indent="-285750" algn="l" defTabSz="457200" rtl="0" eaLnBrk="1" latinLnBrk="0" hangingPunct="1">
@@ -3878,7 +4080,7 @@
           <a:p>
             <a:r>
               <a:rPr lang="en-US" dirty="0" smtClean="0"/>
-              <a:t>Programming with Media Data</a:t>
+              <a:t>Course Topics, 1</a:t>
             </a:r>
             <a:endParaRPr lang="en-US" dirty="0"/>
           </a:p>
@@ -3899,12 +4101,6 @@
           <a:bodyPr/>
           <a:lstStyle/>
           <a:p>
-            <a:r>
-              <a:rPr lang="en-US" dirty="0" smtClean="0"/>
-              <a:t>Course Topics:</a:t>
-            </a:r>
-          </a:p>
-          <a:p>
             <a:endParaRPr lang="en-US" dirty="0" smtClean="0"/>
           </a:p>
           <a:p>
@@ -3914,7 +4110,15 @@
             </a:r>
             <a:r>
               <a:rPr lang="en-US" dirty="0" smtClean="0"/>
-              <a:t>ow to Program, specifically object-oriented programming using:</a:t>
+              <a:t>ow to Program, specifically </a:t>
+            </a:r>
+            <a:r>
+              <a:rPr lang="en-US" b="1" dirty="0" smtClean="0"/>
+              <a:t>object-oriented programming</a:t>
+            </a:r>
+            <a:r>
+              <a:rPr lang="en-US" dirty="0" smtClean="0"/>
+              <a:t> using:</a:t>
             </a:r>
           </a:p>
           <a:p>
@@ -3944,7 +4148,11 @@
           <a:p>
             <a:r>
               <a:rPr lang="en-US" dirty="0" smtClean="0"/>
-              <a:t>How to use and choose between the various data structures</a:t>
+              <a:t>How to use and choose between the various </a:t>
+            </a:r>
+            <a:r>
+              <a:rPr lang="en-US" b="1" dirty="0" smtClean="0"/>
+              <a:t>data structures</a:t>
             </a:r>
           </a:p>
           <a:p>
@@ -3954,24 +4162,33 @@
             </a:r>
           </a:p>
           <a:p>
-            <a:endParaRPr lang="en-US" dirty="0"/>
-          </a:p>
-          <a:p>
-            <a:endParaRPr lang="en-US" dirty="0" smtClean="0"/>
-          </a:p>
-          <a:p>
-            <a:r>
-              <a:rPr lang="en-US" dirty="0" smtClean="0"/>
-              <a:t>How to navigate a Unix environment</a:t>
-            </a:r>
-          </a:p>
-          <a:p>
-            <a:endParaRPr lang="en-US" dirty="0" smtClean="0"/>
-          </a:p>
-          <a:p>
-            <a:r>
-              <a:rPr lang="en-US" dirty="0" smtClean="0"/>
-              <a:t>How to use a Version Control System</a:t>
+            <a:endParaRPr lang="en-US" dirty="0" smtClean="0"/>
+          </a:p>
+          <a:p>
+            <a:r>
+              <a:rPr lang="en-US" dirty="0" smtClean="0"/>
+              <a:t>How to navigate a </a:t>
+            </a:r>
+            <a:r>
+              <a:rPr lang="en-US" b="1" dirty="0" smtClean="0"/>
+              <a:t>Unix</a:t>
+            </a:r>
+            <a:r>
+              <a:rPr lang="en-US" dirty="0" smtClean="0"/>
+              <a:t> environment</a:t>
+            </a:r>
+          </a:p>
+          <a:p>
+            <a:endParaRPr lang="en-US" dirty="0" smtClean="0"/>
+          </a:p>
+          <a:p>
+            <a:r>
+              <a:rPr lang="en-US" dirty="0" smtClean="0"/>
+              <a:t>How to use a </a:t>
+            </a:r>
+            <a:r>
+              <a:rPr lang="en-US" b="1" dirty="0" smtClean="0"/>
+              <a:t>Version Control System</a:t>
             </a:r>
           </a:p>
           <a:p>
@@ -3994,10 +4211,45 @@
             <a:endParaRPr lang="en-US" dirty="0" smtClean="0"/>
           </a:p>
           <a:p>
-            <a:endParaRPr lang="en-US" dirty="0"/>
-          </a:p>
-          <a:p>
-            <a:endParaRPr lang="en-US" dirty="0" smtClean="0"/>
+            <a:endParaRPr lang="en-US" dirty="0" smtClean="0"/>
+          </a:p>
+          <a:p>
+            <a:r>
+              <a:rPr lang="en-US" dirty="0" smtClean="0"/>
+              <a:t>How to create a </a:t>
+            </a:r>
+            <a:r>
+              <a:rPr lang="en-US" b="1" dirty="0" smtClean="0"/>
+              <a:t>GUI</a:t>
+            </a:r>
+          </a:p>
+          <a:p>
+            <a:r>
+              <a:rPr lang="en-US" b="1" dirty="0" smtClean="0"/>
+              <a:t>	</a:t>
+            </a:r>
+            <a:r>
+              <a:rPr lang="en-US" dirty="0" smtClean="0"/>
+              <a:t>Swing (for Java)</a:t>
+            </a:r>
+          </a:p>
+          <a:p>
+            <a:r>
+              <a:rPr lang="en-US" dirty="0" smtClean="0"/>
+              <a:t>	QT (for C++/Java)</a:t>
+            </a:r>
+          </a:p>
+          <a:p>
+            <a:r>
+              <a:rPr lang="en-US" dirty="0" smtClean="0"/>
+              <a:t>	from scratch</a:t>
+            </a:r>
+          </a:p>
+          <a:p>
+            <a:r>
+              <a:rPr lang="en-US" dirty="0" smtClean="0"/>
+              <a:t>	GLV (MAT OpenGL project) </a:t>
+            </a:r>
           </a:p>
           <a:p>
             <a:r>
@@ -4019,6 +4271,1476 @@
       </p:par>
     </p:tnLst>
   </p:timing>
+</p:sld>
+</file>
+
+<file path=ppt/slides/slide10.xml><?xml version="1.0" encoding="utf-8"?>
+<p:sld xmlns:a="http://schemas.openxmlformats.org/drawingml/2006/main" xmlns:r="http://schemas.openxmlformats.org/officeDocument/2006/relationships" xmlns:mc="http://schemas.openxmlformats.org/markup-compatibility/2006" xmlns:mv="urn:schemas-microsoft-com:mac:vml" xmlns:p="http://schemas.openxmlformats.org/presentationml/2006/main" mc:Ignorable="mv" mc:PreserveAttributes="mv:*">
+  <p:cSld>
+    <p:spTree>
+      <p:nvGrpSpPr>
+        <p:cNvPr id="1" name=""/>
+        <p:cNvGrpSpPr/>
+        <p:nvPr/>
+      </p:nvGrpSpPr>
+      <p:grpSpPr>
+        <a:xfrm>
+          <a:off x="0" y="0"/>
+          <a:ext cx="0" cy="0"/>
+          <a:chOff x="0" y="0"/>
+          <a:chExt cx="0" cy="0"/>
+        </a:xfrm>
+      </p:grpSpPr>
+      <p:sp>
+        <p:nvSpPr>
+          <p:cNvPr id="2" name="Title 1"/>
+          <p:cNvSpPr>
+            <a:spLocks noGrp="1"/>
+          </p:cNvSpPr>
+          <p:nvPr>
+            <p:ph type="title"/>
+          </p:nvPr>
+        </p:nvSpPr>
+        <p:spPr/>
+        <p:txBody>
+          <a:bodyPr/>
+          <a:lstStyle/>
+          <a:p>
+            <a:r>
+              <a:rPr lang="en-US" dirty="0" smtClean="0"/>
+              <a:t>Version Control System</a:t>
+            </a:r>
+            <a:endParaRPr lang="en-US" dirty="0"/>
+          </a:p>
+        </p:txBody>
+      </p:sp>
+      <p:sp>
+        <p:nvSpPr>
+          <p:cNvPr id="3" name="Content Placeholder 2"/>
+          <p:cNvSpPr>
+            <a:spLocks noGrp="1"/>
+          </p:cNvSpPr>
+          <p:nvPr>
+            <p:ph idx="1"/>
+          </p:nvPr>
+        </p:nvSpPr>
+        <p:spPr/>
+        <p:txBody>
+          <a:bodyPr/>
+          <a:lstStyle/>
+          <a:p>
+            <a:r>
+              <a:rPr lang="en-US" dirty="0" smtClean="0"/>
+              <a:t>A Version Control System, or VCS, is a useful system for managing projects.</a:t>
+            </a:r>
+          </a:p>
+          <a:p>
+            <a:endParaRPr lang="en-US" dirty="0" smtClean="0"/>
+          </a:p>
+          <a:p>
+            <a:r>
+              <a:rPr lang="en-US" dirty="0"/>
+              <a:t>-</a:t>
+            </a:r>
+            <a:r>
+              <a:rPr lang="en-US" dirty="0" smtClean="0"/>
+              <a:t> keeps track of all of your changes to a project</a:t>
+            </a:r>
+          </a:p>
+          <a:p>
+            <a:r>
+              <a:rPr lang="en-US" dirty="0" smtClean="0"/>
+              <a:t>- manages multiple people working on the same project</a:t>
+            </a:r>
+          </a:p>
+          <a:p>
+            <a:r>
+              <a:rPr lang="en-US" dirty="0" smtClean="0"/>
+              <a:t>- if used via a project hosting site, will automatically backup your project</a:t>
+            </a:r>
+          </a:p>
+          <a:p>
+            <a:endParaRPr lang="en-US" dirty="0" smtClean="0"/>
+          </a:p>
+          <a:p>
+            <a:r>
+              <a:rPr lang="en-US" dirty="0" smtClean="0"/>
+              <a:t>Some examples of VCS systems: Bazaar (or </a:t>
+            </a:r>
+            <a:r>
+              <a:rPr lang="en-US" dirty="0" err="1" smtClean="0"/>
+              <a:t>bzr</a:t>
+            </a:r>
+            <a:r>
+              <a:rPr lang="en-US" dirty="0" smtClean="0"/>
+              <a:t>), Mercury (or Hg), </a:t>
+            </a:r>
+            <a:r>
+              <a:rPr lang="en-US" dirty="0" err="1"/>
+              <a:t>G</a:t>
+            </a:r>
+            <a:r>
+              <a:rPr lang="en-US" dirty="0" err="1" smtClean="0"/>
+              <a:t>it</a:t>
+            </a:r>
+            <a:r>
+              <a:rPr lang="en-US" dirty="0" smtClean="0"/>
+              <a:t> (written by inventor of </a:t>
+            </a:r>
+            <a:r>
+              <a:rPr lang="en-US" dirty="0"/>
+              <a:t>L</a:t>
+            </a:r>
+            <a:r>
+              <a:rPr lang="en-US" dirty="0" smtClean="0"/>
+              <a:t>inux), Subversion (or </a:t>
+            </a:r>
+            <a:r>
+              <a:rPr lang="en-US" dirty="0" err="1" smtClean="0"/>
+              <a:t>svn</a:t>
+            </a:r>
+            <a:r>
+              <a:rPr lang="en-US" dirty="0" smtClean="0"/>
+              <a:t>), CVS (totally outdated)</a:t>
+            </a:r>
+          </a:p>
+          <a:p>
+            <a:endParaRPr lang="en-US" dirty="0" smtClean="0"/>
+          </a:p>
+          <a:p>
+            <a:r>
+              <a:rPr lang="en-US" dirty="0" smtClean="0"/>
+              <a:t>Some examples of free project hosting sites: </a:t>
+            </a:r>
+            <a:r>
+              <a:rPr lang="en-US" dirty="0" err="1" smtClean="0"/>
+              <a:t>github.com</a:t>
+            </a:r>
+            <a:r>
+              <a:rPr lang="en-US" dirty="0" smtClean="0"/>
+              <a:t> (for </a:t>
+            </a:r>
+            <a:r>
+              <a:rPr lang="en-US" dirty="0" err="1" smtClean="0"/>
+              <a:t>git</a:t>
+            </a:r>
+            <a:r>
+              <a:rPr lang="en-US" dirty="0" smtClean="0"/>
+              <a:t>), </a:t>
+            </a:r>
+            <a:r>
+              <a:rPr lang="en-US" dirty="0"/>
+              <a:t>G</a:t>
+            </a:r>
+            <a:r>
+              <a:rPr lang="en-US" dirty="0" smtClean="0"/>
+              <a:t>oogle Code (supports </a:t>
+            </a:r>
+            <a:r>
+              <a:rPr lang="en-US" dirty="0" err="1" smtClean="0"/>
+              <a:t>svn</a:t>
+            </a:r>
+            <a:r>
+              <a:rPr lang="en-US" dirty="0" smtClean="0"/>
+              <a:t> and Hg), </a:t>
+            </a:r>
+            <a:r>
+              <a:rPr lang="en-US" dirty="0" err="1" smtClean="0"/>
+              <a:t>launchpad.com</a:t>
+            </a:r>
+            <a:r>
+              <a:rPr lang="en-US" dirty="0" smtClean="0"/>
+              <a:t> (for </a:t>
+            </a:r>
+            <a:r>
+              <a:rPr lang="en-US" dirty="0" err="1" smtClean="0"/>
+              <a:t>bzr</a:t>
+            </a:r>
+            <a:r>
+              <a:rPr lang="en-US" dirty="0" smtClean="0"/>
+              <a:t>), </a:t>
+            </a:r>
+            <a:r>
+              <a:rPr lang="en-US" dirty="0" err="1" smtClean="0"/>
+              <a:t>sourceforge.net</a:t>
+            </a:r>
+            <a:r>
+              <a:rPr lang="en-US" dirty="0" smtClean="0"/>
+              <a:t> (for everything), </a:t>
+            </a:r>
+            <a:r>
+              <a:rPr lang="en-US" dirty="0" err="1" smtClean="0"/>
+              <a:t>gitorious.com</a:t>
+            </a:r>
+            <a:r>
+              <a:rPr lang="en-US" dirty="0" smtClean="0"/>
+              <a:t> (</a:t>
+            </a:r>
+            <a:r>
+              <a:rPr lang="en-US" dirty="0" err="1" smtClean="0"/>
+              <a:t>git</a:t>
+            </a:r>
+            <a:r>
+              <a:rPr lang="en-US" dirty="0" smtClean="0"/>
+              <a:t>), </a:t>
+            </a:r>
+            <a:r>
+              <a:rPr lang="en-US" dirty="0" err="1" smtClean="0"/>
+              <a:t>bitbucket.com</a:t>
+            </a:r>
+            <a:r>
+              <a:rPr lang="en-US" dirty="0" smtClean="0"/>
+              <a:t> (Hg), lots of others.</a:t>
+            </a:r>
+          </a:p>
+          <a:p>
+            <a:endParaRPr lang="en-US" dirty="0" smtClean="0"/>
+          </a:p>
+          <a:p>
+            <a:r>
+              <a:rPr lang="en-US" dirty="0" smtClean="0"/>
+              <a:t>Also, The MAT servers have </a:t>
+            </a:r>
+            <a:r>
+              <a:rPr lang="en-US" dirty="0" err="1" smtClean="0"/>
+              <a:t>git</a:t>
+            </a:r>
+            <a:r>
+              <a:rPr lang="en-US" dirty="0" smtClean="0"/>
+              <a:t> and </a:t>
+            </a:r>
+            <a:r>
+              <a:rPr lang="en-US" dirty="0" err="1" smtClean="0"/>
+              <a:t>svn</a:t>
+            </a:r>
+            <a:r>
+              <a:rPr lang="en-US" dirty="0" smtClean="0"/>
+              <a:t> installed. Larry </a:t>
+            </a:r>
+            <a:r>
+              <a:rPr lang="en-US" dirty="0" err="1" smtClean="0"/>
+              <a:t>Zins</a:t>
+            </a:r>
+            <a:r>
+              <a:rPr lang="en-US" dirty="0" smtClean="0"/>
+              <a:t> can set up a project hosting repo and a front end wiki/bug-tracker called "</a:t>
+            </a:r>
+            <a:r>
+              <a:rPr lang="en-US" dirty="0" err="1" smtClean="0"/>
+              <a:t>Trac</a:t>
+            </a:r>
+            <a:r>
+              <a:rPr lang="en-US" dirty="0" smtClean="0"/>
+              <a:t>" if you want.</a:t>
+            </a:r>
+          </a:p>
+          <a:p>
+            <a:endParaRPr lang="en-US" dirty="0" smtClean="0"/>
+          </a:p>
+          <a:p>
+            <a:r>
+              <a:rPr lang="en-US" dirty="0" smtClean="0"/>
+              <a:t>	</a:t>
+            </a:r>
+          </a:p>
+          <a:p>
+            <a:endParaRPr lang="en-US" dirty="0" smtClean="0"/>
+          </a:p>
+          <a:p>
+            <a:endParaRPr lang="en-US" dirty="0"/>
+          </a:p>
+        </p:txBody>
+      </p:sp>
+    </p:spTree>
+  </p:cSld>
+  <p:clrMapOvr>
+    <a:masterClrMapping/>
+  </p:clrMapOvr>
+  <p:timing>
+    <p:tnLst>
+      <p:par>
+        <p:cTn id="1" dur="indefinite" restart="never" nodeType="tmRoot"/>
+      </p:par>
+    </p:tnLst>
+  </p:timing>
+</p:sld>
+</file>
+
+<file path=ppt/slides/slide11.xml><?xml version="1.0" encoding="utf-8"?>
+<p:sld xmlns:a="http://schemas.openxmlformats.org/drawingml/2006/main" xmlns:r="http://schemas.openxmlformats.org/officeDocument/2006/relationships" xmlns:mc="http://schemas.openxmlformats.org/markup-compatibility/2006" xmlns:mv="urn:schemas-microsoft-com:mac:vml" xmlns:p="http://schemas.openxmlformats.org/presentationml/2006/main" mc:Ignorable="mv" mc:PreserveAttributes="mv:*">
+  <p:cSld>
+    <p:spTree>
+      <p:nvGrpSpPr>
+        <p:cNvPr id="1" name=""/>
+        <p:cNvGrpSpPr/>
+        <p:nvPr/>
+      </p:nvGrpSpPr>
+      <p:grpSpPr>
+        <a:xfrm>
+          <a:off x="0" y="0"/>
+          <a:ext cx="0" cy="0"/>
+          <a:chOff x="0" y="0"/>
+          <a:chExt cx="0" cy="0"/>
+        </a:xfrm>
+      </p:grpSpPr>
+      <p:sp>
+        <p:nvSpPr>
+          <p:cNvPr id="2" name="Title 1"/>
+          <p:cNvSpPr>
+            <a:spLocks noGrp="1"/>
+          </p:cNvSpPr>
+          <p:nvPr>
+            <p:ph type="title"/>
+          </p:nvPr>
+        </p:nvSpPr>
+        <p:spPr/>
+        <p:txBody>
+          <a:bodyPr/>
+          <a:lstStyle/>
+          <a:p>
+            <a:r>
+              <a:rPr lang="en-US" dirty="0" err="1" smtClean="0"/>
+              <a:t>git</a:t>
+            </a:r>
+            <a:r>
+              <a:rPr lang="en-US" dirty="0" smtClean="0"/>
+              <a:t> - Version Control System</a:t>
+            </a:r>
+            <a:endParaRPr lang="en-US" dirty="0"/>
+          </a:p>
+        </p:txBody>
+      </p:sp>
+      <p:sp>
+        <p:nvSpPr>
+          <p:cNvPr id="3" name="Content Placeholder 2"/>
+          <p:cNvSpPr>
+            <a:spLocks noGrp="1"/>
+          </p:cNvSpPr>
+          <p:nvPr>
+            <p:ph idx="1"/>
+          </p:nvPr>
+        </p:nvSpPr>
+        <p:spPr/>
+        <p:txBody>
+          <a:bodyPr/>
+          <a:lstStyle/>
+          <a:p>
+            <a:endParaRPr lang="en-US" dirty="0" smtClean="0"/>
+          </a:p>
+          <a:p>
+            <a:r>
+              <a:rPr lang="en-US" dirty="0" smtClean="0"/>
+              <a:t>We will all be using </a:t>
+            </a:r>
+            <a:r>
+              <a:rPr lang="en-US" dirty="0" err="1" smtClean="0"/>
+              <a:t>git</a:t>
+            </a:r>
+            <a:r>
+              <a:rPr lang="en-US" dirty="0" smtClean="0"/>
+              <a:t> in this course.</a:t>
+            </a:r>
+          </a:p>
+          <a:p>
+            <a:endParaRPr lang="en-US" dirty="0" smtClean="0"/>
+          </a:p>
+          <a:p>
+            <a:r>
+              <a:rPr lang="en-US" dirty="0" err="1" smtClean="0"/>
+              <a:t>git</a:t>
+            </a:r>
+            <a:r>
+              <a:rPr lang="en-US" dirty="0" smtClean="0"/>
+              <a:t> is a fast, distributed VCS, also known as </a:t>
+            </a:r>
+            <a:r>
+              <a:rPr lang="en-US" dirty="0"/>
+              <a:t>a</a:t>
+            </a:r>
+            <a:r>
+              <a:rPr lang="en-US" dirty="0" smtClean="0"/>
+              <a:t> DVCS (distributed version control system), or SCM (source control manager)</a:t>
+            </a:r>
+          </a:p>
+          <a:p>
+            <a:endParaRPr lang="en-US" dirty="0" smtClean="0"/>
+          </a:p>
+          <a:p>
+            <a:r>
+              <a:rPr lang="en-US" dirty="0" smtClean="0"/>
+              <a:t>"Distributed" </a:t>
+            </a:r>
+            <a:r>
+              <a:rPr lang="en-US" dirty="0"/>
+              <a:t>=</a:t>
+            </a:r>
+            <a:r>
+              <a:rPr lang="en-US" dirty="0" smtClean="0"/>
+              <a:t> there is not necessarily one single place that controls the project.</a:t>
+            </a:r>
+          </a:p>
+          <a:p>
+            <a:endParaRPr lang="en-US" dirty="0" smtClean="0"/>
+          </a:p>
+          <a:p>
+            <a:r>
+              <a:rPr lang="en-US" dirty="0" smtClean="0"/>
+              <a:t>Can work on your code offline, keep track of all your changes, and then push it to the other "clones" of the project when you are back online</a:t>
+            </a:r>
+          </a:p>
+          <a:p>
+            <a:endParaRPr lang="en-US" dirty="0" smtClean="0"/>
+          </a:p>
+          <a:p>
+            <a:r>
+              <a:rPr lang="en-US" dirty="0" smtClean="0"/>
+              <a:t>makes it very easy to merge changes to the project by different users, even if they are working on the same file</a:t>
+            </a:r>
+          </a:p>
+          <a:p>
+            <a:endParaRPr lang="en-US" dirty="0" smtClean="0"/>
+          </a:p>
+          <a:p>
+            <a:r>
+              <a:rPr lang="en-US" dirty="0" smtClean="0"/>
+              <a:t>General workflow:</a:t>
+            </a:r>
+          </a:p>
+          <a:p>
+            <a:r>
+              <a:rPr lang="en-US" i="1" dirty="0" smtClean="0"/>
+              <a:t>	pull from remote repo 	</a:t>
+            </a:r>
+            <a:r>
+              <a:rPr lang="en-US" i="1" dirty="0" err="1" smtClean="0">
+                <a:latin typeface="Wingdings"/>
+                <a:ea typeface="Wingdings"/>
+                <a:cs typeface="Wingdings"/>
+              </a:rPr>
+              <a:t></a:t>
+            </a:r>
+            <a:r>
+              <a:rPr lang="en-US" i="1" dirty="0" smtClean="0">
+                <a:latin typeface="Wingdings"/>
+                <a:ea typeface="Wingdings"/>
+                <a:cs typeface="Wingdings"/>
+              </a:rPr>
+              <a:t> </a:t>
+            </a:r>
+          </a:p>
+          <a:p>
+            <a:r>
+              <a:rPr lang="en-US" i="1" dirty="0" smtClean="0"/>
+              <a:t>	edit local code 		</a:t>
+            </a:r>
+            <a:r>
+              <a:rPr lang="en-US" i="1" dirty="0" err="1" smtClean="0">
+                <a:latin typeface="Wingdings"/>
+                <a:ea typeface="Wingdings"/>
+                <a:cs typeface="Wingdings"/>
+              </a:rPr>
+              <a:t></a:t>
+            </a:r>
+            <a:r>
+              <a:rPr lang="en-US" i="1" dirty="0" smtClean="0">
+                <a:latin typeface="Wingdings"/>
+                <a:ea typeface="Wingdings"/>
+                <a:cs typeface="Wingdings"/>
+              </a:rPr>
+              <a:t> </a:t>
+            </a:r>
+          </a:p>
+          <a:p>
+            <a:r>
+              <a:rPr lang="en-US" i="1" dirty="0" smtClean="0"/>
+              <a:t>	commit to local repo 	</a:t>
+            </a:r>
+            <a:r>
+              <a:rPr lang="en-US" i="1" dirty="0" err="1" smtClean="0">
+                <a:latin typeface="Wingdings"/>
+                <a:ea typeface="Wingdings"/>
+                <a:cs typeface="Wingdings"/>
+              </a:rPr>
+              <a:t></a:t>
+            </a:r>
+            <a:r>
+              <a:rPr lang="en-US" i="1" dirty="0" smtClean="0">
+                <a:latin typeface="Wingdings"/>
+                <a:ea typeface="Wingdings"/>
+                <a:cs typeface="Wingdings"/>
+              </a:rPr>
+              <a:t> </a:t>
+            </a:r>
+          </a:p>
+          <a:p>
+            <a:r>
+              <a:rPr lang="en-US" i="1" dirty="0" smtClean="0"/>
+              <a:t>	push to remote repos 	</a:t>
+            </a:r>
+            <a:r>
+              <a:rPr lang="en-US" i="1" dirty="0" err="1" smtClean="0">
+                <a:latin typeface="Wingdings"/>
+                <a:ea typeface="Wingdings"/>
+                <a:cs typeface="Wingdings"/>
+              </a:rPr>
+              <a:t></a:t>
+            </a:r>
+            <a:endParaRPr lang="en-US" i="1" dirty="0" smtClean="0"/>
+          </a:p>
+          <a:p>
+            <a:r>
+              <a:rPr lang="en-US" i="1" dirty="0" smtClean="0"/>
+              <a:t>	</a:t>
+            </a:r>
+          </a:p>
+          <a:p>
+            <a:r>
+              <a:rPr lang="en-US" dirty="0" smtClean="0"/>
+              <a:t>	</a:t>
+            </a:r>
+          </a:p>
+          <a:p>
+            <a:endParaRPr lang="en-US" dirty="0" smtClean="0"/>
+          </a:p>
+          <a:p>
+            <a:endParaRPr lang="en-US" dirty="0"/>
+          </a:p>
+        </p:txBody>
+      </p:sp>
+    </p:spTree>
+  </p:cSld>
+  <p:clrMapOvr>
+    <a:masterClrMapping/>
+  </p:clrMapOvr>
+  <p:timing>
+    <p:tnLst>
+      <p:par>
+        <p:cTn id="1" dur="indefinite" restart="never" nodeType="tmRoot"/>
+      </p:par>
+    </p:tnLst>
+  </p:timing>
+</p:sld>
+</file>
+
+<file path=ppt/slides/slide12.xml><?xml version="1.0" encoding="utf-8"?>
+<p:sld xmlns:a="http://schemas.openxmlformats.org/drawingml/2006/main" xmlns:r="http://schemas.openxmlformats.org/officeDocument/2006/relationships" xmlns:mc="http://schemas.openxmlformats.org/markup-compatibility/2006" xmlns:mv="urn:schemas-microsoft-com:mac:vml" xmlns:p="http://schemas.openxmlformats.org/presentationml/2006/main" mc:Ignorable="mv" mc:PreserveAttributes="mv:*">
+  <p:cSld>
+    <p:spTree>
+      <p:nvGrpSpPr>
+        <p:cNvPr id="1" name=""/>
+        <p:cNvGrpSpPr/>
+        <p:nvPr/>
+      </p:nvGrpSpPr>
+      <p:grpSpPr>
+        <a:xfrm>
+          <a:off x="0" y="0"/>
+          <a:ext cx="0" cy="0"/>
+          <a:chOff x="0" y="0"/>
+          <a:chExt cx="0" cy="0"/>
+        </a:xfrm>
+      </p:grpSpPr>
+      <p:sp>
+        <p:nvSpPr>
+          <p:cNvPr id="2" name="Title 1"/>
+          <p:cNvSpPr>
+            <a:spLocks noGrp="1"/>
+          </p:cNvSpPr>
+          <p:nvPr>
+            <p:ph type="title"/>
+          </p:nvPr>
+        </p:nvSpPr>
+        <p:spPr/>
+        <p:txBody>
+          <a:bodyPr/>
+          <a:lstStyle/>
+          <a:p>
+            <a:r>
+              <a:rPr lang="en-US" dirty="0" smtClean="0"/>
+              <a:t>How to use </a:t>
+            </a:r>
+            <a:r>
+              <a:rPr lang="en-US" dirty="0" err="1" smtClean="0"/>
+              <a:t>git</a:t>
+            </a:r>
+            <a:r>
+              <a:rPr lang="en-US" dirty="0" smtClean="0"/>
+              <a:t>, basic commands</a:t>
+            </a:r>
+            <a:endParaRPr lang="en-US" dirty="0"/>
+          </a:p>
+        </p:txBody>
+      </p:sp>
+      <p:sp>
+        <p:nvSpPr>
+          <p:cNvPr id="3" name="Content Placeholder 2"/>
+          <p:cNvSpPr>
+            <a:spLocks noGrp="1"/>
+          </p:cNvSpPr>
+          <p:nvPr>
+            <p:ph idx="1"/>
+          </p:nvPr>
+        </p:nvSpPr>
+        <p:spPr/>
+        <p:txBody>
+          <a:bodyPr/>
+          <a:lstStyle/>
+          <a:p>
+            <a:r>
+              <a:rPr lang="en-US" b="1" dirty="0" smtClean="0"/>
+              <a:t>clone a repository:</a:t>
+            </a:r>
+          </a:p>
+          <a:p>
+            <a:r>
+              <a:rPr lang="en-US" dirty="0" smtClean="0"/>
+              <a:t>&gt; </a:t>
+            </a:r>
+            <a:r>
+              <a:rPr lang="en-US" dirty="0" err="1" smtClean="0"/>
+              <a:t>git</a:t>
+            </a:r>
+            <a:r>
+              <a:rPr lang="en-US" dirty="0" smtClean="0"/>
+              <a:t> clone git://github.com/angusforbes/MAT201B_F2010.git</a:t>
+            </a:r>
+          </a:p>
+          <a:p>
+            <a:r>
+              <a:rPr lang="en-US" dirty="0" smtClean="0"/>
+              <a:t>	</a:t>
+            </a:r>
+            <a:r>
+              <a:rPr lang="en-US" i="1" dirty="0" smtClean="0"/>
+              <a:t>//downloads a copy of the course website repository into a local directory</a:t>
+            </a:r>
+          </a:p>
+          <a:p>
+            <a:endParaRPr lang="en-US" dirty="0" smtClean="0"/>
+          </a:p>
+          <a:p>
+            <a:r>
+              <a:rPr lang="en-US" b="1" dirty="0" smtClean="0"/>
+              <a:t>add a new file "</a:t>
+            </a:r>
+            <a:r>
+              <a:rPr lang="en-US" b="1" dirty="0" err="1" smtClean="0"/>
+              <a:t>newfile.txt</a:t>
+            </a:r>
+            <a:r>
+              <a:rPr lang="en-US" b="1" dirty="0" smtClean="0"/>
+              <a:t>" to the staging area of the local repo:</a:t>
+            </a:r>
+          </a:p>
+          <a:p>
+            <a:r>
+              <a:rPr lang="en-US" dirty="0" smtClean="0"/>
+              <a:t>&gt; </a:t>
+            </a:r>
+            <a:r>
+              <a:rPr lang="en-US" dirty="0" err="1" smtClean="0"/>
+              <a:t>git</a:t>
+            </a:r>
+            <a:r>
+              <a:rPr lang="en-US" dirty="0" smtClean="0"/>
+              <a:t> add "</a:t>
+            </a:r>
+            <a:r>
+              <a:rPr lang="en-US" dirty="0" err="1" smtClean="0"/>
+              <a:t>newfile.txt</a:t>
+            </a:r>
+            <a:r>
+              <a:rPr lang="en-US" dirty="0" smtClean="0"/>
+              <a:t>"</a:t>
+            </a:r>
+          </a:p>
+          <a:p>
+            <a:endParaRPr lang="en-US" dirty="0" smtClean="0"/>
+          </a:p>
+          <a:p>
+            <a:r>
+              <a:rPr lang="en-US" b="1" dirty="0" smtClean="0"/>
+              <a:t>commit the file to the local repo:</a:t>
+            </a:r>
+          </a:p>
+          <a:p>
+            <a:r>
+              <a:rPr lang="en-US" b="1" dirty="0" smtClean="0"/>
+              <a:t>&gt;</a:t>
+            </a:r>
+            <a:r>
+              <a:rPr lang="en-US" dirty="0" smtClean="0"/>
+              <a:t> </a:t>
+            </a:r>
+            <a:r>
+              <a:rPr lang="en-US" dirty="0" err="1" smtClean="0"/>
+              <a:t>git</a:t>
+            </a:r>
+            <a:r>
+              <a:rPr lang="en-US" dirty="0" smtClean="0"/>
+              <a:t> commit "</a:t>
+            </a:r>
+            <a:r>
+              <a:rPr lang="en-US" dirty="0" err="1" smtClean="0"/>
+              <a:t>newfile.txt</a:t>
+            </a:r>
+            <a:r>
+              <a:rPr lang="en-US" dirty="0" smtClean="0"/>
+              <a:t>"			 //</a:t>
+            </a:r>
+            <a:r>
+              <a:rPr lang="en-US" i="1" dirty="0" smtClean="0"/>
+              <a:t>open an editor for you to describe changes</a:t>
+            </a:r>
+          </a:p>
+          <a:p>
+            <a:r>
+              <a:rPr lang="en-US" dirty="0" smtClean="0"/>
+              <a:t>&gt; </a:t>
+            </a:r>
+            <a:r>
+              <a:rPr lang="en-US" dirty="0" err="1" smtClean="0"/>
+              <a:t>git</a:t>
+            </a:r>
+            <a:r>
+              <a:rPr lang="en-US" dirty="0" smtClean="0"/>
+              <a:t> commit -</a:t>
+            </a:r>
+            <a:r>
+              <a:rPr lang="en-US" dirty="0" err="1" smtClean="0"/>
+              <a:t>m</a:t>
+            </a:r>
+            <a:r>
+              <a:rPr lang="en-US" dirty="0" smtClean="0"/>
+              <a:t> "my message" </a:t>
+            </a:r>
+            <a:r>
+              <a:rPr lang="en-US" dirty="0" err="1" smtClean="0"/>
+              <a:t>file.txt</a:t>
+            </a:r>
+            <a:r>
+              <a:rPr lang="en-US" dirty="0" smtClean="0"/>
+              <a:t>	 //</a:t>
+            </a:r>
+            <a:r>
+              <a:rPr lang="en-US" i="1" dirty="0" smtClean="0"/>
+              <a:t>commits file with a message describing changes</a:t>
+            </a:r>
+          </a:p>
+          <a:p>
+            <a:endParaRPr lang="en-US" b="1" dirty="0" smtClean="0"/>
+          </a:p>
+          <a:p>
+            <a:r>
+              <a:rPr lang="en-US" b="1" dirty="0" smtClean="0"/>
+              <a:t>at anytime you can check the status of your local repository:</a:t>
+            </a:r>
+          </a:p>
+          <a:p>
+            <a:r>
+              <a:rPr lang="en-US" dirty="0" smtClean="0"/>
+              <a:t>&gt; </a:t>
+            </a:r>
+            <a:r>
+              <a:rPr lang="en-US" dirty="0" err="1" smtClean="0"/>
+              <a:t>git</a:t>
+            </a:r>
+            <a:r>
+              <a:rPr lang="en-US" dirty="0" smtClean="0"/>
+              <a:t> status </a:t>
+            </a:r>
+          </a:p>
+          <a:p>
+            <a:r>
+              <a:rPr lang="en-US" dirty="0" smtClean="0"/>
+              <a:t>	//will tell you if there are files in the repo that are not in the staging area,</a:t>
+            </a:r>
+          </a:p>
+          <a:p>
+            <a:r>
+              <a:rPr lang="en-US" dirty="0" smtClean="0"/>
+              <a:t>	//if there are files in the staging area that are not committed,</a:t>
+            </a:r>
+          </a:p>
+          <a:p>
+            <a:r>
+              <a:rPr lang="en-US" dirty="0" smtClean="0"/>
+              <a:t>	//and how out-of-synch your local repo is from where you cloned it from</a:t>
+            </a:r>
+          </a:p>
+          <a:p>
+            <a:r>
+              <a:rPr lang="en-US" dirty="0" smtClean="0"/>
+              <a:t> </a:t>
+            </a:r>
+          </a:p>
+          <a:p>
+            <a:r>
+              <a:rPr lang="en-US" b="1" dirty="0" smtClean="0"/>
+              <a:t>push your changes to the remote "origin" repository (if you are allowed!):</a:t>
+            </a:r>
+          </a:p>
+          <a:p>
+            <a:r>
+              <a:rPr lang="en-US" dirty="0" smtClean="0"/>
+              <a:t>&gt; </a:t>
+            </a:r>
+            <a:r>
+              <a:rPr lang="en-US" dirty="0" err="1" smtClean="0"/>
+              <a:t>git</a:t>
+            </a:r>
+            <a:r>
+              <a:rPr lang="en-US" dirty="0" smtClean="0"/>
+              <a:t> push origin</a:t>
+            </a:r>
+          </a:p>
+          <a:p>
+            <a:endParaRPr lang="en-US" dirty="0" smtClean="0"/>
+          </a:p>
+          <a:p>
+            <a:r>
+              <a:rPr lang="en-US" b="1" dirty="0" smtClean="0"/>
+              <a:t>pull other peoples changes to your local repository:</a:t>
+            </a:r>
+          </a:p>
+          <a:p>
+            <a:r>
+              <a:rPr lang="en-US" dirty="0" smtClean="0"/>
+              <a:t>&gt; </a:t>
+            </a:r>
+            <a:r>
+              <a:rPr lang="en-US" dirty="0" err="1" smtClean="0"/>
+              <a:t>git</a:t>
+            </a:r>
+            <a:r>
+              <a:rPr lang="en-US" dirty="0" smtClean="0"/>
+              <a:t> pull origin</a:t>
+            </a:r>
+          </a:p>
+          <a:p>
+            <a:endParaRPr lang="en-US" dirty="0"/>
+          </a:p>
+        </p:txBody>
+      </p:sp>
+    </p:spTree>
+  </p:cSld>
+  <p:clrMapOvr>
+    <a:masterClrMapping/>
+  </p:clrMapOvr>
+  <p:timing>
+    <p:tnLst>
+      <p:par>
+        <p:cTn id="1" dur="indefinite" restart="never" nodeType="tmRoot"/>
+      </p:par>
+    </p:tnLst>
+  </p:timing>
+</p:sld>
+</file>
+
+<file path=ppt/slides/slide13.xml><?xml version="1.0" encoding="utf-8"?>
+<p:sld xmlns:a="http://schemas.openxmlformats.org/drawingml/2006/main" xmlns:r="http://schemas.openxmlformats.org/officeDocument/2006/relationships" xmlns:mc="http://schemas.openxmlformats.org/markup-compatibility/2006" xmlns:mv="urn:schemas-microsoft-com:mac:vml" xmlns:p="http://schemas.openxmlformats.org/presentationml/2006/main" mc:Ignorable="mv" mc:PreserveAttributes="mv:*">
+  <p:cSld>
+    <p:spTree>
+      <p:nvGrpSpPr>
+        <p:cNvPr id="1" name=""/>
+        <p:cNvGrpSpPr/>
+        <p:nvPr/>
+      </p:nvGrpSpPr>
+      <p:grpSpPr>
+        <a:xfrm>
+          <a:off x="0" y="0"/>
+          <a:ext cx="0" cy="0"/>
+          <a:chOff x="0" y="0"/>
+          <a:chExt cx="0" cy="0"/>
+        </a:xfrm>
+      </p:grpSpPr>
+      <p:sp>
+        <p:nvSpPr>
+          <p:cNvPr id="2" name="Title 1"/>
+          <p:cNvSpPr>
+            <a:spLocks noGrp="1"/>
+          </p:cNvSpPr>
+          <p:nvPr>
+            <p:ph type="title"/>
+          </p:nvPr>
+        </p:nvSpPr>
+        <p:spPr/>
+        <p:txBody>
+          <a:bodyPr/>
+          <a:lstStyle/>
+          <a:p>
+            <a:r>
+              <a:rPr lang="en-US" dirty="0" err="1" smtClean="0"/>
+              <a:t>github.com</a:t>
+            </a:r>
+            <a:endParaRPr lang="en-US" dirty="0"/>
+          </a:p>
+        </p:txBody>
+      </p:sp>
+      <p:sp>
+        <p:nvSpPr>
+          <p:cNvPr id="3" name="Content Placeholder 2"/>
+          <p:cNvSpPr>
+            <a:spLocks noGrp="1"/>
+          </p:cNvSpPr>
+          <p:nvPr>
+            <p:ph idx="1"/>
+          </p:nvPr>
+        </p:nvSpPr>
+        <p:spPr/>
+        <p:txBody>
+          <a:bodyPr/>
+          <a:lstStyle/>
+          <a:p>
+            <a:r>
+              <a:rPr lang="en-US" dirty="0" smtClean="0"/>
+              <a:t>- Project hosting site for managing </a:t>
+            </a:r>
+            <a:r>
+              <a:rPr lang="en-US" dirty="0" err="1" smtClean="0"/>
+              <a:t>git</a:t>
+            </a:r>
+            <a:r>
+              <a:rPr lang="en-US" dirty="0" smtClean="0"/>
+              <a:t> repositories</a:t>
+            </a:r>
+          </a:p>
+          <a:p>
+            <a:r>
+              <a:rPr lang="en-US" dirty="0" smtClean="0"/>
+              <a:t>- Free for smaller open source projects</a:t>
+            </a:r>
+          </a:p>
+          <a:p>
+            <a:r>
+              <a:rPr lang="en-US" dirty="0" smtClean="0"/>
+              <a:t>- Includes an issue tracker</a:t>
+            </a:r>
+          </a:p>
+          <a:p>
+            <a:r>
+              <a:rPr lang="en-US" dirty="0" smtClean="0"/>
+              <a:t>- </a:t>
+            </a:r>
+            <a:r>
+              <a:rPr lang="en-US" dirty="0"/>
+              <a:t>H</a:t>
+            </a:r>
+            <a:r>
+              <a:rPr lang="en-US" dirty="0" smtClean="0"/>
+              <a:t>as some social </a:t>
+            </a:r>
+            <a:r>
+              <a:rPr lang="en-US" smtClean="0"/>
+              <a:t>networking features...</a:t>
+            </a:r>
+          </a:p>
+          <a:p>
+            <a:endParaRPr lang="en-US" dirty="0"/>
+          </a:p>
+          <a:p>
+            <a:endParaRPr lang="en-US" dirty="0"/>
+          </a:p>
+        </p:txBody>
+      </p:sp>
+    </p:spTree>
+  </p:cSld>
+  <p:clrMapOvr>
+    <a:masterClrMapping/>
+  </p:clrMapOvr>
+</p:sld>
+</file>
+
+<file path=ppt/slides/slide14.xml><?xml version="1.0" encoding="utf-8"?>
+<p:sld xmlns:a="http://schemas.openxmlformats.org/drawingml/2006/main" xmlns:r="http://schemas.openxmlformats.org/officeDocument/2006/relationships" xmlns:mc="http://schemas.openxmlformats.org/markup-compatibility/2006" xmlns:mv="urn:schemas-microsoft-com:mac:vml" xmlns:p="http://schemas.openxmlformats.org/presentationml/2006/main" mc:Ignorable="mv" mc:PreserveAttributes="mv:*">
+  <p:cSld>
+    <p:spTree>
+      <p:nvGrpSpPr>
+        <p:cNvPr id="1" name=""/>
+        <p:cNvGrpSpPr/>
+        <p:nvPr/>
+      </p:nvGrpSpPr>
+      <p:grpSpPr>
+        <a:xfrm>
+          <a:off x="0" y="0"/>
+          <a:ext cx="0" cy="0"/>
+          <a:chOff x="0" y="0"/>
+          <a:chExt cx="0" cy="0"/>
+        </a:xfrm>
+      </p:grpSpPr>
+      <p:sp>
+        <p:nvSpPr>
+          <p:cNvPr id="2" name="Title 1"/>
+          <p:cNvSpPr>
+            <a:spLocks noGrp="1"/>
+          </p:cNvSpPr>
+          <p:nvPr>
+            <p:ph type="title"/>
+          </p:nvPr>
+        </p:nvSpPr>
+        <p:spPr/>
+        <p:txBody>
+          <a:bodyPr/>
+          <a:lstStyle/>
+          <a:p>
+            <a:r>
+              <a:rPr lang="en-US" dirty="0" smtClean="0"/>
+              <a:t>What does a program do?</a:t>
+            </a:r>
+            <a:endParaRPr lang="en-US" dirty="0"/>
+          </a:p>
+        </p:txBody>
+      </p:sp>
+      <p:sp>
+        <p:nvSpPr>
+          <p:cNvPr id="3" name="Content Placeholder 2"/>
+          <p:cNvSpPr>
+            <a:spLocks noGrp="1"/>
+          </p:cNvSpPr>
+          <p:nvPr>
+            <p:ph idx="1"/>
+          </p:nvPr>
+        </p:nvSpPr>
+        <p:spPr/>
+        <p:txBody>
+          <a:bodyPr/>
+          <a:lstStyle/>
+          <a:p>
+            <a:endParaRPr lang="en-US" dirty="0" smtClean="0"/>
+          </a:p>
+          <a:p>
+            <a:endParaRPr lang="en-US" dirty="0" smtClean="0"/>
+          </a:p>
+          <a:p>
+            <a:endParaRPr lang="en-US" dirty="0" smtClean="0"/>
+          </a:p>
+          <a:p>
+            <a:r>
+              <a:rPr lang="en-US" dirty="0" smtClean="0"/>
+              <a:t>1. Takes in data			</a:t>
+            </a:r>
+          </a:p>
+          <a:p>
+            <a:endParaRPr lang="en-US" dirty="0" smtClean="0"/>
+          </a:p>
+          <a:p>
+            <a:r>
+              <a:rPr lang="en-US" dirty="0" smtClean="0"/>
+              <a:t>				</a:t>
+            </a:r>
+            <a:r>
+              <a:rPr lang="en-US" dirty="0" err="1" smtClean="0">
+                <a:latin typeface="Wingdings"/>
+                <a:ea typeface="Wingdings"/>
+                <a:cs typeface="Wingdings"/>
+              </a:rPr>
+              <a:t></a:t>
+            </a:r>
+            <a:endParaRPr lang="en-US" dirty="0" smtClean="0"/>
+          </a:p>
+          <a:p>
+            <a:endParaRPr lang="en-US" dirty="0" smtClean="0"/>
+          </a:p>
+          <a:p>
+            <a:r>
+              <a:rPr lang="en-US" dirty="0" smtClean="0"/>
+              <a:t>2. Manipulates the data 	</a:t>
+            </a:r>
+          </a:p>
+          <a:p>
+            <a:endParaRPr lang="en-US" dirty="0" smtClean="0"/>
+          </a:p>
+          <a:p>
+            <a:r>
+              <a:rPr lang="en-US" dirty="0" smtClean="0"/>
+              <a:t>				</a:t>
+            </a:r>
+            <a:r>
+              <a:rPr lang="en-US" dirty="0" err="1" smtClean="0">
+                <a:latin typeface="Wingdings"/>
+                <a:ea typeface="Wingdings"/>
+                <a:cs typeface="Wingdings"/>
+              </a:rPr>
+              <a:t></a:t>
+            </a:r>
+            <a:endParaRPr lang="en-US" dirty="0" smtClean="0"/>
+          </a:p>
+          <a:p>
+            <a:endParaRPr lang="en-US" dirty="0" smtClean="0"/>
+          </a:p>
+          <a:p>
+            <a:r>
+              <a:rPr lang="en-US" dirty="0" smtClean="0"/>
+              <a:t>3. Sends data out</a:t>
+            </a:r>
+          </a:p>
+          <a:p>
+            <a:endParaRPr lang="en-US" dirty="0" smtClean="0"/>
+          </a:p>
+          <a:p>
+            <a:endParaRPr lang="en-US" dirty="0" smtClean="0"/>
+          </a:p>
+          <a:p>
+            <a:endParaRPr lang="en-US" dirty="0"/>
+          </a:p>
+        </p:txBody>
+      </p:sp>
+    </p:spTree>
+  </p:cSld>
+  <p:clrMapOvr>
+    <a:masterClrMapping/>
+  </p:clrMapOvr>
+</p:sld>
+</file>
+
+<file path=ppt/slides/slide15.xml><?xml version="1.0" encoding="utf-8"?>
+<p:sld xmlns:a="http://schemas.openxmlformats.org/drawingml/2006/main" xmlns:r="http://schemas.openxmlformats.org/officeDocument/2006/relationships" xmlns:mc="http://schemas.openxmlformats.org/markup-compatibility/2006" xmlns:mv="urn:schemas-microsoft-com:mac:vml" xmlns:p="http://schemas.openxmlformats.org/presentationml/2006/main" mc:Ignorable="mv" mc:PreserveAttributes="mv:*">
+  <p:cSld>
+    <p:spTree>
+      <p:nvGrpSpPr>
+        <p:cNvPr id="1" name=""/>
+        <p:cNvGrpSpPr/>
+        <p:nvPr/>
+      </p:nvGrpSpPr>
+      <p:grpSpPr>
+        <a:xfrm>
+          <a:off x="0" y="0"/>
+          <a:ext cx="0" cy="0"/>
+          <a:chOff x="0" y="0"/>
+          <a:chExt cx="0" cy="0"/>
+        </a:xfrm>
+      </p:grpSpPr>
+      <p:sp>
+        <p:nvSpPr>
+          <p:cNvPr id="2" name="Title 1"/>
+          <p:cNvSpPr>
+            <a:spLocks noGrp="1"/>
+          </p:cNvSpPr>
+          <p:nvPr>
+            <p:ph type="title"/>
+          </p:nvPr>
+        </p:nvSpPr>
+        <p:spPr/>
+        <p:txBody>
+          <a:bodyPr/>
+          <a:lstStyle/>
+          <a:p>
+            <a:r>
+              <a:rPr lang="en-US" dirty="0" smtClean="0"/>
+              <a:t>Types of inputs</a:t>
+            </a:r>
+            <a:endParaRPr lang="en-US" dirty="0"/>
+          </a:p>
+        </p:txBody>
+      </p:sp>
+      <p:sp>
+        <p:nvSpPr>
+          <p:cNvPr id="3" name="Content Placeholder 2"/>
+          <p:cNvSpPr>
+            <a:spLocks noGrp="1"/>
+          </p:cNvSpPr>
+          <p:nvPr>
+            <p:ph idx="1"/>
+          </p:nvPr>
+        </p:nvSpPr>
+        <p:spPr/>
+        <p:txBody>
+          <a:bodyPr/>
+          <a:lstStyle/>
+          <a:p>
+            <a:endParaRPr lang="en-US" dirty="0" smtClean="0"/>
+          </a:p>
+          <a:p>
+            <a:r>
+              <a:rPr lang="en-US" dirty="0" smtClean="0"/>
+              <a:t>User interaction: mouse, keyboard</a:t>
+            </a:r>
+          </a:p>
+          <a:p>
+            <a:endParaRPr lang="en-US" dirty="0" smtClean="0"/>
+          </a:p>
+          <a:p>
+            <a:r>
+              <a:rPr lang="en-US" dirty="0" smtClean="0"/>
+              <a:t>Multimedia: video camera, microphone, sensors</a:t>
+            </a:r>
+          </a:p>
+          <a:p>
+            <a:endParaRPr lang="en-US" dirty="0" smtClean="0"/>
+          </a:p>
+          <a:p>
+            <a:r>
+              <a:rPr lang="en-US" dirty="0" smtClean="0"/>
+              <a:t>Control messages: instructions from another program</a:t>
+            </a:r>
+          </a:p>
+          <a:p>
+            <a:endParaRPr lang="en-US" dirty="0" smtClean="0"/>
+          </a:p>
+          <a:p>
+            <a:r>
+              <a:rPr lang="en-US" dirty="0" smtClean="0"/>
+              <a:t>Network data: IP packets, UDP </a:t>
+            </a:r>
+            <a:r>
+              <a:rPr lang="en-US" dirty="0" err="1" smtClean="0"/>
+              <a:t>datagrams</a:t>
+            </a:r>
+            <a:endParaRPr lang="en-US" dirty="0" smtClean="0"/>
+          </a:p>
+          <a:p>
+            <a:endParaRPr lang="en-US" dirty="0" smtClean="0"/>
+          </a:p>
+          <a:p>
+            <a:r>
+              <a:rPr lang="en-US" dirty="0" smtClean="0"/>
+              <a:t>Stored data: information stored in databases, files, spreadsheets</a:t>
+            </a:r>
+          </a:p>
+          <a:p>
+            <a:endParaRPr lang="en-US" dirty="0" smtClean="0"/>
+          </a:p>
+          <a:p>
+            <a:r>
+              <a:rPr lang="en-US" dirty="0" smtClean="0"/>
+              <a:t>Real-time data: RSS feeds, market data</a:t>
+            </a:r>
+          </a:p>
+          <a:p>
+            <a:endParaRPr lang="en-US" dirty="0"/>
+          </a:p>
+          <a:p>
+            <a:endParaRPr lang="en-US" dirty="0" smtClean="0"/>
+          </a:p>
+          <a:p>
+            <a:r>
+              <a:rPr lang="en-US" dirty="0" smtClean="0"/>
+              <a:t> </a:t>
+            </a:r>
+          </a:p>
+          <a:p>
+            <a:endParaRPr lang="en-US" dirty="0" smtClean="0"/>
+          </a:p>
+          <a:p>
+            <a:endParaRPr lang="en-US" dirty="0"/>
+          </a:p>
+        </p:txBody>
+      </p:sp>
+    </p:spTree>
+  </p:cSld>
+  <p:clrMapOvr>
+    <a:masterClrMapping/>
+  </p:clrMapOvr>
+</p:sld>
+</file>
+
+<file path=ppt/slides/slide16.xml><?xml version="1.0" encoding="utf-8"?>
+<p:sld xmlns:a="http://schemas.openxmlformats.org/drawingml/2006/main" xmlns:r="http://schemas.openxmlformats.org/officeDocument/2006/relationships" xmlns:mc="http://schemas.openxmlformats.org/markup-compatibility/2006" xmlns:mv="urn:schemas-microsoft-com:mac:vml" xmlns:p="http://schemas.openxmlformats.org/presentationml/2006/main" mc:Ignorable="mv" mc:PreserveAttributes="mv:*">
+  <p:cSld>
+    <p:spTree>
+      <p:nvGrpSpPr>
+        <p:cNvPr id="1" name=""/>
+        <p:cNvGrpSpPr/>
+        <p:nvPr/>
+      </p:nvGrpSpPr>
+      <p:grpSpPr>
+        <a:xfrm>
+          <a:off x="0" y="0"/>
+          <a:ext cx="0" cy="0"/>
+          <a:chOff x="0" y="0"/>
+          <a:chExt cx="0" cy="0"/>
+        </a:xfrm>
+      </p:grpSpPr>
+      <p:sp>
+        <p:nvSpPr>
+          <p:cNvPr id="2" name="Title 1"/>
+          <p:cNvSpPr>
+            <a:spLocks noGrp="1"/>
+          </p:cNvSpPr>
+          <p:nvPr>
+            <p:ph type="title"/>
+          </p:nvPr>
+        </p:nvSpPr>
+        <p:spPr/>
+        <p:txBody>
+          <a:bodyPr/>
+          <a:lstStyle/>
+          <a:p>
+            <a:r>
+              <a:rPr lang="en-US" dirty="0" smtClean="0"/>
+              <a:t>Types of manipulation</a:t>
+            </a:r>
+            <a:endParaRPr lang="en-US" dirty="0"/>
+          </a:p>
+        </p:txBody>
+      </p:sp>
+      <p:sp>
+        <p:nvSpPr>
+          <p:cNvPr id="3" name="Content Placeholder 2"/>
+          <p:cNvSpPr>
+            <a:spLocks noGrp="1"/>
+          </p:cNvSpPr>
+          <p:nvPr>
+            <p:ph idx="1"/>
+          </p:nvPr>
+        </p:nvSpPr>
+        <p:spPr/>
+        <p:txBody>
+          <a:bodyPr/>
+          <a:lstStyle/>
+          <a:p>
+            <a:endParaRPr lang="en-US" dirty="0" smtClean="0"/>
+          </a:p>
+          <a:p>
+            <a:r>
+              <a:rPr lang="en-US" dirty="0"/>
+              <a:t>F</a:t>
+            </a:r>
+            <a:r>
+              <a:rPr lang="en-US" dirty="0" smtClean="0"/>
+              <a:t>iltering data - removing unimportant stuff</a:t>
+            </a:r>
+          </a:p>
+          <a:p>
+            <a:endParaRPr lang="en-US" dirty="0" smtClean="0"/>
+          </a:p>
+          <a:p>
+            <a:r>
+              <a:rPr lang="en-US" dirty="0"/>
+              <a:t>R</a:t>
+            </a:r>
+            <a:r>
+              <a:rPr lang="en-US" dirty="0" smtClean="0"/>
+              <a:t>earranging data - sorting data into more and less important stuff</a:t>
+            </a:r>
+          </a:p>
+          <a:p>
+            <a:endParaRPr lang="en-US" dirty="0" smtClean="0"/>
+          </a:p>
+          <a:p>
+            <a:r>
+              <a:rPr lang="en-US" dirty="0"/>
+              <a:t>S</a:t>
+            </a:r>
+            <a:r>
+              <a:rPr lang="en-US" dirty="0" smtClean="0"/>
+              <a:t>egmenting data - placing data into various categories</a:t>
+            </a:r>
+          </a:p>
+          <a:p>
+            <a:endParaRPr lang="en-US" dirty="0" smtClean="0"/>
+          </a:p>
+          <a:p>
+            <a:r>
+              <a:rPr lang="en-US" dirty="0"/>
+              <a:t>T</a:t>
+            </a:r>
+            <a:r>
+              <a:rPr lang="en-US" dirty="0" smtClean="0"/>
+              <a:t>ransforming data - applying rules to input data to turn it to new data</a:t>
+            </a:r>
+          </a:p>
+          <a:p>
+            <a:endParaRPr lang="en-US" dirty="0" smtClean="0"/>
+          </a:p>
+          <a:p>
+            <a:endParaRPr lang="en-US" dirty="0" smtClean="0"/>
+          </a:p>
+          <a:p>
+            <a:r>
+              <a:rPr lang="en-US" dirty="0" smtClean="0"/>
+              <a:t>In very general computer science terms:</a:t>
+            </a:r>
+          </a:p>
+          <a:p>
+            <a:endParaRPr lang="en-US" dirty="0" smtClean="0"/>
+          </a:p>
+          <a:p>
+            <a:r>
+              <a:rPr lang="en-US" dirty="0" smtClean="0"/>
+              <a:t>first, you place the input data into appropriate data structures...</a:t>
+            </a:r>
+          </a:p>
+          <a:p>
+            <a:r>
+              <a:rPr lang="en-US" dirty="0" smtClean="0"/>
+              <a:t>...and then manipulate the data using appropriate algorithms</a:t>
+            </a:r>
+          </a:p>
+          <a:p>
+            <a:endParaRPr lang="en-US" dirty="0" smtClean="0"/>
+          </a:p>
+          <a:p>
+            <a:endParaRPr lang="en-US" dirty="0" smtClean="0"/>
+          </a:p>
+          <a:p>
+            <a:r>
+              <a:rPr lang="en-US" i="1" dirty="0" smtClean="0"/>
+              <a:t>data structure : noun :: algorithm : verb</a:t>
+            </a:r>
+          </a:p>
+          <a:p>
+            <a:endParaRPr lang="en-US" dirty="0" smtClean="0"/>
+          </a:p>
+          <a:p>
+            <a:r>
+              <a:rPr lang="en-US" dirty="0" smtClean="0"/>
+              <a:t>"my program uses the </a:t>
+            </a:r>
+            <a:r>
+              <a:rPr lang="en-US" dirty="0" err="1" smtClean="0"/>
+              <a:t>quicksort</a:t>
+            </a:r>
+            <a:r>
+              <a:rPr lang="en-US" dirty="0" smtClean="0"/>
+              <a:t> algorithm to rearrange the linked list"</a:t>
+            </a:r>
+          </a:p>
+          <a:p>
+            <a:r>
+              <a:rPr lang="en-US" dirty="0" smtClean="0"/>
+              <a:t>"my program uses a low pass filter to </a:t>
+            </a:r>
+          </a:p>
+          <a:p>
+            <a:endParaRPr lang="en-US" dirty="0" smtClean="0"/>
+          </a:p>
+          <a:p>
+            <a:endParaRPr lang="en-US" dirty="0" smtClean="0"/>
+          </a:p>
+          <a:p>
+            <a:endParaRPr lang="en-US" dirty="0"/>
+          </a:p>
+          <a:p>
+            <a:endParaRPr lang="en-US" dirty="0" smtClean="0"/>
+          </a:p>
+          <a:p>
+            <a:endParaRPr lang="en-US" dirty="0"/>
+          </a:p>
+          <a:p>
+            <a:endParaRPr lang="en-US" dirty="0" smtClean="0"/>
+          </a:p>
+          <a:p>
+            <a:endParaRPr lang="en-US" dirty="0" smtClean="0"/>
+          </a:p>
+          <a:p>
+            <a:endParaRPr lang="en-US" dirty="0" smtClean="0"/>
+          </a:p>
+          <a:p>
+            <a:endParaRPr lang="en-US" dirty="0" smtClean="0"/>
+          </a:p>
+          <a:p>
+            <a:endParaRPr lang="en-US" dirty="0" smtClean="0"/>
+          </a:p>
+          <a:p>
+            <a:endParaRPr lang="en-US" dirty="0"/>
+          </a:p>
+        </p:txBody>
+      </p:sp>
+    </p:spTree>
+  </p:cSld>
+  <p:clrMapOvr>
+    <a:masterClrMapping/>
+  </p:clrMapOvr>
 </p:sld>
 </file>
 
@@ -4056,7 +5778,7 @@
           <a:p>
             <a:r>
               <a:rPr lang="en-US" dirty="0" smtClean="0"/>
-              <a:t>Today's Goals</a:t>
+              <a:t>Course Topics, 2</a:t>
             </a:r>
             <a:endParaRPr lang="en-US" dirty="0"/>
           </a:p>
@@ -4082,82 +5804,178 @@
           <a:p>
             <a:r>
               <a:rPr lang="en-US" dirty="0" smtClean="0"/>
-              <a:t>To install Processing, play with some sample code, and explore the Processing web site</a:t>
-            </a:r>
-          </a:p>
-          <a:p>
-            <a:endParaRPr lang="en-US" dirty="0" smtClean="0"/>
-          </a:p>
-          <a:p>
-            <a:r>
-              <a:rPr lang="en-US" dirty="0" smtClean="0"/>
-              <a:t>To become familiar with the Unix </a:t>
-            </a:r>
-            <a:r>
-              <a:rPr lang="en-US" dirty="0" err="1" smtClean="0"/>
-              <a:t>filesystem</a:t>
-            </a:r>
-            <a:r>
-              <a:rPr lang="en-US" dirty="0" smtClean="0"/>
-              <a:t> </a:t>
-            </a:r>
-            <a:r>
-              <a:rPr lang="en-US" dirty="0" smtClean="0"/>
-              <a:t>and </a:t>
-            </a:r>
-            <a:r>
-              <a:rPr lang="en-US" dirty="0" smtClean="0"/>
-              <a:t>environment</a:t>
-            </a:r>
-          </a:p>
-          <a:p>
-            <a:endParaRPr lang="en-US" dirty="0" smtClean="0"/>
-          </a:p>
-          <a:p>
-            <a:r>
-              <a:rPr lang="en-US" dirty="0" smtClean="0"/>
-              <a:t>To install </a:t>
-            </a:r>
-            <a:r>
-              <a:rPr lang="en-US" dirty="0" err="1" smtClean="0"/>
-              <a:t>git</a:t>
-            </a:r>
-            <a:r>
-              <a:rPr lang="en-US" dirty="0" smtClean="0"/>
-              <a:t> and to set up an account on </a:t>
-            </a:r>
-            <a:r>
-              <a:rPr lang="en-US" dirty="0" err="1" smtClean="0"/>
-              <a:t>github.com</a:t>
-            </a:r>
-            <a:endParaRPr lang="en-US" dirty="0" smtClean="0"/>
-          </a:p>
-          <a:p>
-            <a:endParaRPr lang="en-US" dirty="0" smtClean="0"/>
-          </a:p>
-          <a:p>
-            <a:r>
-              <a:rPr lang="en-US" dirty="0" smtClean="0"/>
-              <a:t>To create a new </a:t>
-            </a:r>
-            <a:r>
-              <a:rPr lang="en-US" dirty="0" err="1" smtClean="0"/>
-              <a:t>git</a:t>
-            </a:r>
-            <a:r>
-              <a:rPr lang="en-US" dirty="0" smtClean="0"/>
-              <a:t> repository for a </a:t>
-            </a:r>
-            <a:r>
-              <a:rPr lang="en-US" smtClean="0"/>
-              <a:t>Processing sketch</a:t>
-            </a:r>
-          </a:p>
-          <a:p>
-            <a:endParaRPr lang="en-US" dirty="0" smtClean="0"/>
-          </a:p>
-          <a:p>
-            <a:endParaRPr lang="en-US" dirty="0" smtClean="0"/>
+              <a:t>How to create interactive </a:t>
+            </a:r>
+            <a:r>
+              <a:rPr lang="en-US" b="1" dirty="0" smtClean="0"/>
+              <a:t>2D graphics</a:t>
+            </a:r>
+            <a:r>
+              <a:rPr lang="en-US" dirty="0" smtClean="0"/>
+              <a:t> &amp; </a:t>
+            </a:r>
+            <a:r>
+              <a:rPr lang="en-US" b="1" dirty="0" smtClean="0"/>
+              <a:t>3D graphics</a:t>
+            </a:r>
+          </a:p>
+          <a:p>
+            <a:r>
+              <a:rPr lang="en-US" dirty="0" smtClean="0"/>
+              <a:t>	Processing renderers</a:t>
+            </a:r>
+          </a:p>
+          <a:p>
+            <a:r>
+              <a:rPr lang="en-US" dirty="0" smtClean="0"/>
+              <a:t>	Swing/Java2D renderers</a:t>
+            </a:r>
+          </a:p>
+          <a:p>
+            <a:r>
+              <a:rPr lang="en-US" dirty="0" smtClean="0"/>
+              <a:t>	OpenGL library</a:t>
+            </a:r>
+          </a:p>
+          <a:p>
+            <a:r>
+              <a:rPr lang="en-US" dirty="0" smtClean="0"/>
+              <a:t>	GLSL </a:t>
+            </a:r>
+            <a:r>
+              <a:rPr lang="en-US" dirty="0" err="1" smtClean="0"/>
+              <a:t>shaders</a:t>
+            </a:r>
+            <a:endParaRPr lang="en-US" dirty="0" smtClean="0"/>
+          </a:p>
+          <a:p>
+            <a:endParaRPr lang="en-US" dirty="0" smtClean="0"/>
+          </a:p>
+          <a:p>
+            <a:r>
+              <a:rPr lang="en-US" dirty="0" smtClean="0"/>
+              <a:t>How to interact with the file system; </a:t>
+            </a:r>
+            <a:r>
+              <a:rPr lang="en-US" b="1" dirty="0" smtClean="0"/>
+              <a:t>I/O</a:t>
+            </a:r>
+            <a:r>
+              <a:rPr lang="en-US" dirty="0" smtClean="0"/>
+              <a:t> fundamentals</a:t>
+            </a:r>
+          </a:p>
+          <a:p>
+            <a:endParaRPr lang="en-US" dirty="0" smtClean="0"/>
+          </a:p>
+          <a:p>
+            <a:r>
+              <a:rPr lang="en-US" dirty="0" smtClean="0"/>
+              <a:t>How to store information in and query information from a </a:t>
+            </a:r>
+            <a:r>
+              <a:rPr lang="en-US" b="1" dirty="0" smtClean="0"/>
+              <a:t>database</a:t>
+            </a:r>
+          </a:p>
+          <a:p>
+            <a:r>
+              <a:rPr lang="en-US" dirty="0" smtClean="0"/>
+              <a:t>	SQL (</a:t>
+            </a:r>
+            <a:r>
+              <a:rPr lang="en-US" dirty="0" err="1" smtClean="0"/>
+              <a:t>MySQL</a:t>
+            </a:r>
+            <a:r>
+              <a:rPr lang="en-US" dirty="0" smtClean="0"/>
+              <a:t>, </a:t>
+            </a:r>
+            <a:r>
+              <a:rPr lang="en-US" dirty="0" err="1" smtClean="0"/>
+              <a:t>PostGRES</a:t>
+            </a:r>
+            <a:r>
+              <a:rPr lang="en-US" dirty="0" smtClean="0"/>
+              <a:t>)</a:t>
+            </a:r>
+          </a:p>
+          <a:p>
+            <a:r>
+              <a:rPr lang="en-US" dirty="0" smtClean="0"/>
+              <a:t>	</a:t>
+            </a:r>
+            <a:r>
+              <a:rPr lang="en-US" dirty="0" err="1" smtClean="0"/>
+              <a:t>NoSQL</a:t>
+            </a:r>
+            <a:r>
+              <a:rPr lang="en-US" dirty="0" smtClean="0"/>
+              <a:t> (Mongo)</a:t>
+            </a:r>
+          </a:p>
+          <a:p>
+            <a:r>
+              <a:rPr lang="en-US" dirty="0" smtClean="0"/>
+              <a:t>	Graph (Neo4J)</a:t>
+            </a:r>
+          </a:p>
+          <a:p>
+            <a:r>
+              <a:rPr lang="en-US" dirty="0" smtClean="0"/>
+              <a:t>	via </a:t>
+            </a:r>
+            <a:r>
+              <a:rPr lang="en-US" dirty="0" err="1" smtClean="0"/>
+              <a:t>webservices</a:t>
+            </a:r>
+            <a:r>
+              <a:rPr lang="en-US" dirty="0" smtClean="0"/>
+              <a:t> APIs (Amazon, </a:t>
+            </a:r>
+            <a:r>
+              <a:rPr lang="en-US" dirty="0" err="1" smtClean="0"/>
+              <a:t>Flickr</a:t>
+            </a:r>
+            <a:r>
+              <a:rPr lang="en-US" dirty="0" smtClean="0"/>
+              <a:t>, etc)</a:t>
+            </a:r>
+          </a:p>
+          <a:p>
+            <a:endParaRPr lang="en-US" dirty="0" smtClean="0"/>
+          </a:p>
+          <a:p>
+            <a:r>
+              <a:rPr lang="en-US" dirty="0" smtClean="0"/>
+              <a:t>How to send and receive information to other computers, </a:t>
+            </a:r>
+            <a:r>
+              <a:rPr lang="en-US" b="1" dirty="0" smtClean="0"/>
+              <a:t>networking</a:t>
+            </a:r>
+            <a:r>
+              <a:rPr lang="en-US" dirty="0" smtClean="0"/>
+              <a:t> fundamentals</a:t>
+            </a:r>
+          </a:p>
+          <a:p>
+            <a:endParaRPr lang="en-US" dirty="0" smtClean="0"/>
+          </a:p>
+          <a:p>
+            <a:endParaRPr lang="en-US" dirty="0"/>
+          </a:p>
+          <a:p>
+            <a:endParaRPr lang="en-US" dirty="0" smtClean="0"/>
+          </a:p>
+          <a:p>
+            <a:endParaRPr lang="en-US" dirty="0" smtClean="0"/>
+          </a:p>
+          <a:p>
+            <a:r>
+              <a:rPr lang="en-US" dirty="0"/>
+              <a:t>	</a:t>
+            </a:r>
           </a:p>
         </p:txBody>
       </p:sp>
@@ -4166,6 +5984,13 @@
   <p:clrMapOvr>
     <a:masterClrMapping/>
   </p:clrMapOvr>
+  <p:timing>
+    <p:tnLst>
+      <p:par>
+        <p:cTn id="1" dur="indefinite" restart="never" nodeType="tmRoot"/>
+      </p:par>
+    </p:tnLst>
+  </p:timing>
 </p:sld>
 </file>
 
@@ -4203,7 +6028,7 @@
           <a:p>
             <a:r>
               <a:rPr lang="en-US" dirty="0" smtClean="0"/>
-              <a:t>Common Unix / Terminal commands</a:t>
+              <a:t>Course Topics, 3</a:t>
             </a:r>
             <a:endParaRPr lang="en-US" dirty="0"/>
           </a:p>
@@ -4224,13 +6049,81 @@
           <a:bodyPr/>
           <a:lstStyle/>
           <a:p>
-            <a:r>
-              <a:rPr lang="en-US" b="1" dirty="0" err="1" smtClean="0"/>
-              <a:t>cd</a:t>
+            <a:endParaRPr lang="en-US" dirty="0" smtClean="0"/>
+          </a:p>
+          <a:p>
+            <a:r>
+              <a:rPr lang="en-US" dirty="0" smtClean="0"/>
+              <a:t>How to design </a:t>
             </a:r>
             <a:r>
               <a:rPr lang="en-US" b="1" dirty="0" smtClean="0"/>
-              <a:t> = change directory</a:t>
+              <a:t>algorithms</a:t>
+            </a:r>
+          </a:p>
+          <a:p>
+            <a:r>
+              <a:rPr lang="en-US" dirty="0" smtClean="0"/>
+              <a:t>	searching &amp; sorting</a:t>
+            </a:r>
+          </a:p>
+          <a:p>
+            <a:endParaRPr lang="en-US" dirty="0" smtClean="0"/>
+          </a:p>
+          <a:p>
+            <a:r>
+              <a:rPr lang="en-US" dirty="0" smtClean="0"/>
+              <a:t>How to write </a:t>
+            </a:r>
+            <a:r>
+              <a:rPr lang="en-US" b="1" dirty="0" smtClean="0"/>
+              <a:t>threads </a:t>
+            </a:r>
+            <a:r>
+              <a:rPr lang="en-US" dirty="0" smtClean="0"/>
+              <a:t>to manage concurrent processes</a:t>
+            </a:r>
+            <a:endParaRPr lang="en-US" b="1" dirty="0" smtClean="0"/>
+          </a:p>
+          <a:p>
+            <a:r>
+              <a:rPr lang="en-US" dirty="0" smtClean="0"/>
+              <a:t>	multithreading</a:t>
+            </a:r>
+          </a:p>
+          <a:p>
+            <a:r>
+              <a:rPr lang="en-US" dirty="0" smtClean="0"/>
+              <a:t>	synchronization	</a:t>
+            </a:r>
+          </a:p>
+          <a:p>
+            <a:r>
+              <a:rPr lang="en-US" dirty="0" smtClean="0"/>
+              <a:t>	concurrent data structures</a:t>
+            </a:r>
+          </a:p>
+          <a:p>
+            <a:endParaRPr lang="en-US" dirty="0" smtClean="0"/>
+          </a:p>
+          <a:p>
+            <a:r>
+              <a:rPr lang="en-US" dirty="0" smtClean="0"/>
+              <a:t>How to use </a:t>
+            </a:r>
+            <a:r>
+              <a:rPr lang="en-US" b="1" dirty="0" smtClean="0"/>
+              <a:t>audio</a:t>
+            </a:r>
+            <a:r>
+              <a:rPr lang="en-US" dirty="0" smtClean="0"/>
+              <a:t> libraries</a:t>
+            </a:r>
+          </a:p>
+          <a:p>
+            <a:r>
+              <a:rPr lang="en-US" dirty="0" smtClean="0"/>
+              <a:t>	Minim (Processing)</a:t>
             </a:r>
           </a:p>
           <a:p>
@@ -4240,15 +6133,19 @@
             </a:r>
             <a:r>
               <a:rPr lang="en-US" dirty="0" err="1" smtClean="0"/>
-              <a:t>cd</a:t>
-            </a:r>
-            <a:r>
-              <a:rPr lang="en-US" dirty="0" smtClean="0"/>
-              <a:t> .. 					</a:t>
-            </a:r>
-            <a:r>
-              <a:rPr lang="en-US" i="1" dirty="0" smtClean="0"/>
-              <a:t>move up to parent directory</a:t>
+              <a:t>JavaSound</a:t>
+            </a:r>
+            <a:r>
+              <a:rPr lang="en-US" dirty="0" smtClean="0"/>
+              <a:t> / </a:t>
+            </a:r>
+            <a:r>
+              <a:rPr lang="en-US" dirty="0" err="1" smtClean="0"/>
+              <a:t>JSyn</a:t>
+            </a:r>
+            <a:r>
+              <a:rPr lang="en-US" dirty="0" smtClean="0"/>
+              <a:t> (Java)</a:t>
             </a:r>
           </a:p>
           <a:p>
@@ -4258,197 +6155,61 @@
             </a:r>
             <a:r>
               <a:rPr lang="en-US" dirty="0" err="1" smtClean="0"/>
-              <a:t>cd</a:t>
-            </a:r>
-            <a:r>
-              <a:rPr lang="en-US" dirty="0" smtClean="0"/>
-              <a:t> ~ 					</a:t>
-            </a:r>
-            <a:r>
-              <a:rPr lang="en-US" i="1" dirty="0" smtClean="0"/>
-              <a:t>change to home directory</a:t>
-            </a:r>
-          </a:p>
-          <a:p>
-            <a:r>
-              <a:rPr lang="en-US" i="1" dirty="0" smtClean="0"/>
+              <a:t>PortAudio</a:t>
+            </a:r>
+            <a:r>
+              <a:rPr lang="en-US" dirty="0" smtClean="0"/>
+              <a:t>, </a:t>
+            </a:r>
+            <a:r>
+              <a:rPr lang="en-US" dirty="0" err="1" smtClean="0"/>
+              <a:t>rtAudio</a:t>
+            </a:r>
+            <a:r>
+              <a:rPr lang="en-US" dirty="0" smtClean="0"/>
+              <a:t> (C/C++)</a:t>
+            </a:r>
+          </a:p>
+          <a:p>
+            <a:r>
+              <a:rPr lang="en-US" dirty="0" smtClean="0"/>
+              <a:t>	OSC messages to dedicated sound engines (</a:t>
+            </a:r>
+            <a:r>
+              <a:rPr lang="en-US" dirty="0" err="1" smtClean="0"/>
+              <a:t>SuperCollider</a:t>
+            </a:r>
+            <a:r>
+              <a:rPr lang="en-US" dirty="0" smtClean="0"/>
+              <a:t>, etc)</a:t>
+            </a:r>
+          </a:p>
+          <a:p>
+            <a:endParaRPr lang="en-US" dirty="0"/>
+          </a:p>
+          <a:p>
+            <a:endParaRPr lang="en-US" dirty="0" smtClean="0"/>
+          </a:p>
+          <a:p>
+            <a:endParaRPr lang="en-US" dirty="0"/>
+          </a:p>
+          <a:p>
+            <a:endParaRPr lang="en-US" dirty="0" smtClean="0"/>
+          </a:p>
+          <a:p>
+            <a:endParaRPr lang="en-US" dirty="0"/>
+          </a:p>
+          <a:p>
+            <a:endParaRPr lang="en-US" dirty="0" smtClean="0"/>
+          </a:p>
+          <a:p>
+            <a:endParaRPr lang="en-US" dirty="0" smtClean="0"/>
+          </a:p>
+          <a:p>
+            <a:r>
+              <a:rPr lang="en-US" dirty="0"/>
               <a:t>	</a:t>
             </a:r>
-            <a:r>
-              <a:rPr lang="en-US" dirty="0" err="1" smtClean="0"/>
-              <a:t>cd</a:t>
-            </a:r>
-            <a:r>
-              <a:rPr lang="en-US" dirty="0" smtClean="0"/>
-              <a:t> /</a:t>
-            </a:r>
-            <a:r>
-              <a:rPr lang="en-US" i="1" dirty="0" smtClean="0"/>
-              <a:t>					change to top level "root" directory	</a:t>
-            </a:r>
-          </a:p>
-          <a:p>
-            <a:r>
-              <a:rPr lang="en-US" i="1" dirty="0" smtClean="0"/>
-              <a:t>	</a:t>
-            </a:r>
-            <a:r>
-              <a:rPr lang="en-US" dirty="0" err="1" smtClean="0"/>
-              <a:t>cd</a:t>
-            </a:r>
-            <a:r>
-              <a:rPr lang="en-US" dirty="0" smtClean="0"/>
-              <a:t> /Users/angus/Music	</a:t>
-            </a:r>
-            <a:r>
-              <a:rPr lang="en-US" i="1" dirty="0" smtClean="0"/>
-              <a:t>change to a directory by providing the absolute path</a:t>
-            </a:r>
-          </a:p>
-          <a:p>
-            <a:r>
-              <a:rPr lang="en-US" i="1" dirty="0" smtClean="0"/>
-              <a:t>	</a:t>
-            </a:r>
-            <a:r>
-              <a:rPr lang="en-US" dirty="0" err="1" smtClean="0"/>
-              <a:t>cd</a:t>
-            </a:r>
-            <a:r>
-              <a:rPr lang="en-US" dirty="0" smtClean="0"/>
-              <a:t> </a:t>
-            </a:r>
-            <a:r>
-              <a:rPr lang="en-US" dirty="0" err="1" smtClean="0"/>
-              <a:t>src</a:t>
-            </a:r>
-            <a:r>
-              <a:rPr lang="en-US" dirty="0" smtClean="0"/>
-              <a:t>					</a:t>
-            </a:r>
-            <a:r>
-              <a:rPr lang="en-US" i="1" dirty="0" smtClean="0"/>
-              <a:t>move into a child folder by providing a relative path</a:t>
-            </a:r>
-            <a:endParaRPr lang="en-US" i="1" dirty="0" smtClean="0"/>
-          </a:p>
-          <a:p>
-            <a:r>
-              <a:rPr lang="en-US" dirty="0" smtClean="0"/>
-              <a:t>	</a:t>
-            </a:r>
-          </a:p>
-          <a:p>
-            <a:r>
-              <a:rPr lang="en-US" b="1" dirty="0" err="1" smtClean="0"/>
-              <a:t>pwd</a:t>
-            </a:r>
-            <a:r>
-              <a:rPr lang="en-US" b="1" dirty="0" smtClean="0"/>
-              <a:t> = print working directory</a:t>
-            </a:r>
-          </a:p>
-          <a:p>
-            <a:r>
-              <a:rPr lang="en-US" i="1" dirty="0" smtClean="0"/>
-              <a:t> 	</a:t>
-            </a:r>
-            <a:r>
-              <a:rPr lang="en-US" dirty="0" err="1" smtClean="0"/>
-              <a:t>cd</a:t>
-            </a:r>
-            <a:r>
-              <a:rPr lang="en-US" dirty="0" smtClean="0"/>
-              <a:t> ~					</a:t>
-            </a:r>
-            <a:r>
-              <a:rPr lang="en-US" i="1" dirty="0" smtClean="0"/>
-              <a:t>change to home directory</a:t>
-            </a:r>
-            <a:endParaRPr lang="en-US" dirty="0" smtClean="0"/>
-          </a:p>
-          <a:p>
-            <a:r>
-              <a:rPr lang="en-US" i="1" dirty="0" smtClean="0"/>
-              <a:t>	</a:t>
-            </a:r>
-            <a:r>
-              <a:rPr lang="en-US" dirty="0" err="1" smtClean="0"/>
-              <a:t>pwd</a:t>
-            </a:r>
-            <a:r>
-              <a:rPr lang="en-US" dirty="0" smtClean="0"/>
-              <a:t>					</a:t>
-            </a:r>
-            <a:r>
-              <a:rPr lang="en-US" i="1" dirty="0" smtClean="0"/>
-              <a:t>prints out "/Users/angus"</a:t>
-            </a:r>
-          </a:p>
-          <a:p>
-            <a:endParaRPr lang="en-US" dirty="0" smtClean="0"/>
-          </a:p>
-          <a:p>
-            <a:r>
-              <a:rPr lang="en-US" b="1" dirty="0" err="1" smtClean="0"/>
-              <a:t>ls</a:t>
-            </a:r>
-            <a:r>
-              <a:rPr lang="en-US" b="1" dirty="0" smtClean="0"/>
-              <a:t> = list files and directories in current directory</a:t>
-            </a:r>
-          </a:p>
-          <a:p>
-            <a:endParaRPr lang="en-US" dirty="0" smtClean="0"/>
-          </a:p>
-          <a:p>
-            <a:r>
-              <a:rPr lang="en-US" b="1" dirty="0" smtClean="0"/>
-              <a:t>cat = print out file</a:t>
-            </a:r>
-          </a:p>
-          <a:p>
-            <a:r>
-              <a:rPr lang="en-US" dirty="0" smtClean="0"/>
-              <a:t>	cat </a:t>
-            </a:r>
-            <a:r>
-              <a:rPr lang="en-US" dirty="0" err="1" smtClean="0"/>
-              <a:t>myText.txt</a:t>
-            </a:r>
-            <a:r>
-              <a:rPr lang="en-US" dirty="0" smtClean="0"/>
-              <a:t>			</a:t>
-            </a:r>
-            <a:r>
-              <a:rPr lang="en-US" i="1" dirty="0" smtClean="0"/>
-              <a:t>prints out contents of "</a:t>
-            </a:r>
-            <a:r>
-              <a:rPr lang="en-US" i="1" dirty="0" err="1" smtClean="0"/>
-              <a:t>myText.txt</a:t>
-            </a:r>
-            <a:r>
-              <a:rPr lang="en-US" i="1" dirty="0" smtClean="0"/>
-              <a:t>"</a:t>
-            </a:r>
-            <a:r>
-              <a:rPr lang="en-US" dirty="0" smtClean="0"/>
-              <a:t> </a:t>
-            </a:r>
-          </a:p>
-          <a:p>
-            <a:endParaRPr lang="en-US" dirty="0" smtClean="0"/>
-          </a:p>
-          <a:p>
-            <a:endParaRPr lang="en-US" dirty="0" smtClean="0"/>
-          </a:p>
-          <a:p>
-            <a:r>
-              <a:rPr lang="en-US" i="1" dirty="0" smtClean="0"/>
-              <a:t> </a:t>
-            </a:r>
-            <a:endParaRPr lang="en-US" i="1" dirty="0"/>
           </a:p>
         </p:txBody>
       </p:sp>
@@ -4501,7 +6262,7 @@
           <a:p>
             <a:r>
               <a:rPr lang="en-US" dirty="0" smtClean="0"/>
-              <a:t>Common Unix / Terminal commands</a:t>
+              <a:t>Today's Agenda</a:t>
             </a:r>
             <a:endParaRPr lang="en-US" dirty="0"/>
           </a:p>
@@ -4522,409 +6283,110 @@
           <a:bodyPr/>
           <a:lstStyle/>
           <a:p>
-            <a:r>
-              <a:rPr lang="en-US" b="1" dirty="0" smtClean="0"/>
-              <a:t>cp = copy file</a:t>
-            </a:r>
-          </a:p>
-          <a:p>
-            <a:r>
-              <a:rPr lang="en-US" dirty="0" smtClean="0"/>
-              <a:t>	cp </a:t>
-            </a:r>
-            <a:r>
-              <a:rPr lang="en-US" dirty="0" err="1" smtClean="0"/>
-              <a:t>fileA</a:t>
+            <a:endParaRPr lang="en-US" dirty="0" smtClean="0"/>
+          </a:p>
+          <a:p>
+            <a:r>
+              <a:rPr lang="en-US" dirty="0" smtClean="0"/>
+              <a:t>&gt; To provide an overview of the course</a:t>
+            </a:r>
+          </a:p>
+          <a:p>
+            <a:endParaRPr lang="en-US" dirty="0" smtClean="0"/>
+          </a:p>
+          <a:p>
+            <a:r>
+              <a:rPr lang="en-US" dirty="0" smtClean="0"/>
+              <a:t>&gt; To sign up for the class forum</a:t>
+            </a:r>
+          </a:p>
+          <a:p>
+            <a:endParaRPr lang="en-US" dirty="0" smtClean="0"/>
+          </a:p>
+          <a:p>
+            <a:r>
+              <a:rPr lang="en-US" dirty="0" smtClean="0"/>
+              <a:t>&gt; To install Processing, play with some sample code, and explore the Processing web site</a:t>
+            </a:r>
+          </a:p>
+          <a:p>
+            <a:endParaRPr lang="en-US" dirty="0" smtClean="0"/>
+          </a:p>
+          <a:p>
+            <a:r>
+              <a:rPr lang="en-US" dirty="0" smtClean="0"/>
+              <a:t>&gt; To become familiar with the Unix </a:t>
+            </a:r>
+            <a:r>
+              <a:rPr lang="en-US" dirty="0" err="1" smtClean="0"/>
+              <a:t>filesystem</a:t>
             </a:r>
             <a:r>
               <a:rPr lang="en-US" dirty="0" smtClean="0"/>
               <a:t> </a:t>
             </a:r>
             <a:r>
-              <a:rPr lang="en-US" dirty="0" err="1" smtClean="0"/>
-              <a:t>fileB</a:t>
-            </a:r>
-            <a:r>
-              <a:rPr lang="en-US" dirty="0" smtClean="0"/>
-              <a:t> 		</a:t>
-            </a:r>
-            <a:r>
-              <a:rPr lang="en-US" i="1" dirty="0" smtClean="0"/>
-              <a:t>copies the contents of "</a:t>
-            </a:r>
-            <a:r>
-              <a:rPr lang="en-US" i="1" dirty="0" err="1" smtClean="0"/>
-              <a:t>fileA</a:t>
-            </a:r>
-            <a:r>
-              <a:rPr lang="en-US" i="1" dirty="0" smtClean="0"/>
-              <a:t>" into a new file named "</a:t>
-            </a:r>
-            <a:r>
-              <a:rPr lang="en-US" i="1" dirty="0" err="1" smtClean="0"/>
-              <a:t>fileB</a:t>
-            </a:r>
-            <a:r>
-              <a:rPr lang="en-US" i="1" dirty="0" smtClean="0"/>
-              <a:t>"</a:t>
-            </a:r>
-          </a:p>
-          <a:p>
-            <a:r>
-              <a:rPr lang="en-US" dirty="0" smtClean="0"/>
-              <a:t>	cp </a:t>
-            </a:r>
-            <a:r>
-              <a:rPr lang="en-US" dirty="0" err="1" smtClean="0"/>
-              <a:t>src</a:t>
-            </a:r>
-            <a:r>
-              <a:rPr lang="en-US" dirty="0" smtClean="0"/>
-              <a:t>/* ../</a:t>
-            </a:r>
-            <a:r>
-              <a:rPr lang="en-US" dirty="0" err="1" smtClean="0"/>
-              <a:t>dest</a:t>
-            </a:r>
-            <a:r>
-              <a:rPr lang="en-US" dirty="0" smtClean="0"/>
-              <a:t>/		copies all files in "</a:t>
-            </a:r>
-            <a:r>
-              <a:rPr lang="en-US" dirty="0" err="1" smtClean="0"/>
-              <a:t>src</a:t>
-            </a:r>
-            <a:r>
-              <a:rPr lang="en-US" dirty="0" smtClean="0"/>
-              <a:t>" into "</a:t>
-            </a:r>
-            <a:r>
-              <a:rPr lang="en-US" dirty="0" err="1" smtClean="0"/>
-              <a:t>dest</a:t>
-            </a:r>
-            <a:r>
-              <a:rPr lang="en-US" dirty="0" smtClean="0"/>
-              <a:t>" inside the parent directory</a:t>
-            </a:r>
-          </a:p>
-          <a:p>
-            <a:r>
-              <a:rPr lang="en-US" dirty="0" smtClean="0"/>
-              <a:t>	cp –</a:t>
-            </a:r>
-            <a:r>
-              <a:rPr lang="en-US" dirty="0" err="1" smtClean="0"/>
-              <a:t>r</a:t>
-            </a:r>
-            <a:r>
-              <a:rPr lang="en-US" dirty="0" smtClean="0"/>
-              <a:t> </a:t>
-            </a:r>
-            <a:r>
-              <a:rPr lang="en-US" dirty="0" err="1" smtClean="0"/>
-              <a:t>src</a:t>
-            </a:r>
-            <a:r>
-              <a:rPr lang="en-US" dirty="0" smtClean="0"/>
-              <a:t>/ </a:t>
-            </a:r>
-            <a:r>
-              <a:rPr lang="en-US" dirty="0" err="1" smtClean="0"/>
-              <a:t>dest</a:t>
-            </a:r>
-            <a:r>
-              <a:rPr lang="en-US" dirty="0" smtClean="0"/>
-              <a:t>/		</a:t>
-            </a:r>
-            <a:r>
-              <a:rPr lang="en-US" i="1" dirty="0" smtClean="0"/>
-              <a:t>copies all files and directories in "</a:t>
-            </a:r>
-            <a:r>
-              <a:rPr lang="en-US" i="1" dirty="0" err="1" smtClean="0"/>
-              <a:t>src</a:t>
-            </a:r>
-            <a:r>
-              <a:rPr lang="en-US" i="1" dirty="0" smtClean="0"/>
-              <a:t>" recursively into "</a:t>
-            </a:r>
-            <a:r>
-              <a:rPr lang="en-US" i="1" dirty="0" err="1" smtClean="0"/>
-              <a:t>dest</a:t>
-            </a:r>
-            <a:r>
-              <a:rPr lang="en-US" i="1" dirty="0" smtClean="0"/>
-              <a:t>"</a:t>
-            </a:r>
-          </a:p>
-          <a:p>
-            <a:r>
-              <a:rPr lang="en-US" dirty="0" smtClean="0"/>
-              <a:t> </a:t>
-            </a:r>
-          </a:p>
-          <a:p>
-            <a:r>
-              <a:rPr lang="en-US" b="1" dirty="0" err="1" smtClean="0"/>
-              <a:t>mv</a:t>
-            </a:r>
-            <a:r>
-              <a:rPr lang="en-US" b="1" dirty="0" smtClean="0"/>
-              <a:t> = move file</a:t>
-            </a:r>
-          </a:p>
-          <a:p>
-            <a:r>
-              <a:rPr lang="en-US" i="1" dirty="0" smtClean="0"/>
-              <a:t> 	</a:t>
-            </a:r>
-            <a:r>
-              <a:rPr lang="en-US" dirty="0" err="1" smtClean="0"/>
-              <a:t>mv</a:t>
-            </a:r>
-            <a:r>
-              <a:rPr lang="en-US" dirty="0" smtClean="0"/>
-              <a:t> </a:t>
-            </a:r>
-            <a:r>
-              <a:rPr lang="en-US" dirty="0" err="1" smtClean="0"/>
-              <a:t>fileA</a:t>
-            </a:r>
-            <a:r>
-              <a:rPr lang="en-US" dirty="0" smtClean="0"/>
-              <a:t> </a:t>
-            </a:r>
-            <a:r>
-              <a:rPr lang="en-US" dirty="0" err="1" smtClean="0"/>
-              <a:t>fileB</a:t>
-            </a:r>
-            <a:r>
-              <a:rPr lang="en-US" dirty="0" smtClean="0"/>
-              <a:t>		</a:t>
-            </a:r>
-            <a:r>
-              <a:rPr lang="en-US" i="1" dirty="0" smtClean="0"/>
-              <a:t>renames "</a:t>
-            </a:r>
-            <a:r>
-              <a:rPr lang="en-US" i="1" dirty="0" err="1" smtClean="0"/>
-              <a:t>fileA</a:t>
-            </a:r>
-            <a:r>
-              <a:rPr lang="en-US" i="1" dirty="0" smtClean="0"/>
-              <a:t>" to "</a:t>
-            </a:r>
-            <a:r>
-              <a:rPr lang="en-US" i="1" dirty="0" err="1" smtClean="0"/>
-              <a:t>fileB</a:t>
-            </a:r>
-            <a:r>
-              <a:rPr lang="en-US" i="1" dirty="0" smtClean="0"/>
-              <a:t>"</a:t>
-            </a:r>
-            <a:endParaRPr lang="en-US" dirty="0" smtClean="0"/>
-          </a:p>
-          <a:p>
-            <a:r>
-              <a:rPr lang="en-US" i="1" dirty="0" smtClean="0"/>
-              <a:t>	</a:t>
-            </a:r>
-            <a:r>
-              <a:rPr lang="en-US" dirty="0" err="1" smtClean="0"/>
-              <a:t>mv</a:t>
-            </a:r>
-            <a:r>
-              <a:rPr lang="en-US" dirty="0" smtClean="0"/>
-              <a:t> </a:t>
-            </a:r>
-            <a:r>
-              <a:rPr lang="en-US" dirty="0" err="1" smtClean="0"/>
-              <a:t>dirA</a:t>
-            </a:r>
-            <a:r>
-              <a:rPr lang="en-US" dirty="0" smtClean="0"/>
-              <a:t> ~/</a:t>
-            </a:r>
-            <a:r>
-              <a:rPr lang="en-US" dirty="0" err="1" smtClean="0"/>
-              <a:t>dirZ</a:t>
-            </a:r>
-            <a:r>
-              <a:rPr lang="en-US" dirty="0" smtClean="0"/>
-              <a:t> 		</a:t>
-            </a:r>
-            <a:r>
-              <a:rPr lang="en-US" i="1" dirty="0" smtClean="0"/>
-              <a:t>moves "</a:t>
-            </a:r>
-            <a:r>
-              <a:rPr lang="en-US" i="1" dirty="0" err="1" smtClean="0"/>
-              <a:t>dirA</a:t>
-            </a:r>
-            <a:r>
-              <a:rPr lang="en-US" i="1" dirty="0" smtClean="0"/>
-              <a:t>" into the home directory, renaming it "</a:t>
-            </a:r>
-            <a:r>
-              <a:rPr lang="en-US" i="1" dirty="0" err="1" smtClean="0"/>
-              <a:t>dirZ</a:t>
-            </a:r>
-            <a:r>
-              <a:rPr lang="en-US" i="1" dirty="0" smtClean="0"/>
-              <a:t>"</a:t>
-            </a:r>
-          </a:p>
-          <a:p>
-            <a:endParaRPr lang="en-US" dirty="0" smtClean="0"/>
-          </a:p>
-          <a:p>
-            <a:r>
-              <a:rPr lang="en-US" b="1" dirty="0" err="1" smtClean="0"/>
-              <a:t>mkdir</a:t>
-            </a:r>
-            <a:r>
-              <a:rPr lang="en-US" b="1" dirty="0" smtClean="0"/>
-              <a:t> = make a new directory</a:t>
-            </a:r>
-          </a:p>
-          <a:p>
-            <a:r>
-              <a:rPr lang="en-US" b="1" dirty="0" smtClean="0"/>
-              <a:t>	</a:t>
-            </a:r>
-            <a:r>
-              <a:rPr lang="en-US" dirty="0" err="1" smtClean="0"/>
-              <a:t>mkdir</a:t>
-            </a:r>
-            <a:r>
-              <a:rPr lang="en-US" dirty="0" smtClean="0"/>
-              <a:t> </a:t>
-            </a:r>
-            <a:r>
-              <a:rPr lang="en-US" dirty="0" err="1" smtClean="0"/>
-              <a:t>newdir</a:t>
-            </a:r>
-            <a:r>
-              <a:rPr lang="en-US" b="1" dirty="0" smtClean="0"/>
-              <a:t>		</a:t>
-            </a:r>
-            <a:r>
-              <a:rPr lang="en-US" i="1" dirty="0" smtClean="0"/>
-              <a:t>makes a new directory "</a:t>
-            </a:r>
-            <a:r>
-              <a:rPr lang="en-US" i="1" dirty="0" err="1" smtClean="0"/>
-              <a:t>newdir</a:t>
-            </a:r>
-            <a:r>
-              <a:rPr lang="en-US" i="1" dirty="0" smtClean="0"/>
-              <a:t>" under the current directory</a:t>
-            </a:r>
-          </a:p>
-          <a:p>
-            <a:endParaRPr lang="en-US" dirty="0" smtClean="0"/>
-          </a:p>
-          <a:p>
-            <a:r>
-              <a:rPr lang="en-US" b="1" dirty="0" err="1" smtClean="0"/>
-              <a:t>rm</a:t>
-            </a:r>
-            <a:r>
-              <a:rPr lang="en-US" b="1" dirty="0" smtClean="0"/>
-              <a:t> = permanently removes a file or directory</a:t>
-            </a:r>
-          </a:p>
-          <a:p>
-            <a:r>
-              <a:rPr lang="en-US" dirty="0" smtClean="0"/>
-              <a:t>	</a:t>
-            </a:r>
-            <a:r>
-              <a:rPr lang="en-US" dirty="0" err="1" smtClean="0"/>
-              <a:t>rm</a:t>
-            </a:r>
-            <a:r>
-              <a:rPr lang="en-US" dirty="0" smtClean="0"/>
-              <a:t> </a:t>
-            </a:r>
-            <a:r>
-              <a:rPr lang="en-US" dirty="0" err="1" smtClean="0"/>
-              <a:t>fileA</a:t>
-            </a:r>
-            <a:r>
-              <a:rPr lang="en-US" dirty="0" smtClean="0"/>
-              <a:t>			</a:t>
-            </a:r>
-            <a:r>
-              <a:rPr lang="en-US" i="1" dirty="0" smtClean="0"/>
-              <a:t>deletes "</a:t>
-            </a:r>
-            <a:r>
-              <a:rPr lang="en-US" i="1" dirty="0" err="1" smtClean="0"/>
-              <a:t>fileA</a:t>
-            </a:r>
-            <a:r>
-              <a:rPr lang="en-US" i="1" dirty="0" smtClean="0"/>
-              <a:t>"</a:t>
-            </a:r>
-          </a:p>
-          <a:p>
-            <a:r>
-              <a:rPr lang="en-US" i="1" dirty="0" smtClean="0"/>
-              <a:t>	</a:t>
-            </a:r>
-            <a:r>
-              <a:rPr lang="en-US" dirty="0" err="1" smtClean="0"/>
-              <a:t>rm</a:t>
-            </a:r>
-            <a:r>
-              <a:rPr lang="en-US" dirty="0" smtClean="0"/>
-              <a:t> –</a:t>
-            </a:r>
-            <a:r>
-              <a:rPr lang="en-US" dirty="0" err="1" smtClean="0"/>
-              <a:t>rf</a:t>
-            </a:r>
-            <a:r>
-              <a:rPr lang="en-US" dirty="0" smtClean="0"/>
-              <a:t> </a:t>
-            </a:r>
-            <a:r>
-              <a:rPr lang="en-US" dirty="0" err="1" smtClean="0"/>
-              <a:t>dirA</a:t>
-            </a:r>
-            <a:r>
-              <a:rPr lang="en-US" i="1" dirty="0" smtClean="0"/>
-              <a:t>			VERY DANGEROUS! recursively deletes everything in </a:t>
-            </a:r>
-            <a:r>
-              <a:rPr lang="en-US" i="1" dirty="0" err="1" smtClean="0"/>
-              <a:t>dirA</a:t>
-            </a:r>
-            <a:endParaRPr lang="en-US" i="1" dirty="0" smtClean="0"/>
-          </a:p>
-          <a:p>
-            <a:r>
-              <a:rPr lang="en-US" i="1" dirty="0" smtClean="0"/>
-              <a:t> </a:t>
-            </a:r>
-            <a:r>
-              <a:rPr lang="en-US" dirty="0" smtClean="0"/>
-              <a:t> </a:t>
-            </a:r>
-          </a:p>
-          <a:p>
-            <a:endParaRPr lang="en-US" dirty="0" smtClean="0"/>
-          </a:p>
-          <a:p>
-            <a:endParaRPr lang="en-US" dirty="0" smtClean="0"/>
-          </a:p>
-          <a:p>
-            <a:r>
-              <a:rPr lang="en-US" i="1" dirty="0" smtClean="0"/>
-              <a:t> </a:t>
-            </a:r>
-            <a:endParaRPr lang="en-US" i="1" dirty="0"/>
+              <a:rPr lang="en-US" dirty="0" smtClean="0"/>
+              <a:t>and </a:t>
+            </a:r>
+            <a:r>
+              <a:rPr lang="en-US" dirty="0" smtClean="0"/>
+              <a:t>environment</a:t>
+            </a:r>
+          </a:p>
+          <a:p>
+            <a:endParaRPr lang="en-US" dirty="0" smtClean="0"/>
+          </a:p>
+          <a:p>
+            <a:r>
+              <a:rPr lang="en-US" dirty="0" smtClean="0"/>
+              <a:t>&gt; To install </a:t>
+            </a:r>
+            <a:r>
+              <a:rPr lang="en-US" dirty="0" err="1" smtClean="0"/>
+              <a:t>git</a:t>
+            </a:r>
+            <a:r>
+              <a:rPr lang="en-US" dirty="0" smtClean="0"/>
+              <a:t> and to set up an account on </a:t>
+            </a:r>
+            <a:r>
+              <a:rPr lang="en-US" dirty="0" err="1" smtClean="0"/>
+              <a:t>github.com</a:t>
+            </a:r>
+            <a:endParaRPr lang="en-US" dirty="0" smtClean="0"/>
+          </a:p>
+          <a:p>
+            <a:endParaRPr lang="en-US" dirty="0" smtClean="0"/>
+          </a:p>
+          <a:p>
+            <a:r>
+              <a:rPr lang="en-US" dirty="0" smtClean="0"/>
+              <a:t>&gt; To create a new </a:t>
+            </a:r>
+            <a:r>
+              <a:rPr lang="en-US" dirty="0" err="1" smtClean="0"/>
+              <a:t>git</a:t>
+            </a:r>
+            <a:r>
+              <a:rPr lang="en-US" dirty="0" smtClean="0"/>
+              <a:t> repository for a Processing sketch</a:t>
+            </a:r>
+          </a:p>
+          <a:p>
+            <a:endParaRPr lang="en-US" dirty="0" smtClean="0"/>
+          </a:p>
+          <a:p>
+            <a:r>
+              <a:rPr lang="en-US" dirty="0" smtClean="0"/>
+              <a:t>&gt; To show you your first assignment</a:t>
+            </a:r>
+          </a:p>
+          <a:p>
+            <a:endParaRPr lang="en-US" dirty="0" smtClean="0"/>
+          </a:p>
+          <a:p>
+            <a:endParaRPr lang="en-US" dirty="0" smtClean="0"/>
           </a:p>
         </p:txBody>
       </p:sp>
@@ -4998,102 +6460,13 @@
           <a:bodyPr/>
           <a:lstStyle/>
           <a:p>
-            <a:endParaRPr lang="en-US" dirty="0" smtClean="0"/>
-          </a:p>
-          <a:p>
-            <a:endParaRPr lang="en-US" dirty="0" smtClean="0"/>
-          </a:p>
-          <a:p>
-            <a:r>
-              <a:rPr lang="en-US" dirty="0" smtClean="0"/>
-              <a:t>pipes</a:t>
-            </a:r>
-          </a:p>
-          <a:p>
-            <a:endParaRPr lang="en-US" dirty="0" smtClean="0"/>
-          </a:p>
-          <a:p>
-            <a:r>
-              <a:rPr lang="en-US" dirty="0" smtClean="0"/>
-              <a:t>echo</a:t>
-            </a:r>
-          </a:p>
-          <a:p>
-            <a:endParaRPr lang="en-US" dirty="0" smtClean="0"/>
-          </a:p>
-          <a:p>
-            <a:r>
-              <a:rPr lang="en-US" dirty="0" err="1" smtClean="0"/>
-              <a:t>grep</a:t>
-            </a:r>
-            <a:endParaRPr lang="en-US" dirty="0" smtClean="0"/>
-          </a:p>
-          <a:p>
-            <a:endParaRPr lang="en-US" dirty="0" smtClean="0"/>
-          </a:p>
-          <a:p>
-            <a:r>
-              <a:rPr lang="en-US" dirty="0" err="1" smtClean="0"/>
-              <a:t>ssh</a:t>
-            </a:r>
-            <a:endParaRPr lang="en-US" dirty="0" smtClean="0"/>
-          </a:p>
-          <a:p>
-            <a:r>
-              <a:rPr lang="en-US" dirty="0" smtClean="0"/>
-              <a:t>ftp</a:t>
-            </a:r>
-          </a:p>
-          <a:p>
-            <a:endParaRPr lang="en-US" dirty="0" smtClean="0"/>
-          </a:p>
-          <a:p>
-            <a:r>
-              <a:rPr lang="en-US" dirty="0" smtClean="0"/>
-              <a:t>many </a:t>
-            </a:r>
-            <a:r>
-              <a:rPr lang="en-US" dirty="0" err="1" smtClean="0"/>
-              <a:t>guis</a:t>
-            </a:r>
-            <a:r>
-              <a:rPr lang="en-US" dirty="0" smtClean="0"/>
-              <a:t> are simply interfaces to sets of </a:t>
-            </a:r>
-            <a:r>
-              <a:rPr lang="en-US" dirty="0" err="1" smtClean="0"/>
-              <a:t>unix</a:t>
-            </a:r>
-            <a:r>
-              <a:rPr lang="en-US" dirty="0" smtClean="0"/>
-              <a:t> commands</a:t>
-            </a:r>
-          </a:p>
-          <a:p>
-            <a:r>
-              <a:rPr lang="en-US" dirty="0" smtClean="0"/>
-              <a:t>most </a:t>
-            </a:r>
-            <a:r>
-              <a:rPr lang="en-US" dirty="0" err="1" smtClean="0"/>
-              <a:t>unix</a:t>
-            </a:r>
-            <a:r>
-              <a:rPr lang="en-US" dirty="0" smtClean="0"/>
-              <a:t> commands are small programs (usually written in C)</a:t>
-            </a:r>
-          </a:p>
-          <a:p>
-            <a:endParaRPr lang="en-US" dirty="0" smtClean="0"/>
-          </a:p>
-          <a:p>
             <a:r>
               <a:rPr lang="en-US" b="1" dirty="0" err="1" smtClean="0"/>
-              <a:t>rm</a:t>
+              <a:t>cd</a:t>
             </a:r>
             <a:r>
               <a:rPr lang="en-US" b="1" dirty="0" smtClean="0"/>
-              <a:t> = permanently removes a file or directory</a:t>
+              <a:t> = change directory</a:t>
             </a:r>
           </a:p>
           <a:p>
@@ -5103,7 +6476,79 @@
             </a:r>
             <a:r>
               <a:rPr lang="en-US" dirty="0" err="1" smtClean="0"/>
-              <a:t>rm</a:t>
+              <a:t>cd</a:t>
+            </a:r>
+            <a:r>
+              <a:rPr lang="en-US" dirty="0" smtClean="0"/>
+              <a:t> .. 				</a:t>
+            </a:r>
+            <a:r>
+              <a:rPr lang="en-US" i="1" dirty="0" smtClean="0"/>
+              <a:t>move up to parent directory</a:t>
+            </a:r>
+          </a:p>
+          <a:p>
+            <a:r>
+              <a:rPr lang="en-US" dirty="0" smtClean="0"/>
+              <a:t>	</a:t>
+            </a:r>
+            <a:r>
+              <a:rPr lang="en-US" dirty="0" err="1" smtClean="0"/>
+              <a:t>cd</a:t>
+            </a:r>
+            <a:r>
+              <a:rPr lang="en-US" dirty="0" smtClean="0"/>
+              <a:t> ~ 					</a:t>
+            </a:r>
+            <a:r>
+              <a:rPr lang="en-US" i="1" dirty="0" smtClean="0"/>
+              <a:t>change to home directory</a:t>
+            </a:r>
+          </a:p>
+          <a:p>
+            <a:r>
+              <a:rPr lang="en-US" i="1" dirty="0" smtClean="0"/>
+              <a:t>	</a:t>
+            </a:r>
+            <a:r>
+              <a:rPr lang="en-US" dirty="0" err="1" smtClean="0"/>
+              <a:t>cd</a:t>
+            </a:r>
+            <a:r>
+              <a:rPr lang="en-US" dirty="0" smtClean="0"/>
+              <a:t> /</a:t>
+            </a:r>
+            <a:r>
+              <a:rPr lang="en-US" i="1" dirty="0" smtClean="0"/>
+              <a:t>					change to top level "root" directory	</a:t>
+            </a:r>
+          </a:p>
+          <a:p>
+            <a:r>
+              <a:rPr lang="en-US" i="1" dirty="0" smtClean="0"/>
+              <a:t>	</a:t>
+            </a:r>
+            <a:r>
+              <a:rPr lang="en-US" dirty="0" err="1" smtClean="0"/>
+              <a:t>cd</a:t>
+            </a:r>
+            <a:r>
+              <a:rPr lang="en-US" dirty="0" smtClean="0"/>
+              <a:t> /Users/angus/Music	</a:t>
+            </a:r>
+            <a:r>
+              <a:rPr lang="en-US" i="1" dirty="0" smtClean="0"/>
+              <a:t>change to a directory by providing the absolute path</a:t>
+            </a:r>
+          </a:p>
+          <a:p>
+            <a:r>
+              <a:rPr lang="en-US" i="1" dirty="0" smtClean="0"/>
+              <a:t>	</a:t>
+            </a:r>
+            <a:r>
+              <a:rPr lang="en-US" dirty="0" err="1" smtClean="0"/>
+              <a:t>cd</a:t>
             </a:r>
             <a:r>
               <a:rPr lang="en-US" dirty="0" smtClean="0"/>
@@ -5111,7 +6556,164 @@
             </a:r>
             <a:r>
               <a:rPr lang="en-US" dirty="0" err="1" smtClean="0"/>
-              <a:t>fileA</a:t>
+              <a:t>src</a:t>
+            </a:r>
+            <a:r>
+              <a:rPr lang="en-US" dirty="0" smtClean="0"/>
+              <a:t>				</a:t>
+            </a:r>
+            <a:r>
+              <a:rPr lang="en-US" i="1" dirty="0" smtClean="0"/>
+              <a:t>move into a child folder by providing a relative path</a:t>
+            </a:r>
+            <a:endParaRPr lang="en-US" i="1" dirty="0" smtClean="0"/>
+          </a:p>
+          <a:p>
+            <a:r>
+              <a:rPr lang="en-US" dirty="0" smtClean="0"/>
+              <a:t>	</a:t>
+            </a:r>
+          </a:p>
+          <a:p>
+            <a:r>
+              <a:rPr lang="en-US" b="1" dirty="0" err="1" smtClean="0"/>
+              <a:t>pwd</a:t>
+            </a:r>
+            <a:r>
+              <a:rPr lang="en-US" b="1" dirty="0" smtClean="0"/>
+              <a:t> = print working directory</a:t>
+            </a:r>
+          </a:p>
+          <a:p>
+            <a:r>
+              <a:rPr lang="en-US" i="1" dirty="0" smtClean="0"/>
+              <a:t> 	</a:t>
+            </a:r>
+            <a:r>
+              <a:rPr lang="en-US" dirty="0" err="1" smtClean="0"/>
+              <a:t>cd</a:t>
+            </a:r>
+            <a:r>
+              <a:rPr lang="en-US" dirty="0" smtClean="0"/>
+              <a:t> ~					</a:t>
+            </a:r>
+            <a:r>
+              <a:rPr lang="en-US" i="1" dirty="0" smtClean="0"/>
+              <a:t>change to home directory</a:t>
+            </a:r>
+            <a:endParaRPr lang="en-US" dirty="0" smtClean="0"/>
+          </a:p>
+          <a:p>
+            <a:r>
+              <a:rPr lang="en-US" i="1" dirty="0" smtClean="0"/>
+              <a:t>	</a:t>
+            </a:r>
+            <a:r>
+              <a:rPr lang="en-US" dirty="0" err="1" smtClean="0"/>
+              <a:t>pwd</a:t>
+            </a:r>
+            <a:r>
+              <a:rPr lang="en-US" dirty="0" smtClean="0"/>
+              <a:t>					</a:t>
+            </a:r>
+            <a:r>
+              <a:rPr lang="en-US" i="1" dirty="0" smtClean="0"/>
+              <a:t>prints out "/Users/angus"</a:t>
+            </a:r>
+          </a:p>
+          <a:p>
+            <a:endParaRPr lang="en-US" dirty="0" smtClean="0"/>
+          </a:p>
+          <a:p>
+            <a:r>
+              <a:rPr lang="en-US" b="1" dirty="0" err="1" smtClean="0"/>
+              <a:t>ls</a:t>
+            </a:r>
+            <a:r>
+              <a:rPr lang="en-US" b="1" dirty="0" smtClean="0"/>
+              <a:t> = list files and directories</a:t>
+            </a:r>
+          </a:p>
+          <a:p>
+            <a:r>
+              <a:rPr lang="en-US" dirty="0" smtClean="0"/>
+              <a:t>	</a:t>
+            </a:r>
+            <a:r>
+              <a:rPr lang="en-US" dirty="0" err="1" smtClean="0"/>
+              <a:t>ls</a:t>
+            </a:r>
+            <a:r>
+              <a:rPr lang="en-US" dirty="0" smtClean="0"/>
+              <a:t>					print out all files in current directory</a:t>
+            </a:r>
+          </a:p>
+          <a:p>
+            <a:r>
+              <a:rPr lang="en-US" dirty="0" smtClean="0"/>
+              <a:t>	</a:t>
+            </a:r>
+            <a:r>
+              <a:rPr lang="en-US" dirty="0" err="1" smtClean="0"/>
+              <a:t>ls</a:t>
+            </a:r>
+            <a:r>
+              <a:rPr lang="en-US" dirty="0" smtClean="0"/>
+              <a:t> -</a:t>
+            </a:r>
+            <a:r>
+              <a:rPr lang="en-US" dirty="0" err="1" smtClean="0"/>
+              <a:t>alh</a:t>
+            </a:r>
+            <a:r>
+              <a:rPr lang="en-US" dirty="0" smtClean="0"/>
+              <a:t>				print out all files include hidden files in a long format</a:t>
+            </a:r>
+          </a:p>
+          <a:p>
+            <a:r>
+              <a:rPr lang="en-US" dirty="0" smtClean="0"/>
+              <a:t>	</a:t>
+            </a:r>
+            <a:r>
+              <a:rPr lang="en-US" dirty="0" err="1" smtClean="0"/>
+              <a:t>ls</a:t>
+            </a:r>
+            <a:r>
+              <a:rPr lang="en-US" dirty="0" smtClean="0"/>
+              <a:t> -R </a:t>
+            </a:r>
+            <a:r>
+              <a:rPr lang="en-US" dirty="0" err="1" smtClean="0"/>
+              <a:t>mydir</a:t>
+            </a:r>
+            <a:r>
+              <a:rPr lang="en-US" dirty="0" smtClean="0"/>
+              <a:t>			recursively list all files in </a:t>
+            </a:r>
+            <a:r>
+              <a:rPr lang="en-US" dirty="0" err="1" smtClean="0"/>
+              <a:t>mydir</a:t>
+            </a:r>
+            <a:endParaRPr lang="en-US" dirty="0" smtClean="0"/>
+          </a:p>
+          <a:p>
+            <a:endParaRPr lang="en-US" dirty="0" smtClean="0"/>
+          </a:p>
+          <a:p>
+            <a:r>
+              <a:rPr lang="en-US" b="1" dirty="0" smtClean="0"/>
+              <a:t>cat = print out file</a:t>
+            </a:r>
+          </a:p>
+          <a:p>
+            <a:r>
+              <a:rPr lang="en-US" dirty="0" smtClean="0"/>
+              <a:t>	cat </a:t>
+            </a:r>
+            <a:r>
+              <a:rPr lang="en-US" dirty="0" err="1" smtClean="0"/>
+              <a:t>myText.txt</a:t>
             </a:r>
             <a:r>
               <a:rPr lang="en-US" dirty="0" smtClean="0"/>
@@ -5119,61 +6721,65 @@
             </a:r>
             <a:r>
               <a:rPr lang="en-US" i="1" dirty="0" smtClean="0"/>
-              <a:t>deletes "</a:t>
+              <a:t>prints out contents of "</a:t>
             </a:r>
             <a:r>
               <a:rPr lang="en-US" i="1" dirty="0" err="1" smtClean="0"/>
-              <a:t>fileA</a:t>
+              <a:t>myText.txt</a:t>
             </a:r>
             <a:r>
               <a:rPr lang="en-US" i="1" dirty="0" smtClean="0"/>
               <a:t>"</a:t>
             </a:r>
-          </a:p>
-          <a:p>
+            <a:r>
+              <a:rPr lang="en-US" dirty="0" smtClean="0"/>
+              <a:t> </a:t>
+            </a:r>
+          </a:p>
+          <a:p>
+            <a:endParaRPr lang="en-US" dirty="0" smtClean="0"/>
+          </a:p>
+          <a:p>
+            <a:r>
+              <a:rPr lang="en-US" b="1" dirty="0" smtClean="0"/>
+              <a:t>echo</a:t>
+            </a:r>
+            <a:r>
+              <a:rPr lang="en-US" b="1" dirty="0" smtClean="0"/>
+              <a:t> = print out </a:t>
+            </a:r>
+            <a:r>
+              <a:rPr lang="en-US" b="1" dirty="0" smtClean="0"/>
+              <a:t>from command line</a:t>
+            </a:r>
+            <a:endParaRPr lang="en-US" b="1" dirty="0" smtClean="0"/>
+          </a:p>
+          <a:p>
+            <a:r>
+              <a:rPr lang="en-US" dirty="0" smtClean="0"/>
+              <a:t>	</a:t>
+            </a:r>
+            <a:r>
+              <a:rPr lang="en-US" dirty="0" smtClean="0"/>
+              <a:t>echo</a:t>
+            </a:r>
+            <a:r>
+              <a:rPr lang="en-US" dirty="0" smtClean="0"/>
+              <a:t> </a:t>
+            </a:r>
+            <a:r>
+              <a:rPr lang="en-US" dirty="0" smtClean="0"/>
+              <a:t>hello there!</a:t>
+            </a:r>
+            <a:r>
+              <a:rPr lang="en-US" dirty="0" smtClean="0"/>
+              <a:t>		</a:t>
+            </a:r>
             <a:r>
               <a:rPr lang="en-US" i="1" dirty="0" smtClean="0"/>
-              <a:t>	</a:t>
-            </a:r>
-            <a:r>
-              <a:rPr lang="en-US" dirty="0" err="1" smtClean="0"/>
-              <a:t>rm</a:t>
-            </a:r>
-            <a:r>
-              <a:rPr lang="en-US" dirty="0" smtClean="0"/>
-              <a:t> –</a:t>
-            </a:r>
-            <a:r>
-              <a:rPr lang="en-US" dirty="0" err="1" smtClean="0"/>
-              <a:t>rf</a:t>
-            </a:r>
-            <a:r>
-              <a:rPr lang="en-US" dirty="0" smtClean="0"/>
-              <a:t> </a:t>
-            </a:r>
-            <a:r>
-              <a:rPr lang="en-US" dirty="0" err="1" smtClean="0"/>
-              <a:t>dirA</a:t>
-            </a:r>
-            <a:r>
-              <a:rPr lang="en-US" i="1" dirty="0" smtClean="0"/>
-              <a:t>			VERY DANGEROUS! recursively deletes everything in </a:t>
-            </a:r>
-            <a:r>
-              <a:rPr lang="en-US" i="1" dirty="0" err="1" smtClean="0"/>
-              <a:t>dirA</a:t>
-            </a:r>
-            <a:endParaRPr lang="en-US" i="1" dirty="0" smtClean="0"/>
-          </a:p>
-          <a:p>
-            <a:r>
-              <a:rPr lang="en-US" i="1" dirty="0" smtClean="0"/>
-              <a:t> </a:t>
-            </a:r>
-            <a:r>
-              <a:rPr lang="en-US" dirty="0" smtClean="0"/>
-              <a:t> </a:t>
-            </a:r>
+              <a:t>prints out "hello there!"</a:t>
+            </a:r>
+            <a:endParaRPr lang="en-US" dirty="0" smtClean="0"/>
           </a:p>
           <a:p>
             <a:endParaRPr lang="en-US" dirty="0" smtClean="0"/>
@@ -5237,7 +6843,11 @@
           <a:bodyPr/>
           <a:lstStyle/>
           <a:p>
-            <a:endParaRPr lang="en-US"/>
+            <a:r>
+              <a:rPr lang="en-US" dirty="0" smtClean="0"/>
+              <a:t>Common Unix / Terminal commands</a:t>
+            </a:r>
+            <a:endParaRPr lang="en-US" dirty="0"/>
           </a:p>
         </p:txBody>
       </p:sp>
@@ -5257,22 +6867,18 @@
           <a:lstStyle/>
           <a:p>
             <a:r>
-              <a:rPr lang="en-US" b="1" dirty="0" err="1" smtClean="0"/>
-              <a:t>ssh</a:t>
-            </a:r>
-            <a:r>
               <a:rPr lang="en-US" b="1" dirty="0" smtClean="0"/>
-              <a:t> = open a secure shell to a remote server</a:t>
-            </a:r>
-          </a:p>
-          <a:p>
-            <a:r>
-              <a:rPr lang="en-US" dirty="0" smtClean="0"/>
-              <a:t>	</a:t>
-            </a:r>
-            <a:r>
-              <a:rPr lang="en-US" dirty="0" err="1" smtClean="0"/>
-              <a:t>ssh</a:t>
+              <a:t>cp = copy file</a:t>
+            </a:r>
+          </a:p>
+          <a:p>
+            <a:r>
+              <a:rPr lang="en-US" dirty="0" smtClean="0"/>
+              <a:t>	cp </a:t>
+            </a:r>
+            <a:r>
+              <a:rPr lang="en-US" dirty="0" err="1" smtClean="0"/>
+              <a:t>fileA</a:t>
             </a:r>
             <a:r>
               <a:rPr lang="en-US" dirty="0" smtClean="0"/>
@@ -5280,7 +6886,7 @@
             </a:r>
             <a:r>
               <a:rPr lang="en-US" dirty="0" err="1" smtClean="0"/>
-              <a:t>my.name@my.server</a:t>
+              <a:t>fileB</a:t>
             </a:r>
             <a:r>
               <a:rPr lang="en-US" dirty="0" smtClean="0"/>
@@ -5288,47 +6894,75 @@
             </a:r>
             <a:r>
               <a:rPr lang="en-US" i="1" dirty="0" smtClean="0"/>
-              <a:t>logs you into your home directory on "</a:t>
+              <a:t>copies the contents of "</a:t>
             </a:r>
             <a:r>
               <a:rPr lang="en-US" i="1" dirty="0" err="1" smtClean="0"/>
-              <a:t>my.server</a:t>
+              <a:t>fileA</a:t>
+            </a:r>
+            <a:r>
+              <a:rPr lang="en-US" i="1" dirty="0" smtClean="0"/>
+              <a:t>" into a new file named "</a:t>
+            </a:r>
+            <a:r>
+              <a:rPr lang="en-US" i="1" dirty="0" err="1" smtClean="0"/>
+              <a:t>fileB</a:t>
             </a:r>
             <a:r>
               <a:rPr lang="en-US" i="1" dirty="0" smtClean="0"/>
               <a:t>"</a:t>
             </a:r>
-            <a:endParaRPr lang="en-US" dirty="0" smtClean="0"/>
-          </a:p>
-          <a:p>
-            <a:endParaRPr lang="en-US" i="1" dirty="0" smtClean="0"/>
-          </a:p>
-          <a:p>
-            <a:r>
-              <a:rPr lang="en-US" b="1" dirty="0" err="1" smtClean="0"/>
-              <a:t>sftp</a:t>
-            </a:r>
-            <a:r>
-              <a:rPr lang="en-US" b="1" dirty="0" smtClean="0"/>
-              <a:t> = secure file transfer protocol (using </a:t>
-            </a:r>
-            <a:r>
-              <a:rPr lang="en-US" b="1" dirty="0" err="1" smtClean="0"/>
-              <a:t>ssh</a:t>
-            </a:r>
-            <a:r>
-              <a:rPr lang="en-US" b="1" dirty="0" smtClean="0"/>
-              <a:t>)</a:t>
-            </a:r>
-          </a:p>
-          <a:p>
-            <a:r>
-              <a:rPr lang="en-US" dirty="0" smtClean="0"/>
-              <a:t>	</a:t>
-            </a:r>
-            <a:r>
-              <a:rPr lang="en-US" dirty="0" err="1" smtClean="0"/>
-              <a:t>sftp</a:t>
+          </a:p>
+          <a:p>
+            <a:r>
+              <a:rPr lang="en-US" dirty="0" smtClean="0"/>
+              <a:t>	cp </a:t>
+            </a:r>
+            <a:r>
+              <a:rPr lang="en-US" dirty="0" err="1" smtClean="0"/>
+              <a:t>src</a:t>
+            </a:r>
+            <a:r>
+              <a:rPr lang="en-US" dirty="0" smtClean="0"/>
+              <a:t>/* ../</a:t>
+            </a:r>
+            <a:r>
+              <a:rPr lang="en-US" dirty="0" err="1" smtClean="0"/>
+              <a:t>dest</a:t>
+            </a:r>
+            <a:r>
+              <a:rPr lang="en-US" dirty="0" smtClean="0"/>
+              <a:t>/	</a:t>
+            </a:r>
+            <a:r>
+              <a:rPr lang="en-US" i="1" dirty="0" smtClean="0"/>
+              <a:t>copies all files in "</a:t>
+            </a:r>
+            <a:r>
+              <a:rPr lang="en-US" i="1" dirty="0" err="1" smtClean="0"/>
+              <a:t>src</a:t>
+            </a:r>
+            <a:r>
+              <a:rPr lang="en-US" i="1" dirty="0" smtClean="0"/>
+              <a:t>" into "</a:t>
+            </a:r>
+            <a:r>
+              <a:rPr lang="en-US" i="1" dirty="0" err="1" smtClean="0"/>
+              <a:t>dest</a:t>
+            </a:r>
+            <a:r>
+              <a:rPr lang="en-US" i="1" dirty="0" smtClean="0"/>
+              <a:t>" inside the parent directory</a:t>
+            </a:r>
+          </a:p>
+          <a:p>
+            <a:r>
+              <a:rPr lang="en-US" dirty="0" smtClean="0"/>
+              <a:t>	cp –</a:t>
+            </a:r>
+            <a:r>
+              <a:rPr lang="en-US" dirty="0" err="1" smtClean="0"/>
+              <a:t>r</a:t>
             </a:r>
             <a:r>
               <a:rPr lang="en-US" dirty="0" smtClean="0"/>
@@ -5336,23 +6970,35 @@
             </a:r>
             <a:r>
               <a:rPr lang="en-US" dirty="0" err="1" smtClean="0"/>
-              <a:t>my.name@</a:t>
-            </a:r>
-            <a:r>
-              <a:rPr lang="en-US" dirty="0" err="1" smtClean="0"/>
-              <a:t>my.server</a:t>
-            </a:r>
-            <a:r>
-              <a:rPr lang="en-US" dirty="0" smtClean="0"/>
-              <a:t> 	</a:t>
+              <a:t>src</a:t>
+            </a:r>
+            <a:r>
+              <a:rPr lang="en-US" dirty="0" smtClean="0"/>
+              <a:t>/ </a:t>
+            </a:r>
+            <a:r>
+              <a:rPr lang="en-US" dirty="0" err="1" smtClean="0"/>
+              <a:t>dest</a:t>
+            </a:r>
+            <a:r>
+              <a:rPr lang="en-US" dirty="0" smtClean="0"/>
+              <a:t>/	</a:t>
             </a:r>
             <a:r>
               <a:rPr lang="en-US" i="1" dirty="0" smtClean="0"/>
-              <a:t>browse through and transfer files from "</a:t>
+              <a:t>copies all files and directories in "</a:t>
             </a:r>
             <a:r>
               <a:rPr lang="en-US" i="1" dirty="0" err="1" smtClean="0"/>
-              <a:t>my.server</a:t>
+              <a:t>src</a:t>
+            </a:r>
+            <a:r>
+              <a:rPr lang="en-US" i="1" dirty="0" smtClean="0"/>
+              <a:t>" recursively into "</a:t>
+            </a:r>
+            <a:r>
+              <a:rPr lang="en-US" i="1" dirty="0" err="1" smtClean="0"/>
+              <a:t>dest</a:t>
             </a:r>
             <a:r>
               <a:rPr lang="en-US" i="1" dirty="0" smtClean="0"/>
@@ -5360,14 +7006,315 @@
             </a:r>
           </a:p>
           <a:p>
-            <a:endParaRPr lang="en-US" dirty="0" smtClean="0"/>
-          </a:p>
-          <a:p>
             <a:r>
               <a:rPr lang="en-US" dirty="0" smtClean="0"/>
               <a:t> </a:t>
             </a:r>
-            <a:endParaRPr lang="en-US" dirty="0"/>
+          </a:p>
+          <a:p>
+            <a:r>
+              <a:rPr lang="en-US" b="1" dirty="0" err="1" smtClean="0"/>
+              <a:t>mv</a:t>
+            </a:r>
+            <a:r>
+              <a:rPr lang="en-US" b="1" dirty="0" smtClean="0"/>
+              <a:t> = move file</a:t>
+            </a:r>
+          </a:p>
+          <a:p>
+            <a:r>
+              <a:rPr lang="en-US" i="1" dirty="0" smtClean="0"/>
+              <a:t> 	</a:t>
+            </a:r>
+            <a:r>
+              <a:rPr lang="en-US" dirty="0" err="1" smtClean="0"/>
+              <a:t>mv</a:t>
+            </a:r>
+            <a:r>
+              <a:rPr lang="en-US" dirty="0" smtClean="0"/>
+              <a:t> </a:t>
+            </a:r>
+            <a:r>
+              <a:rPr lang="en-US" dirty="0" err="1" smtClean="0"/>
+              <a:t>fileA</a:t>
+            </a:r>
+            <a:r>
+              <a:rPr lang="en-US" dirty="0" smtClean="0"/>
+              <a:t> </a:t>
+            </a:r>
+            <a:r>
+              <a:rPr lang="en-US" dirty="0" err="1" smtClean="0"/>
+              <a:t>fileB</a:t>
+            </a:r>
+            <a:r>
+              <a:rPr lang="en-US" dirty="0" smtClean="0"/>
+              <a:t>		</a:t>
+            </a:r>
+            <a:r>
+              <a:rPr lang="en-US" i="1" dirty="0" smtClean="0"/>
+              <a:t>renames "</a:t>
+            </a:r>
+            <a:r>
+              <a:rPr lang="en-US" i="1" dirty="0" err="1" smtClean="0"/>
+              <a:t>fileA</a:t>
+            </a:r>
+            <a:r>
+              <a:rPr lang="en-US" i="1" dirty="0" smtClean="0"/>
+              <a:t>" to "</a:t>
+            </a:r>
+            <a:r>
+              <a:rPr lang="en-US" i="1" dirty="0" err="1" smtClean="0"/>
+              <a:t>fileB</a:t>
+            </a:r>
+            <a:r>
+              <a:rPr lang="en-US" i="1" dirty="0" smtClean="0"/>
+              <a:t>"</a:t>
+            </a:r>
+            <a:endParaRPr lang="en-US" dirty="0" smtClean="0"/>
+          </a:p>
+          <a:p>
+            <a:r>
+              <a:rPr lang="en-US" i="1" dirty="0" smtClean="0"/>
+              <a:t>	</a:t>
+            </a:r>
+            <a:r>
+              <a:rPr lang="en-US" dirty="0" err="1" smtClean="0"/>
+              <a:t>mv</a:t>
+            </a:r>
+            <a:r>
+              <a:rPr lang="en-US" dirty="0" smtClean="0"/>
+              <a:t> </a:t>
+            </a:r>
+            <a:r>
+              <a:rPr lang="en-US" dirty="0" err="1" smtClean="0"/>
+              <a:t>dirA</a:t>
+            </a:r>
+            <a:r>
+              <a:rPr lang="en-US" dirty="0" smtClean="0"/>
+              <a:t> ~/</a:t>
+            </a:r>
+            <a:r>
+              <a:rPr lang="en-US" dirty="0" err="1" smtClean="0"/>
+              <a:t>dirZ</a:t>
+            </a:r>
+            <a:r>
+              <a:rPr lang="en-US" dirty="0" smtClean="0"/>
+              <a:t> 		</a:t>
+            </a:r>
+            <a:r>
+              <a:rPr lang="en-US" i="1" dirty="0" smtClean="0"/>
+              <a:t>moves "</a:t>
+            </a:r>
+            <a:r>
+              <a:rPr lang="en-US" i="1" dirty="0" err="1" smtClean="0"/>
+              <a:t>dirA</a:t>
+            </a:r>
+            <a:r>
+              <a:rPr lang="en-US" i="1" dirty="0" smtClean="0"/>
+              <a:t>" into the home directory, renaming it "</a:t>
+            </a:r>
+            <a:r>
+              <a:rPr lang="en-US" i="1" dirty="0" err="1" smtClean="0"/>
+              <a:t>dirZ</a:t>
+            </a:r>
+            <a:r>
+              <a:rPr lang="en-US" i="1" dirty="0" smtClean="0"/>
+              <a:t>"</a:t>
+            </a:r>
+          </a:p>
+          <a:p>
+            <a:endParaRPr lang="en-US" dirty="0" smtClean="0"/>
+          </a:p>
+          <a:p>
+            <a:r>
+              <a:rPr lang="en-US" b="1" dirty="0" err="1" smtClean="0"/>
+              <a:t>mkdir</a:t>
+            </a:r>
+            <a:r>
+              <a:rPr lang="en-US" b="1" dirty="0" smtClean="0"/>
+              <a:t> = make a new directory</a:t>
+            </a:r>
+          </a:p>
+          <a:p>
+            <a:r>
+              <a:rPr lang="en-US" b="1" dirty="0" smtClean="0"/>
+              <a:t>	</a:t>
+            </a:r>
+            <a:r>
+              <a:rPr lang="en-US" dirty="0" err="1" smtClean="0"/>
+              <a:t>mkdir</a:t>
+            </a:r>
+            <a:r>
+              <a:rPr lang="en-US" dirty="0" smtClean="0"/>
+              <a:t> </a:t>
+            </a:r>
+            <a:r>
+              <a:rPr lang="en-US" dirty="0" err="1" smtClean="0"/>
+              <a:t>newdir</a:t>
+            </a:r>
+            <a:r>
+              <a:rPr lang="en-US" b="1" dirty="0" smtClean="0"/>
+              <a:t>		</a:t>
+            </a:r>
+            <a:r>
+              <a:rPr lang="en-US" i="1" dirty="0" smtClean="0"/>
+              <a:t>makes a new directory "</a:t>
+            </a:r>
+            <a:r>
+              <a:rPr lang="en-US" i="1" dirty="0" err="1" smtClean="0"/>
+              <a:t>newdir</a:t>
+            </a:r>
+            <a:r>
+              <a:rPr lang="en-US" i="1" dirty="0" smtClean="0"/>
+              <a:t>" under the current directory</a:t>
+            </a:r>
+          </a:p>
+          <a:p>
+            <a:endParaRPr lang="en-US" dirty="0" smtClean="0"/>
+          </a:p>
+          <a:p>
+            <a:r>
+              <a:rPr lang="en-US" b="1" dirty="0" err="1" smtClean="0"/>
+              <a:t>rmdir</a:t>
+            </a:r>
+            <a:r>
+              <a:rPr lang="en-US" b="1" dirty="0" smtClean="0"/>
+              <a:t> = delete an empty directory</a:t>
+            </a:r>
+          </a:p>
+          <a:p>
+            <a:r>
+              <a:rPr lang="en-US" dirty="0" smtClean="0"/>
+              <a:t>	</a:t>
+            </a:r>
+            <a:r>
+              <a:rPr lang="en-US" dirty="0" err="1" smtClean="0"/>
+              <a:t>rmdir</a:t>
+            </a:r>
+            <a:r>
+              <a:rPr lang="en-US" dirty="0" smtClean="0"/>
+              <a:t> </a:t>
+            </a:r>
+            <a:r>
+              <a:rPr lang="en-US" dirty="0" err="1" smtClean="0"/>
+              <a:t>emptydir</a:t>
+            </a:r>
+            <a:r>
+              <a:rPr lang="en-US" dirty="0" smtClean="0"/>
+              <a:t>		</a:t>
+            </a:r>
+            <a:r>
+              <a:rPr lang="en-US" i="1" dirty="0" smtClean="0"/>
+              <a:t>empty dir is deleted</a:t>
+            </a:r>
+          </a:p>
+          <a:p>
+            <a:endParaRPr lang="en-US" dirty="0" smtClean="0"/>
+          </a:p>
+          <a:p>
+            <a:r>
+              <a:rPr lang="en-US" b="1" dirty="0" err="1" smtClean="0"/>
+              <a:t>rm</a:t>
+            </a:r>
+            <a:r>
+              <a:rPr lang="en-US" b="1" dirty="0" smtClean="0"/>
+              <a:t> = permanently removes a file or directory</a:t>
+            </a:r>
+          </a:p>
+          <a:p>
+            <a:r>
+              <a:rPr lang="en-US" dirty="0" smtClean="0"/>
+              <a:t>	</a:t>
+            </a:r>
+            <a:r>
+              <a:rPr lang="en-US" dirty="0" err="1" smtClean="0"/>
+              <a:t>rm</a:t>
+            </a:r>
+            <a:r>
+              <a:rPr lang="en-US" dirty="0" smtClean="0"/>
+              <a:t> </a:t>
+            </a:r>
+            <a:r>
+              <a:rPr lang="en-US" dirty="0" err="1" smtClean="0"/>
+              <a:t>fileA</a:t>
+            </a:r>
+            <a:r>
+              <a:rPr lang="en-US" dirty="0" smtClean="0"/>
+              <a:t>			</a:t>
+            </a:r>
+            <a:r>
+              <a:rPr lang="en-US" i="1" dirty="0" smtClean="0"/>
+              <a:t>deletes "</a:t>
+            </a:r>
+            <a:r>
+              <a:rPr lang="en-US" i="1" dirty="0" err="1" smtClean="0"/>
+              <a:t>fileA</a:t>
+            </a:r>
+            <a:r>
+              <a:rPr lang="en-US" i="1" dirty="0" smtClean="0"/>
+              <a:t>"</a:t>
+            </a:r>
+          </a:p>
+          <a:p>
+            <a:r>
+              <a:rPr lang="en-US" i="1" dirty="0" smtClean="0"/>
+              <a:t>	</a:t>
+            </a:r>
+            <a:r>
+              <a:rPr lang="en-US" dirty="0" err="1" smtClean="0"/>
+              <a:t>rm</a:t>
+            </a:r>
+            <a:r>
+              <a:rPr lang="en-US" dirty="0" smtClean="0"/>
+              <a:t> –</a:t>
+            </a:r>
+            <a:r>
+              <a:rPr lang="en-US" dirty="0" err="1" smtClean="0"/>
+              <a:t>rf</a:t>
+            </a:r>
+            <a:r>
+              <a:rPr lang="en-US" dirty="0" smtClean="0"/>
+              <a:t> </a:t>
+            </a:r>
+            <a:r>
+              <a:rPr lang="en-US" dirty="0" err="1" smtClean="0"/>
+              <a:t>dirA</a:t>
+            </a:r>
+            <a:r>
+              <a:rPr lang="en-US" i="1" dirty="0" smtClean="0"/>
+              <a:t>		VERY DANGEROUS! recursively deletes everything in "</a:t>
+            </a:r>
+            <a:r>
+              <a:rPr lang="en-US" i="1" dirty="0" err="1" smtClean="0"/>
+              <a:t>dirA</a:t>
+            </a:r>
+            <a:r>
+              <a:rPr lang="en-US" i="1" dirty="0" smtClean="0"/>
+              <a:t>"</a:t>
+            </a:r>
+          </a:p>
+          <a:p>
+            <a:r>
+              <a:rPr lang="en-US" i="1" dirty="0" smtClean="0"/>
+              <a:t> </a:t>
+            </a:r>
+            <a:r>
+              <a:rPr lang="en-US" dirty="0" smtClean="0"/>
+              <a:t> </a:t>
+            </a:r>
+          </a:p>
+          <a:p>
+            <a:endParaRPr lang="en-US" dirty="0" smtClean="0"/>
+          </a:p>
+          <a:p>
+            <a:endParaRPr lang="en-US" dirty="0" smtClean="0"/>
+          </a:p>
+          <a:p>
+            <a:r>
+              <a:rPr lang="en-US" i="1" dirty="0" smtClean="0"/>
+              <a:t> </a:t>
+            </a:r>
+            <a:endParaRPr lang="en-US" i="1" dirty="0"/>
           </a:p>
         </p:txBody>
       </p:sp>
@@ -5376,6 +7323,984 @@
   <p:clrMapOvr>
     <a:masterClrMapping/>
   </p:clrMapOvr>
+  <p:timing>
+    <p:tnLst>
+      <p:par>
+        <p:cTn id="1" dur="indefinite" restart="never" nodeType="tmRoot"/>
+      </p:par>
+    </p:tnLst>
+  </p:timing>
+</p:sld>
+</file>
+
+<file path=ppt/slides/slide7.xml><?xml version="1.0" encoding="utf-8"?>
+<p:sld xmlns:a="http://schemas.openxmlformats.org/drawingml/2006/main" xmlns:r="http://schemas.openxmlformats.org/officeDocument/2006/relationships" xmlns:mc="http://schemas.openxmlformats.org/markup-compatibility/2006" xmlns:mv="urn:schemas-microsoft-com:mac:vml" xmlns:p="http://schemas.openxmlformats.org/presentationml/2006/main" mc:Ignorable="mv" mc:PreserveAttributes="mv:*">
+  <p:cSld>
+    <p:spTree>
+      <p:nvGrpSpPr>
+        <p:cNvPr id="1" name=""/>
+        <p:cNvGrpSpPr/>
+        <p:nvPr/>
+      </p:nvGrpSpPr>
+      <p:grpSpPr>
+        <a:xfrm>
+          <a:off x="0" y="0"/>
+          <a:ext cx="0" cy="0"/>
+          <a:chOff x="0" y="0"/>
+          <a:chExt cx="0" cy="0"/>
+        </a:xfrm>
+      </p:grpSpPr>
+      <p:sp>
+        <p:nvSpPr>
+          <p:cNvPr id="2" name="Title 1"/>
+          <p:cNvSpPr>
+            <a:spLocks noGrp="1"/>
+          </p:cNvSpPr>
+          <p:nvPr>
+            <p:ph type="title"/>
+          </p:nvPr>
+        </p:nvSpPr>
+        <p:spPr/>
+        <p:txBody>
+          <a:bodyPr/>
+          <a:lstStyle/>
+          <a:p>
+            <a:r>
+              <a:rPr lang="en-US" dirty="0" smtClean="0"/>
+              <a:t>Common Unix / Terminal commands</a:t>
+            </a:r>
+            <a:endParaRPr lang="en-US" dirty="0"/>
+          </a:p>
+        </p:txBody>
+      </p:sp>
+      <p:sp>
+        <p:nvSpPr>
+          <p:cNvPr id="3" name="Content Placeholder 2"/>
+          <p:cNvSpPr>
+            <a:spLocks noGrp="1"/>
+          </p:cNvSpPr>
+          <p:nvPr>
+            <p:ph idx="1"/>
+          </p:nvPr>
+        </p:nvSpPr>
+        <p:spPr/>
+        <p:txBody>
+          <a:bodyPr/>
+          <a:lstStyle/>
+          <a:p>
+            <a:endParaRPr lang="en-US" dirty="0" smtClean="0"/>
+          </a:p>
+          <a:p>
+            <a:r>
+              <a:rPr lang="en-US" b="1" dirty="0" smtClean="0"/>
+              <a:t>more</a:t>
+            </a:r>
+            <a:r>
+              <a:rPr lang="en-US" b="1" dirty="0" smtClean="0"/>
+              <a:t> = </a:t>
+            </a:r>
+            <a:r>
+              <a:rPr lang="en-US" b="1" dirty="0" smtClean="0"/>
+              <a:t>page through text</a:t>
+            </a:r>
+            <a:endParaRPr lang="en-US" b="1" dirty="0" smtClean="0"/>
+          </a:p>
+          <a:p>
+            <a:r>
+              <a:rPr lang="en-US" dirty="0" smtClean="0"/>
+              <a:t>	</a:t>
+            </a:r>
+            <a:r>
+              <a:rPr lang="en-US" dirty="0" smtClean="0"/>
+              <a:t>more</a:t>
+            </a:r>
+            <a:r>
+              <a:rPr lang="en-US" dirty="0" smtClean="0"/>
+              <a:t> </a:t>
+            </a:r>
+            <a:r>
+              <a:rPr lang="en-US" dirty="0" err="1" smtClean="0"/>
+              <a:t>bigfile.txt</a:t>
+            </a:r>
+            <a:r>
+              <a:rPr lang="en-US" dirty="0" smtClean="0"/>
+              <a:t> 		</a:t>
+            </a:r>
+            <a:r>
+              <a:rPr lang="en-US" i="1" dirty="0" smtClean="0"/>
+              <a:t>pages through </a:t>
+            </a:r>
+            <a:r>
+              <a:rPr lang="en-US" i="1" dirty="0" err="1" smtClean="0"/>
+              <a:t>bigfile.txt</a:t>
+            </a:r>
+            <a:r>
+              <a:rPr lang="en-US" i="1" dirty="0" smtClean="0"/>
+              <a:t> (by pressing space)</a:t>
+            </a:r>
+          </a:p>
+          <a:p>
+            <a:endParaRPr lang="en-US" i="1" dirty="0" smtClean="0"/>
+          </a:p>
+          <a:p>
+            <a:r>
+              <a:rPr lang="en-US" b="1" dirty="0" smtClean="0"/>
+              <a:t>head</a:t>
+            </a:r>
+            <a:r>
+              <a:rPr lang="en-US" b="1" dirty="0" smtClean="0"/>
+              <a:t> / tail = </a:t>
+            </a:r>
+            <a:r>
+              <a:rPr lang="en-US" b="1" dirty="0" smtClean="0"/>
+              <a:t>print out first or last lines of a file</a:t>
+            </a:r>
+            <a:endParaRPr lang="en-US" b="1" dirty="0" smtClean="0"/>
+          </a:p>
+          <a:p>
+            <a:r>
+              <a:rPr lang="en-US" dirty="0" smtClean="0"/>
+              <a:t>	</a:t>
+            </a:r>
+            <a:r>
+              <a:rPr lang="en-US" dirty="0" smtClean="0"/>
+              <a:t>head</a:t>
+            </a:r>
+            <a:r>
+              <a:rPr lang="en-US" dirty="0" smtClean="0"/>
+              <a:t> -</a:t>
+            </a:r>
+            <a:r>
+              <a:rPr lang="en-US" dirty="0" err="1" smtClean="0"/>
+              <a:t>n</a:t>
+            </a:r>
+            <a:r>
+              <a:rPr lang="en-US" dirty="0" smtClean="0"/>
+              <a:t> 5 </a:t>
+            </a:r>
+            <a:r>
+              <a:rPr lang="en-US" dirty="0" err="1" smtClean="0"/>
+              <a:t>file.txt</a:t>
+            </a:r>
+            <a:r>
+              <a:rPr lang="en-US" dirty="0" smtClean="0"/>
+              <a:t> 		</a:t>
+            </a:r>
+            <a:r>
+              <a:rPr lang="en-US" i="1" dirty="0" smtClean="0"/>
+              <a:t>prints out first 5 lines of </a:t>
+            </a:r>
+            <a:r>
+              <a:rPr lang="en-US" i="1" dirty="0" err="1" smtClean="0"/>
+              <a:t>file.txt</a:t>
+            </a:r>
+            <a:endParaRPr lang="en-US" i="1" dirty="0" smtClean="0"/>
+          </a:p>
+          <a:p>
+            <a:r>
+              <a:rPr lang="en-US" dirty="0" smtClean="0"/>
+              <a:t>	</a:t>
+            </a:r>
+            <a:r>
+              <a:rPr lang="en-US" dirty="0" smtClean="0"/>
+              <a:t>tail</a:t>
+            </a:r>
+            <a:r>
+              <a:rPr lang="en-US" dirty="0" smtClean="0"/>
+              <a:t> -</a:t>
+            </a:r>
+            <a:r>
+              <a:rPr lang="en-US" dirty="0" err="1" smtClean="0"/>
+              <a:t>n</a:t>
+            </a:r>
+            <a:r>
+              <a:rPr lang="en-US" dirty="0" smtClean="0"/>
+              <a:t> 5 </a:t>
+            </a:r>
+            <a:r>
+              <a:rPr lang="en-US" dirty="0" err="1" smtClean="0"/>
+              <a:t>file.txt</a:t>
+            </a:r>
+            <a:r>
+              <a:rPr lang="en-US" dirty="0" smtClean="0"/>
+              <a:t> 		</a:t>
+            </a:r>
+            <a:r>
+              <a:rPr lang="en-US" i="1" dirty="0" smtClean="0"/>
+              <a:t>prints out </a:t>
+            </a:r>
+            <a:r>
+              <a:rPr lang="en-US" i="1" dirty="0" smtClean="0"/>
+              <a:t>last</a:t>
+            </a:r>
+            <a:r>
+              <a:rPr lang="en-US" i="1" dirty="0" smtClean="0"/>
+              <a:t> 5 lines of </a:t>
+            </a:r>
+            <a:r>
+              <a:rPr lang="en-US" i="1" dirty="0" err="1" smtClean="0"/>
+              <a:t>file.txt</a:t>
+            </a:r>
+            <a:endParaRPr lang="en-US" i="1" dirty="0" smtClean="0"/>
+          </a:p>
+          <a:p>
+            <a:endParaRPr lang="en-US" i="1" dirty="0" smtClean="0"/>
+          </a:p>
+          <a:p>
+            <a:r>
+              <a:rPr lang="en-US" b="1" dirty="0" smtClean="0"/>
+              <a:t>find = find files</a:t>
+            </a:r>
+          </a:p>
+          <a:p>
+            <a:r>
+              <a:rPr lang="en-US" i="1" dirty="0" smtClean="0"/>
+              <a:t>	</a:t>
+            </a:r>
+            <a:r>
+              <a:rPr lang="en-US" dirty="0" smtClean="0"/>
+              <a:t>find .</a:t>
+            </a:r>
+            <a:r>
+              <a:rPr lang="en-US" i="1" dirty="0" smtClean="0"/>
+              <a:t> 				recursively list all files from the current directory</a:t>
+            </a:r>
+          </a:p>
+          <a:p>
+            <a:r>
+              <a:rPr lang="en-US" i="1" dirty="0" smtClean="0"/>
+              <a:t>	</a:t>
+            </a:r>
+            <a:r>
+              <a:rPr lang="en-US" dirty="0" smtClean="0"/>
+              <a:t>find ~/logs/*2010*</a:t>
+            </a:r>
+            <a:r>
+              <a:rPr lang="en-US" i="1" dirty="0" smtClean="0"/>
+              <a:t>		list all files in the logs dir that contain "2010"</a:t>
+            </a:r>
+          </a:p>
+          <a:p>
+            <a:endParaRPr lang="en-US" i="1" dirty="0" smtClean="0"/>
+          </a:p>
+          <a:p>
+            <a:r>
+              <a:rPr lang="en-US" b="1" dirty="0" err="1" smtClean="0"/>
+              <a:t>grep</a:t>
+            </a:r>
+            <a:r>
+              <a:rPr lang="en-US" b="1" dirty="0" smtClean="0"/>
+              <a:t> = print lines matching a pattern</a:t>
+            </a:r>
+          </a:p>
+          <a:p>
+            <a:r>
+              <a:rPr lang="en-US" b="1" dirty="0" smtClean="0"/>
+              <a:t>	</a:t>
+            </a:r>
+            <a:r>
+              <a:rPr lang="en-US" dirty="0" err="1" smtClean="0"/>
+              <a:t>grep</a:t>
+            </a:r>
+            <a:r>
+              <a:rPr lang="en-US" dirty="0" smtClean="0"/>
+              <a:t> "</a:t>
+            </a:r>
+            <a:r>
+              <a:rPr lang="en-US" dirty="0"/>
+              <a:t>A</a:t>
+            </a:r>
+            <a:r>
+              <a:rPr lang="en-US" dirty="0" smtClean="0"/>
+              <a:t>" cell* 			</a:t>
+            </a:r>
+            <a:r>
+              <a:rPr lang="en-US" i="1" dirty="0" smtClean="0"/>
+              <a:t>print lines containing "</a:t>
+            </a:r>
+            <a:r>
+              <a:rPr lang="en-US" i="1" dirty="0"/>
+              <a:t>A</a:t>
+            </a:r>
+            <a:r>
+              <a:rPr lang="en-US" i="1" dirty="0" smtClean="0"/>
+              <a:t>" from files starting with "cell"</a:t>
+            </a:r>
+          </a:p>
+          <a:p>
+            <a:r>
+              <a:rPr lang="en-US" i="1" dirty="0" smtClean="0"/>
+              <a:t>	</a:t>
+            </a:r>
+            <a:r>
+              <a:rPr lang="en-US" dirty="0" err="1" smtClean="0"/>
+              <a:t>grep</a:t>
+            </a:r>
+            <a:r>
+              <a:rPr lang="en-US" dirty="0" smtClean="0"/>
+              <a:t> -</a:t>
+            </a:r>
+            <a:r>
+              <a:rPr lang="en-US" dirty="0" err="1" smtClean="0"/>
+              <a:t>i</a:t>
+            </a:r>
+            <a:r>
+              <a:rPr lang="en-US" dirty="0" smtClean="0"/>
+              <a:t> "a" </a:t>
+            </a:r>
+            <a:r>
+              <a:rPr lang="en-US" dirty="0" err="1" smtClean="0"/>
+              <a:t>file.txt</a:t>
+            </a:r>
+            <a:r>
+              <a:rPr lang="en-US" i="1" dirty="0" smtClean="0"/>
+              <a:t>	print lines containing "a" or "A" from </a:t>
+            </a:r>
+            <a:r>
+              <a:rPr lang="en-US" i="1" dirty="0" err="1" smtClean="0"/>
+              <a:t>file.txt</a:t>
+            </a:r>
+            <a:endParaRPr lang="en-US" i="1" dirty="0" smtClean="0"/>
+          </a:p>
+          <a:p>
+            <a:r>
+              <a:rPr lang="en-US" i="1" dirty="0" smtClean="0"/>
+              <a:t>	</a:t>
+            </a:r>
+            <a:r>
+              <a:rPr lang="en-US" dirty="0" err="1" smtClean="0"/>
+              <a:t>grep</a:t>
+            </a:r>
+            <a:r>
+              <a:rPr lang="en-US" dirty="0" smtClean="0"/>
+              <a:t> -</a:t>
+            </a:r>
+            <a:r>
+              <a:rPr lang="en-US" dirty="0" err="1" smtClean="0"/>
+              <a:t>v</a:t>
+            </a:r>
+            <a:r>
+              <a:rPr lang="en-US" dirty="0" smtClean="0"/>
+              <a:t> "a" </a:t>
+            </a:r>
+            <a:r>
+              <a:rPr lang="en-US" dirty="0" err="1" smtClean="0"/>
+              <a:t>file.txt</a:t>
+            </a:r>
+            <a:r>
+              <a:rPr lang="en-US" i="1" dirty="0" smtClean="0"/>
+              <a:t>	print lines that don't contain "a" from </a:t>
+            </a:r>
+            <a:r>
+              <a:rPr lang="en-US" i="1" dirty="0" err="1" smtClean="0"/>
+              <a:t>file.txt</a:t>
+            </a:r>
+            <a:endParaRPr lang="en-US" i="1" dirty="0" smtClean="0"/>
+          </a:p>
+          <a:p>
+            <a:endParaRPr lang="en-US" i="1" dirty="0" smtClean="0"/>
+          </a:p>
+          <a:p>
+            <a:r>
+              <a:rPr lang="en-US" b="1" dirty="0" smtClean="0"/>
+              <a:t>man = get the manual for a command</a:t>
+            </a:r>
+          </a:p>
+          <a:p>
+            <a:r>
+              <a:rPr lang="en-US" b="1" i="1" dirty="0" smtClean="0"/>
+              <a:t>	</a:t>
+            </a:r>
+            <a:r>
+              <a:rPr lang="en-US" dirty="0" smtClean="0"/>
+              <a:t>man </a:t>
+            </a:r>
+            <a:r>
+              <a:rPr lang="en-US" dirty="0" err="1" smtClean="0"/>
+              <a:t>grep</a:t>
+            </a:r>
+            <a:r>
+              <a:rPr lang="en-US" dirty="0" smtClean="0"/>
+              <a:t>				</a:t>
+            </a:r>
+            <a:r>
+              <a:rPr lang="en-US" i="1" dirty="0" smtClean="0"/>
+              <a:t>page through documentation about the </a:t>
+            </a:r>
+            <a:r>
+              <a:rPr lang="en-US" i="1" dirty="0" err="1" smtClean="0"/>
+              <a:t>grep</a:t>
+            </a:r>
+            <a:r>
+              <a:rPr lang="en-US" i="1" dirty="0" smtClean="0"/>
+              <a:t> command</a:t>
+            </a:r>
+            <a:r>
+              <a:rPr lang="en-US" b="1" i="1" dirty="0" smtClean="0"/>
+              <a:t> </a:t>
+            </a:r>
+          </a:p>
+          <a:p>
+            <a:endParaRPr lang="en-US" b="1" i="1" dirty="0" smtClean="0"/>
+          </a:p>
+          <a:p>
+            <a:endParaRPr lang="en-US" b="1" i="1" dirty="0"/>
+          </a:p>
+          <a:p>
+            <a:endParaRPr lang="en-US" b="1" i="1" dirty="0" smtClean="0"/>
+          </a:p>
+          <a:p>
+            <a:r>
+              <a:rPr lang="en-US" i="1" dirty="0"/>
+              <a:t>	</a:t>
+            </a:r>
+            <a:endParaRPr lang="en-US" i="1" dirty="0" smtClean="0"/>
+          </a:p>
+          <a:p>
+            <a:endParaRPr lang="en-US" i="1" dirty="0" smtClean="0"/>
+          </a:p>
+          <a:p>
+            <a:endParaRPr lang="en-US" i="1" dirty="0" smtClean="0"/>
+          </a:p>
+          <a:p>
+            <a:r>
+              <a:rPr lang="en-US" i="1" dirty="0" smtClean="0"/>
+              <a:t> </a:t>
+            </a:r>
+            <a:endParaRPr lang="en-US" i="1" dirty="0" smtClean="0"/>
+          </a:p>
+          <a:p>
+            <a:r>
+              <a:rPr lang="en-US" i="1" dirty="0" smtClean="0"/>
+              <a:t> </a:t>
+            </a:r>
+            <a:endParaRPr lang="en-US" i="1" dirty="0" smtClean="0"/>
+          </a:p>
+          <a:p>
+            <a:r>
+              <a:rPr lang="en-US" dirty="0" smtClean="0"/>
+              <a:t>	</a:t>
+            </a:r>
+            <a:endParaRPr lang="en-US" dirty="0" smtClean="0"/>
+          </a:p>
+          <a:p>
+            <a:endParaRPr lang="en-US" dirty="0" smtClean="0"/>
+          </a:p>
+          <a:p>
+            <a:endParaRPr lang="en-US" dirty="0"/>
+          </a:p>
+          <a:p>
+            <a:endParaRPr lang="en-US" dirty="0" smtClean="0"/>
+          </a:p>
+          <a:p>
+            <a:r>
+              <a:rPr lang="en-US" i="1" dirty="0" smtClean="0"/>
+              <a:t> </a:t>
+            </a:r>
+            <a:r>
+              <a:rPr lang="en-US" dirty="0" smtClean="0"/>
+              <a:t> </a:t>
+            </a:r>
+          </a:p>
+          <a:p>
+            <a:endParaRPr lang="en-US" dirty="0" smtClean="0"/>
+          </a:p>
+          <a:p>
+            <a:endParaRPr lang="en-US" dirty="0" smtClean="0"/>
+          </a:p>
+          <a:p>
+            <a:r>
+              <a:rPr lang="en-US" i="1" dirty="0" smtClean="0"/>
+              <a:t> </a:t>
+            </a:r>
+            <a:endParaRPr lang="en-US" i="1" dirty="0"/>
+          </a:p>
+        </p:txBody>
+      </p:sp>
+    </p:spTree>
+  </p:cSld>
+  <p:clrMapOvr>
+    <a:masterClrMapping/>
+  </p:clrMapOvr>
+  <p:timing>
+    <p:tnLst>
+      <p:par>
+        <p:cTn id="1" dur="indefinite" restart="never" nodeType="tmRoot"/>
+      </p:par>
+    </p:tnLst>
+  </p:timing>
+</p:sld>
+</file>
+
+<file path=ppt/slides/slide8.xml><?xml version="1.0" encoding="utf-8"?>
+<p:sld xmlns:a="http://schemas.openxmlformats.org/drawingml/2006/main" xmlns:r="http://schemas.openxmlformats.org/officeDocument/2006/relationships" xmlns:mc="http://schemas.openxmlformats.org/markup-compatibility/2006" xmlns:mv="urn:schemas-microsoft-com:mac:vml" xmlns:p="http://schemas.openxmlformats.org/presentationml/2006/main" mc:Ignorable="mv" mc:PreserveAttributes="mv:*">
+  <p:cSld>
+    <p:spTree>
+      <p:nvGrpSpPr>
+        <p:cNvPr id="1" name=""/>
+        <p:cNvGrpSpPr/>
+        <p:nvPr/>
+      </p:nvGrpSpPr>
+      <p:grpSpPr>
+        <a:xfrm>
+          <a:off x="0" y="0"/>
+          <a:ext cx="0" cy="0"/>
+          <a:chOff x="0" y="0"/>
+          <a:chExt cx="0" cy="0"/>
+        </a:xfrm>
+      </p:grpSpPr>
+      <p:sp>
+        <p:nvSpPr>
+          <p:cNvPr id="2" name="Title 1"/>
+          <p:cNvSpPr>
+            <a:spLocks noGrp="1"/>
+          </p:cNvSpPr>
+          <p:nvPr>
+            <p:ph type="title"/>
+          </p:nvPr>
+        </p:nvSpPr>
+        <p:spPr/>
+        <p:txBody>
+          <a:bodyPr/>
+          <a:lstStyle/>
+          <a:p>
+            <a:r>
+              <a:rPr lang="en-US" dirty="0" smtClean="0"/>
+              <a:t>Common Unix / Terminal redirection</a:t>
+            </a:r>
+            <a:endParaRPr lang="en-US" dirty="0"/>
+          </a:p>
+        </p:txBody>
+      </p:sp>
+      <p:sp>
+        <p:nvSpPr>
+          <p:cNvPr id="3" name="Content Placeholder 2"/>
+          <p:cNvSpPr>
+            <a:spLocks noGrp="1"/>
+          </p:cNvSpPr>
+          <p:nvPr>
+            <p:ph idx="1"/>
+          </p:nvPr>
+        </p:nvSpPr>
+        <p:spPr/>
+        <p:txBody>
+          <a:bodyPr/>
+          <a:lstStyle/>
+          <a:p>
+            <a:endParaRPr lang="en-US" dirty="0" smtClean="0"/>
+          </a:p>
+          <a:p>
+            <a:r>
+              <a:rPr lang="en-US" b="1" dirty="0" smtClean="0"/>
+              <a:t>pipe |</a:t>
+            </a:r>
+            <a:r>
+              <a:rPr lang="en-US" dirty="0" smtClean="0"/>
+              <a:t> = funnel the output of one program into the input of another one</a:t>
+            </a:r>
+          </a:p>
+          <a:p>
+            <a:r>
+              <a:rPr lang="en-US" dirty="0" smtClean="0"/>
+              <a:t>	cat </a:t>
+            </a:r>
+            <a:r>
+              <a:rPr lang="en-US" dirty="0" err="1" smtClean="0"/>
+              <a:t>bigfile</a:t>
+            </a:r>
+            <a:r>
+              <a:rPr lang="en-US" dirty="0" smtClean="0"/>
+              <a:t> | more			</a:t>
+            </a:r>
+            <a:r>
+              <a:rPr lang="en-US" i="1" dirty="0" smtClean="0"/>
+              <a:t>pages through </a:t>
+            </a:r>
+            <a:r>
+              <a:rPr lang="en-US" i="1" dirty="0" err="1" smtClean="0"/>
+              <a:t>bigfile</a:t>
+            </a:r>
+            <a:endParaRPr lang="en-US" i="1" dirty="0" smtClean="0"/>
+          </a:p>
+          <a:p>
+            <a:r>
+              <a:rPr lang="en-US" dirty="0" smtClean="0"/>
+              <a:t>	</a:t>
+            </a:r>
+            <a:r>
+              <a:rPr lang="en-US" dirty="0" err="1" smtClean="0"/>
+              <a:t>ls</a:t>
+            </a:r>
+            <a:r>
+              <a:rPr lang="en-US" dirty="0" smtClean="0"/>
+              <a:t> </a:t>
+            </a:r>
+            <a:r>
+              <a:rPr lang="en-US" dirty="0" err="1" smtClean="0"/>
+              <a:t>mydir</a:t>
+            </a:r>
+            <a:r>
+              <a:rPr lang="en-US" dirty="0" smtClean="0"/>
+              <a:t> | </a:t>
+            </a:r>
+            <a:r>
+              <a:rPr lang="en-US" dirty="0" err="1" smtClean="0"/>
+              <a:t>grep</a:t>
+            </a:r>
+            <a:r>
+              <a:rPr lang="en-US" dirty="0" smtClean="0"/>
+              <a:t> a*			</a:t>
+            </a:r>
+            <a:r>
+              <a:rPr lang="en-US" i="1" dirty="0" smtClean="0"/>
+              <a:t>only prints out filenames that start with an "a"</a:t>
+            </a:r>
+          </a:p>
+          <a:p>
+            <a:r>
+              <a:rPr lang="en-US" dirty="0" smtClean="0"/>
+              <a:t>	cat </a:t>
+            </a:r>
+            <a:r>
+              <a:rPr lang="en-US" dirty="0" err="1"/>
+              <a:t>a</a:t>
+            </a:r>
+            <a:r>
+              <a:rPr lang="en-US" dirty="0" err="1" smtClean="0"/>
+              <a:t>file</a:t>
+            </a:r>
+            <a:r>
+              <a:rPr lang="en-US" dirty="0" smtClean="0"/>
+              <a:t> | </a:t>
+            </a:r>
+            <a:r>
+              <a:rPr lang="en-US" dirty="0" err="1" smtClean="0"/>
+              <a:t>grep</a:t>
+            </a:r>
+            <a:r>
+              <a:rPr lang="en-US" dirty="0" smtClean="0"/>
+              <a:t> a* | more	pages through lines that start with "a"</a:t>
+            </a:r>
+          </a:p>
+          <a:p>
+            <a:endParaRPr lang="en-US" dirty="0" smtClean="0"/>
+          </a:p>
+          <a:p>
+            <a:r>
+              <a:rPr lang="en-US" b="1" dirty="0" smtClean="0"/>
+              <a:t>redirect output &gt;</a:t>
+            </a:r>
+            <a:r>
+              <a:rPr lang="en-US" dirty="0" smtClean="0"/>
+              <a:t> = funnel the output of a program into a file</a:t>
+            </a:r>
+          </a:p>
+          <a:p>
+            <a:r>
+              <a:rPr lang="en-US" dirty="0" smtClean="0"/>
+              <a:t>	cat </a:t>
+            </a:r>
+            <a:r>
+              <a:rPr lang="en-US" dirty="0" err="1" smtClean="0"/>
+              <a:t>myfile</a:t>
+            </a:r>
+            <a:r>
+              <a:rPr lang="en-US" dirty="0" smtClean="0"/>
+              <a:t> &gt; </a:t>
+            </a:r>
+            <a:r>
+              <a:rPr lang="en-US" dirty="0" err="1" smtClean="0"/>
+              <a:t>text.txt</a:t>
+            </a:r>
+            <a:r>
+              <a:rPr lang="en-US" dirty="0" smtClean="0"/>
+              <a:t>		write the output of "cat </a:t>
+            </a:r>
+            <a:r>
+              <a:rPr lang="en-US" dirty="0" err="1" smtClean="0"/>
+              <a:t>myfile</a:t>
+            </a:r>
+            <a:r>
+              <a:rPr lang="en-US" dirty="0" smtClean="0"/>
+              <a:t>" into the file </a:t>
+            </a:r>
+            <a:r>
+              <a:rPr lang="en-US" dirty="0" err="1" smtClean="0"/>
+              <a:t>text.txt</a:t>
+            </a:r>
+            <a:endParaRPr lang="en-US" dirty="0" smtClean="0"/>
+          </a:p>
+          <a:p>
+            <a:r>
+              <a:rPr lang="en-US" dirty="0" smtClean="0"/>
+              <a:t>	</a:t>
+            </a:r>
+            <a:r>
+              <a:rPr lang="en-US" dirty="0" smtClean="0"/>
+              <a:t>cat </a:t>
+            </a:r>
+            <a:r>
+              <a:rPr lang="en-US" dirty="0" err="1" smtClean="0"/>
+              <a:t>myfile</a:t>
+            </a:r>
+            <a:r>
+              <a:rPr lang="en-US" dirty="0" smtClean="0"/>
+              <a:t> &gt;&gt; </a:t>
+            </a:r>
+            <a:r>
+              <a:rPr lang="en-US" dirty="0" err="1" smtClean="0"/>
+              <a:t>text.txt</a:t>
+            </a:r>
+            <a:r>
+              <a:rPr lang="en-US" dirty="0" smtClean="0"/>
+              <a:t>		</a:t>
+            </a:r>
+            <a:r>
+              <a:rPr lang="en-US" dirty="0" smtClean="0"/>
+              <a:t>append</a:t>
+            </a:r>
+            <a:r>
+              <a:rPr lang="en-US" dirty="0" smtClean="0"/>
+              <a:t> the output of cat </a:t>
+            </a:r>
+            <a:r>
+              <a:rPr lang="en-US" dirty="0" err="1" smtClean="0"/>
+              <a:t>myfile</a:t>
+            </a:r>
+            <a:r>
+              <a:rPr lang="en-US" dirty="0" smtClean="0"/>
+              <a:t>" to the end of </a:t>
+            </a:r>
+            <a:r>
+              <a:rPr lang="en-US" dirty="0" err="1" smtClean="0"/>
+              <a:t>text.txt</a:t>
+            </a:r>
+            <a:endParaRPr lang="en-US" dirty="0" smtClean="0"/>
+          </a:p>
+          <a:p>
+            <a:endParaRPr lang="en-US" dirty="0" smtClean="0"/>
+          </a:p>
+          <a:p>
+            <a:endParaRPr lang="en-US" dirty="0" smtClean="0"/>
+          </a:p>
+          <a:p>
+            <a:endParaRPr lang="en-US" dirty="0" smtClean="0"/>
+          </a:p>
+          <a:p>
+            <a:endParaRPr lang="en-US" dirty="0" smtClean="0"/>
+          </a:p>
+          <a:p>
+            <a:endParaRPr lang="en-US" dirty="0" smtClean="0"/>
+          </a:p>
+          <a:p>
+            <a:r>
+              <a:rPr lang="en-US" i="1" dirty="0" smtClean="0"/>
+              <a:t> </a:t>
+            </a:r>
+            <a:endParaRPr lang="en-US" i="1" dirty="0"/>
+          </a:p>
+        </p:txBody>
+      </p:sp>
+    </p:spTree>
+  </p:cSld>
+  <p:clrMapOvr>
+    <a:masterClrMapping/>
+  </p:clrMapOvr>
+  <p:timing>
+    <p:tnLst>
+      <p:par>
+        <p:cTn id="1" dur="indefinite" restart="never" nodeType="tmRoot"/>
+      </p:par>
+    </p:tnLst>
+  </p:timing>
+</p:sld>
+</file>
+
+<file path=ppt/slides/slide9.xml><?xml version="1.0" encoding="utf-8"?>
+<p:sld xmlns:a="http://schemas.openxmlformats.org/drawingml/2006/main" xmlns:r="http://schemas.openxmlformats.org/officeDocument/2006/relationships" xmlns:mc="http://schemas.openxmlformats.org/markup-compatibility/2006" xmlns:mv="urn:schemas-microsoft-com:mac:vml" xmlns:p="http://schemas.openxmlformats.org/presentationml/2006/main" mc:Ignorable="mv" mc:PreserveAttributes="mv:*">
+  <p:cSld>
+    <p:spTree>
+      <p:nvGrpSpPr>
+        <p:cNvPr id="1" name=""/>
+        <p:cNvGrpSpPr/>
+        <p:nvPr/>
+      </p:nvGrpSpPr>
+      <p:grpSpPr>
+        <a:xfrm>
+          <a:off x="0" y="0"/>
+          <a:ext cx="0" cy="0"/>
+          <a:chOff x="0" y="0"/>
+          <a:chExt cx="0" cy="0"/>
+        </a:xfrm>
+      </p:grpSpPr>
+      <p:sp>
+        <p:nvSpPr>
+          <p:cNvPr id="2" name="Title 1"/>
+          <p:cNvSpPr>
+            <a:spLocks noGrp="1"/>
+          </p:cNvSpPr>
+          <p:nvPr>
+            <p:ph type="title"/>
+          </p:nvPr>
+        </p:nvSpPr>
+        <p:spPr/>
+        <p:txBody>
+          <a:bodyPr/>
+          <a:lstStyle/>
+          <a:p>
+            <a:r>
+              <a:rPr lang="en-US" dirty="0" smtClean="0"/>
+              <a:t>Unix - connect to other machines</a:t>
+            </a:r>
+            <a:endParaRPr lang="en-US" dirty="0"/>
+          </a:p>
+        </p:txBody>
+      </p:sp>
+      <p:sp>
+        <p:nvSpPr>
+          <p:cNvPr id="3" name="Content Placeholder 2"/>
+          <p:cNvSpPr>
+            <a:spLocks noGrp="1"/>
+          </p:cNvSpPr>
+          <p:nvPr>
+            <p:ph idx="1"/>
+          </p:nvPr>
+        </p:nvSpPr>
+        <p:spPr/>
+        <p:txBody>
+          <a:bodyPr/>
+          <a:lstStyle/>
+          <a:p>
+            <a:endParaRPr lang="en-US" b="1" dirty="0" smtClean="0"/>
+          </a:p>
+          <a:p>
+            <a:r>
+              <a:rPr lang="en-US" b="1" dirty="0" err="1" smtClean="0"/>
+              <a:t>ssh</a:t>
+            </a:r>
+            <a:r>
+              <a:rPr lang="en-US" b="1" dirty="0" smtClean="0"/>
+              <a:t> = open a secure shell to a remote server</a:t>
+            </a:r>
+          </a:p>
+          <a:p>
+            <a:r>
+              <a:rPr lang="en-US" dirty="0" smtClean="0"/>
+              <a:t>	</a:t>
+            </a:r>
+            <a:r>
+              <a:rPr lang="en-US" dirty="0" err="1" smtClean="0"/>
+              <a:t>ssh</a:t>
+            </a:r>
+            <a:r>
+              <a:rPr lang="en-US" dirty="0" smtClean="0"/>
+              <a:t> </a:t>
+            </a:r>
+            <a:r>
+              <a:rPr lang="en-US" dirty="0" err="1" smtClean="0"/>
+              <a:t>my.name@my.server</a:t>
+            </a:r>
+            <a:r>
+              <a:rPr lang="en-US" dirty="0" smtClean="0"/>
+              <a:t> 		</a:t>
+            </a:r>
+            <a:r>
+              <a:rPr lang="en-US" i="1" dirty="0" smtClean="0"/>
+              <a:t>logs you into your home directory on "</a:t>
+            </a:r>
+            <a:r>
+              <a:rPr lang="en-US" i="1" dirty="0" err="1" smtClean="0"/>
+              <a:t>my.server</a:t>
+            </a:r>
+            <a:r>
+              <a:rPr lang="en-US" i="1" dirty="0" smtClean="0"/>
+              <a:t>"</a:t>
+            </a:r>
+            <a:endParaRPr lang="en-US" dirty="0" smtClean="0"/>
+          </a:p>
+          <a:p>
+            <a:endParaRPr lang="en-US" i="1" dirty="0" smtClean="0"/>
+          </a:p>
+          <a:p>
+            <a:r>
+              <a:rPr lang="en-US" b="1" dirty="0" err="1" smtClean="0"/>
+              <a:t>sftp</a:t>
+            </a:r>
+            <a:r>
+              <a:rPr lang="en-US" b="1" dirty="0" smtClean="0"/>
+              <a:t> = secure file transfer protocol (using </a:t>
+            </a:r>
+            <a:r>
+              <a:rPr lang="en-US" b="1" dirty="0" err="1" smtClean="0"/>
+              <a:t>ssh</a:t>
+            </a:r>
+            <a:r>
+              <a:rPr lang="en-US" b="1" dirty="0" smtClean="0"/>
+              <a:t>)</a:t>
+            </a:r>
+          </a:p>
+          <a:p>
+            <a:r>
+              <a:rPr lang="en-US" dirty="0" smtClean="0"/>
+              <a:t>	</a:t>
+            </a:r>
+            <a:r>
+              <a:rPr lang="en-US" dirty="0" err="1" smtClean="0"/>
+              <a:t>sftp</a:t>
+            </a:r>
+            <a:r>
+              <a:rPr lang="en-US" dirty="0" smtClean="0"/>
+              <a:t> </a:t>
+            </a:r>
+            <a:r>
+              <a:rPr lang="en-US" dirty="0" err="1" smtClean="0"/>
+              <a:t>my.name@</a:t>
+            </a:r>
+            <a:r>
+              <a:rPr lang="en-US" dirty="0" err="1" smtClean="0"/>
+              <a:t>my.server</a:t>
+            </a:r>
+            <a:r>
+              <a:rPr lang="en-US" dirty="0" smtClean="0"/>
+              <a:t> 		</a:t>
+            </a:r>
+            <a:r>
+              <a:rPr lang="en-US" i="1" dirty="0" smtClean="0"/>
+              <a:t>browse through and transfer files from "</a:t>
+            </a:r>
+            <a:r>
+              <a:rPr lang="en-US" i="1" dirty="0" err="1" smtClean="0"/>
+              <a:t>my.server</a:t>
+            </a:r>
+            <a:r>
+              <a:rPr lang="en-US" i="1" dirty="0" smtClean="0"/>
+              <a:t>"</a:t>
+            </a:r>
+          </a:p>
+          <a:p>
+            <a:endParaRPr lang="en-US" dirty="0" smtClean="0"/>
+          </a:p>
+          <a:p>
+            <a:r>
+              <a:rPr lang="en-US" dirty="0" smtClean="0"/>
+              <a:t> </a:t>
+            </a:r>
+            <a:endParaRPr lang="en-US" dirty="0"/>
+          </a:p>
+        </p:txBody>
+      </p:sp>
+    </p:spTree>
+  </p:cSld>
+  <p:clrMapOvr>
+    <a:masterClrMapping/>
+  </p:clrMapOvr>
+  <p:timing>
+    <p:tnLst>
+      <p:par>
+        <p:cTn id="1" dur="indefinite" restart="never" nodeType="tmRoot"/>
+      </p:par>
+    </p:tnLst>
+  </p:timing>
 </p:sld>
 </file>
 

--- a/slides/week1_thurs.pptx
+++ b/slides/week1_thurs.pptx
@@ -5,10 +5,10 @@
     <p:sldMasterId id="2147483648" r:id="rId1"/>
   </p:sldMasterIdLst>
   <p:notesMasterIdLst>
-    <p:notesMasterId r:id="rId15"/>
+    <p:notesMasterId r:id="rId16"/>
   </p:notesMasterIdLst>
   <p:handoutMasterIdLst>
-    <p:handoutMasterId r:id="rId16"/>
+    <p:handoutMasterId r:id="rId17"/>
   </p:handoutMasterIdLst>
   <p:sldIdLst>
     <p:sldId id="262" r:id="rId2"/>
@@ -24,6 +24,7 @@
     <p:sldId id="278" r:id="rId12"/>
     <p:sldId id="279" r:id="rId13"/>
     <p:sldId id="280" r:id="rId14"/>
+    <p:sldId id="281" r:id="rId15"/>
   </p:sldIdLst>
   <p:sldSz cx="9144000" cy="6858000" type="screen4x3"/>
   <p:notesSz cx="6858000" cy="9144000"/>
@@ -4233,6 +4234,13 @@
   <p:clrMapOvr>
     <a:masterClrMapping/>
   </p:clrMapOvr>
+  <p:timing>
+    <p:tnLst>
+      <p:par>
+        <p:cTn id="1" dur="indefinite" restart="never" nodeType="tmRoot"/>
+      </p:par>
+    </p:tnLst>
+  </p:timing>
 </p:sld>
 </file>
 
@@ -4690,6 +4698,13 @@
   <p:clrMapOvr>
     <a:masterClrMapping/>
   </p:clrMapOvr>
+  <p:timing>
+    <p:tnLst>
+      <p:par>
+        <p:cTn id="1" dur="indefinite" restart="never" nodeType="tmRoot"/>
+      </p:par>
+    </p:tnLst>
+  </p:timing>
 </p:sld>
 </file>
 
@@ -5069,6 +5084,13 @@
   <p:clrMapOvr>
     <a:masterClrMapping/>
   </p:clrMapOvr>
+  <p:timing>
+    <p:tnLst>
+      <p:par>
+        <p:cTn id="1" dur="indefinite" restart="never" nodeType="tmRoot"/>
+      </p:par>
+    </p:tnLst>
+  </p:timing>
 </p:sld>
 </file>
 
@@ -5561,6 +5583,83 @@
   <p:clrMapOvr>
     <a:masterClrMapping/>
   </p:clrMapOvr>
+  <p:timing>
+    <p:tnLst>
+      <p:par>
+        <p:cTn id="1" dur="indefinite" restart="never" nodeType="tmRoot"/>
+      </p:par>
+    </p:tnLst>
+  </p:timing>
+</p:sld>
+</file>
+
+<file path=ppt/slides/slide14.xml><?xml version="1.0" encoding="utf-8"?>
+<p:sld xmlns:a="http://schemas.openxmlformats.org/drawingml/2006/main" xmlns:r="http://schemas.openxmlformats.org/officeDocument/2006/relationships" xmlns:mc="http://schemas.openxmlformats.org/markup-compatibility/2006" xmlns:mv="urn:schemas-microsoft-com:mac:vml" xmlns:p="http://schemas.openxmlformats.org/presentationml/2006/main" mc:Ignorable="mv" mc:PreserveAttributes="mv:*">
+  <p:cSld>
+    <p:spTree>
+      <p:nvGrpSpPr>
+        <p:cNvPr id="1" name=""/>
+        <p:cNvGrpSpPr/>
+        <p:nvPr/>
+      </p:nvGrpSpPr>
+      <p:grpSpPr>
+        <a:xfrm>
+          <a:off x="0" y="0"/>
+          <a:ext cx="0" cy="0"/>
+          <a:chOff x="0" y="0"/>
+          <a:chExt cx="0" cy="0"/>
+        </a:xfrm>
+      </p:grpSpPr>
+      <p:sp>
+        <p:nvSpPr>
+          <p:cNvPr id="2" name="Title 1"/>
+          <p:cNvSpPr>
+            <a:spLocks noGrp="1"/>
+          </p:cNvSpPr>
+          <p:nvPr>
+            <p:ph type="title"/>
+          </p:nvPr>
+        </p:nvSpPr>
+        <p:spPr/>
+        <p:txBody>
+          <a:bodyPr/>
+          <a:lstStyle/>
+          <a:p>
+            <a:endParaRPr lang="en-US"/>
+          </a:p>
+        </p:txBody>
+      </p:sp>
+      <p:sp>
+        <p:nvSpPr>
+          <p:cNvPr id="3" name="Content Placeholder 2"/>
+          <p:cNvSpPr>
+            <a:spLocks noGrp="1"/>
+          </p:cNvSpPr>
+          <p:nvPr>
+            <p:ph idx="1"/>
+          </p:nvPr>
+        </p:nvSpPr>
+        <p:spPr/>
+        <p:txBody>
+          <a:bodyPr/>
+          <a:lstStyle/>
+          <a:p>
+            <a:endParaRPr lang="en-US"/>
+          </a:p>
+        </p:txBody>
+      </p:sp>
+    </p:spTree>
+  </p:cSld>
+  <p:clrMapOvr>
+    <a:masterClrMapping/>
+  </p:clrMapOvr>
+  <p:timing>
+    <p:tnLst>
+      <p:par>
+        <p:cTn id="1" dur="indefinite" restart="never" nodeType="tmRoot"/>
+      </p:par>
+    </p:tnLst>
+  </p:timing>
 </p:sld>
 </file>
 
@@ -6611,6 +6710,13 @@
   <p:clrMapOvr>
     <a:masterClrMapping/>
   </p:clrMapOvr>
+  <p:timing>
+    <p:tnLst>
+      <p:par>
+        <p:cTn id="1" dur="indefinite" restart="never" nodeType="tmRoot"/>
+      </p:par>
+    </p:tnLst>
+  </p:timing>
 </p:sld>
 </file>
 
@@ -6989,6 +7095,13 @@
   <p:clrMapOvr>
     <a:masterClrMapping/>
   </p:clrMapOvr>
+  <p:timing>
+    <p:tnLst>
+      <p:par>
+        <p:cTn id="1" dur="indefinite" restart="never" nodeType="tmRoot"/>
+      </p:par>
+    </p:tnLst>
+  </p:timing>
 </p:sld>
 </file>
 
@@ -7111,6 +7224,13 @@
   <p:clrMapOvr>
     <a:masterClrMapping/>
   </p:clrMapOvr>
+  <p:timing>
+    <p:tnLst>
+      <p:par>
+        <p:cTn id="1" dur="indefinite" restart="never" nodeType="tmRoot"/>
+      </p:par>
+    </p:tnLst>
+  </p:timing>
 </p:sld>
 </file>
 
@@ -7354,6 +7474,13 @@
   <p:clrMapOvr>
     <a:masterClrMapping/>
   </p:clrMapOvr>
+  <p:timing>
+    <p:tnLst>
+      <p:par>
+        <p:cTn id="1" dur="indefinite" restart="never" nodeType="tmRoot"/>
+      </p:par>
+    </p:tnLst>
+  </p:timing>
 </p:sld>
 </file>
 
